--- a/Presentation/AdrianSlides_WORKINPROGRESS.pptx
+++ b/Presentation/AdrianSlides_WORKINPROGRESS.pptx
@@ -5,16 +5,23 @@
     <p:sldMasterId id="2147483648" r:id="rId1"/>
   </p:sldMasterIdLst>
   <p:notesMasterIdLst>
-    <p:notesMasterId r:id="rId6"/>
+    <p:notesMasterId r:id="rId13"/>
   </p:notesMasterIdLst>
   <p:handoutMasterIdLst>
-    <p:handoutMasterId r:id="rId7"/>
+    <p:handoutMasterId r:id="rId14"/>
   </p:handoutMasterIdLst>
   <p:sldIdLst>
     <p:sldId id="262" r:id="rId2"/>
-    <p:sldId id="258" r:id="rId3"/>
-    <p:sldId id="261" r:id="rId4"/>
-    <p:sldId id="263" r:id="rId5"/>
+    <p:sldId id="264" r:id="rId3"/>
+    <p:sldId id="258" r:id="rId4"/>
+    <p:sldId id="265" r:id="rId5"/>
+    <p:sldId id="267" r:id="rId6"/>
+    <p:sldId id="271" r:id="rId7"/>
+    <p:sldId id="270" r:id="rId8"/>
+    <p:sldId id="272" r:id="rId9"/>
+    <p:sldId id="273" r:id="rId10"/>
+    <p:sldId id="268" r:id="rId11"/>
+    <p:sldId id="269" r:id="rId12"/>
   </p:sldIdLst>
   <p:sldSz cx="9144000" cy="6858000" type="screen4x3"/>
   <p:notesSz cx="6858000" cy="9144000"/>
@@ -215,7 +222,7 @@
             <a:fld id="{0252902A-18E7-6440-A09B-741E2A2B6D42}" type="datetimeFigureOut">
               <a:rPr lang="es-ES" smtClean="0"/>
               <a:pPr/>
-              <a:t>01/06/2019</a:t>
+              <a:t>02/06/2019</a:t>
             </a:fld>
             <a:endParaRPr lang="es-ES"/>
           </a:p>
@@ -383,7 +390,7 @@
             <a:fld id="{4FA7064A-13DB-A34E-B31E-2D0AF10C5A7A}" type="datetimeFigureOut">
               <a:rPr lang="es-ES" smtClean="0"/>
               <a:pPr/>
-              <a:t>01/06/2019</a:t>
+              <a:t>02/06/2019</a:t>
             </a:fld>
             <a:endParaRPr lang="es-ES"/>
           </a:p>
@@ -744,6 +751,188 @@
 </p:notes>
 </file>
 
+<file path=ppt/notesSlides/notesSlide10.xml><?xml version="1.0" encoding="utf-8"?>
+<p:notes xmlns:a="http://schemas.openxmlformats.org/drawingml/2006/main" xmlns:r="http://schemas.openxmlformats.org/officeDocument/2006/relationships" xmlns:p="http://schemas.openxmlformats.org/presentationml/2006/main">
+  <p:cSld>
+    <p:spTree>
+      <p:nvGrpSpPr>
+        <p:cNvPr id="1" name=""/>
+        <p:cNvGrpSpPr/>
+        <p:nvPr/>
+      </p:nvGrpSpPr>
+      <p:grpSpPr>
+        <a:xfrm>
+          <a:off x="0" y="0"/>
+          <a:ext cx="0" cy="0"/>
+          <a:chOff x="0" y="0"/>
+          <a:chExt cx="0" cy="0"/>
+        </a:xfrm>
+      </p:grpSpPr>
+      <p:sp>
+        <p:nvSpPr>
+          <p:cNvPr id="7" name="Rectangle 5"/>
+          <p:cNvSpPr>
+            <a:spLocks noGrp="1" noChangeArrowheads="1"/>
+          </p:cNvSpPr>
+          <p:nvPr>
+            <p:ph type="sldNum" sz="quarter" idx="5"/>
+          </p:nvPr>
+        </p:nvSpPr>
+        <p:spPr>
+          <a:ln/>
+        </p:spPr>
+        <p:txBody>
+          <a:bodyPr/>
+          <a:lstStyle/>
+          <a:p>
+            <a:fld id="{C30C6821-A329-462D-8729-A495B1ADAF6C}" type="slidenum">
+              <a:rPr lang="es-ES_tradnl"/>
+              <a:pPr/>
+              <a:t>10</a:t>
+            </a:fld>
+            <a:endParaRPr lang="es-ES_tradnl"/>
+          </a:p>
+        </p:txBody>
+      </p:sp>
+      <p:sp>
+        <p:nvSpPr>
+          <p:cNvPr id="7170" name="Rectangle 2"/>
+          <p:cNvSpPr>
+            <a:spLocks noGrp="1" noRot="1" noChangeAspect="1" noChangeArrowheads="1" noTextEdit="1"/>
+          </p:cNvSpPr>
+          <p:nvPr>
+            <p:ph type="sldImg"/>
+          </p:nvPr>
+        </p:nvSpPr>
+        <p:spPr>
+          <a:ln cap="flat"/>
+        </p:spPr>
+      </p:sp>
+      <p:sp>
+        <p:nvSpPr>
+          <p:cNvPr id="7171" name="Rectangle 3"/>
+          <p:cNvSpPr>
+            <a:spLocks noGrp="1" noChangeArrowheads="1"/>
+          </p:cNvSpPr>
+          <p:nvPr>
+            <p:ph type="body" idx="1"/>
+          </p:nvPr>
+        </p:nvSpPr>
+        <p:spPr>
+          <a:ln/>
+        </p:spPr>
+        <p:txBody>
+          <a:bodyPr/>
+          <a:lstStyle/>
+          <a:p>
+            <a:endParaRPr lang="es-ES"/>
+          </a:p>
+        </p:txBody>
+      </p:sp>
+    </p:spTree>
+    <p:extLst>
+      <p:ext uri="{BB962C8B-B14F-4D97-AF65-F5344CB8AC3E}">
+        <p14:creationId xmlns:p14="http://schemas.microsoft.com/office/powerpoint/2010/main" val="3073545696"/>
+      </p:ext>
+    </p:extLst>
+  </p:cSld>
+  <p:clrMapOvr>
+    <a:masterClrMapping/>
+  </p:clrMapOvr>
+</p:notes>
+</file>
+
+<file path=ppt/notesSlides/notesSlide11.xml><?xml version="1.0" encoding="utf-8"?>
+<p:notes xmlns:a="http://schemas.openxmlformats.org/drawingml/2006/main" xmlns:r="http://schemas.openxmlformats.org/officeDocument/2006/relationships" xmlns:p="http://schemas.openxmlformats.org/presentationml/2006/main">
+  <p:cSld>
+    <p:spTree>
+      <p:nvGrpSpPr>
+        <p:cNvPr id="1" name=""/>
+        <p:cNvGrpSpPr/>
+        <p:nvPr/>
+      </p:nvGrpSpPr>
+      <p:grpSpPr>
+        <a:xfrm>
+          <a:off x="0" y="0"/>
+          <a:ext cx="0" cy="0"/>
+          <a:chOff x="0" y="0"/>
+          <a:chExt cx="0" cy="0"/>
+        </a:xfrm>
+      </p:grpSpPr>
+      <p:sp>
+        <p:nvSpPr>
+          <p:cNvPr id="7" name="Rectangle 5"/>
+          <p:cNvSpPr>
+            <a:spLocks noGrp="1" noChangeArrowheads="1"/>
+          </p:cNvSpPr>
+          <p:nvPr>
+            <p:ph type="sldNum" sz="quarter" idx="5"/>
+          </p:nvPr>
+        </p:nvSpPr>
+        <p:spPr>
+          <a:ln/>
+        </p:spPr>
+        <p:txBody>
+          <a:bodyPr/>
+          <a:lstStyle/>
+          <a:p>
+            <a:fld id="{C30C6821-A329-462D-8729-A495B1ADAF6C}" type="slidenum">
+              <a:rPr lang="es-ES_tradnl"/>
+              <a:pPr/>
+              <a:t>11</a:t>
+            </a:fld>
+            <a:endParaRPr lang="es-ES_tradnl"/>
+          </a:p>
+        </p:txBody>
+      </p:sp>
+      <p:sp>
+        <p:nvSpPr>
+          <p:cNvPr id="7170" name="Rectangle 2"/>
+          <p:cNvSpPr>
+            <a:spLocks noGrp="1" noRot="1" noChangeAspect="1" noChangeArrowheads="1" noTextEdit="1"/>
+          </p:cNvSpPr>
+          <p:nvPr>
+            <p:ph type="sldImg"/>
+          </p:nvPr>
+        </p:nvSpPr>
+        <p:spPr>
+          <a:ln cap="flat"/>
+        </p:spPr>
+      </p:sp>
+      <p:sp>
+        <p:nvSpPr>
+          <p:cNvPr id="7171" name="Rectangle 3"/>
+          <p:cNvSpPr>
+            <a:spLocks noGrp="1" noChangeArrowheads="1"/>
+          </p:cNvSpPr>
+          <p:nvPr>
+            <p:ph type="body" idx="1"/>
+          </p:nvPr>
+        </p:nvSpPr>
+        <p:spPr>
+          <a:ln/>
+        </p:spPr>
+        <p:txBody>
+          <a:bodyPr/>
+          <a:lstStyle/>
+          <a:p>
+            <a:endParaRPr lang="es-ES"/>
+          </a:p>
+        </p:txBody>
+      </p:sp>
+    </p:spTree>
+    <p:extLst>
+      <p:ext uri="{BB962C8B-B14F-4D97-AF65-F5344CB8AC3E}">
+        <p14:creationId xmlns:p14="http://schemas.microsoft.com/office/powerpoint/2010/main" val="3075213570"/>
+      </p:ext>
+    </p:extLst>
+  </p:cSld>
+  <p:clrMapOvr>
+    <a:masterClrMapping/>
+  </p:clrMapOvr>
+</p:notes>
+</file>
+
 <file path=ppt/notesSlides/notesSlide2.xml><?xml version="1.0" encoding="utf-8"?>
 <p:notes xmlns:a="http://schemas.openxmlformats.org/drawingml/2006/main" xmlns:r="http://schemas.openxmlformats.org/officeDocument/2006/relationships" xmlns:p="http://schemas.openxmlformats.org/presentationml/2006/main">
   <p:cSld>
@@ -823,6 +1012,11 @@
         </p:txBody>
       </p:sp>
     </p:spTree>
+    <p:extLst>
+      <p:ext uri="{BB962C8B-B14F-4D97-AF65-F5344CB8AC3E}">
+        <p14:creationId xmlns:p14="http://schemas.microsoft.com/office/powerpoint/2010/main" val="1291807068"/>
+      </p:ext>
+    </p:extLst>
   </p:cSld>
   <p:clrMapOvr>
     <a:masterClrMapping/>
@@ -909,11 +1103,6 @@
         </p:txBody>
       </p:sp>
     </p:spTree>
-    <p:extLst>
-      <p:ext uri="{BB962C8B-B14F-4D97-AF65-F5344CB8AC3E}">
-        <p14:creationId xmlns:p14="http://schemas.microsoft.com/office/powerpoint/2010/main" val="767670283"/>
-      </p:ext>
-    </p:extLst>
   </p:cSld>
   <p:clrMapOvr>
     <a:masterClrMapping/>
@@ -1002,7 +1191,462 @@
     </p:spTree>
     <p:extLst>
       <p:ext uri="{BB962C8B-B14F-4D97-AF65-F5344CB8AC3E}">
-        <p14:creationId xmlns:p14="http://schemas.microsoft.com/office/powerpoint/2010/main" val="3954980159"/>
+        <p14:creationId xmlns:p14="http://schemas.microsoft.com/office/powerpoint/2010/main" val="2931079220"/>
+      </p:ext>
+    </p:extLst>
+  </p:cSld>
+  <p:clrMapOvr>
+    <a:masterClrMapping/>
+  </p:clrMapOvr>
+</p:notes>
+</file>
+
+<file path=ppt/notesSlides/notesSlide5.xml><?xml version="1.0" encoding="utf-8"?>
+<p:notes xmlns:a="http://schemas.openxmlformats.org/drawingml/2006/main" xmlns:r="http://schemas.openxmlformats.org/officeDocument/2006/relationships" xmlns:p="http://schemas.openxmlformats.org/presentationml/2006/main">
+  <p:cSld>
+    <p:spTree>
+      <p:nvGrpSpPr>
+        <p:cNvPr id="1" name=""/>
+        <p:cNvGrpSpPr/>
+        <p:nvPr/>
+      </p:nvGrpSpPr>
+      <p:grpSpPr>
+        <a:xfrm>
+          <a:off x="0" y="0"/>
+          <a:ext cx="0" cy="0"/>
+          <a:chOff x="0" y="0"/>
+          <a:chExt cx="0" cy="0"/>
+        </a:xfrm>
+      </p:grpSpPr>
+      <p:sp>
+        <p:nvSpPr>
+          <p:cNvPr id="7" name="Rectangle 5"/>
+          <p:cNvSpPr>
+            <a:spLocks noGrp="1" noChangeArrowheads="1"/>
+          </p:cNvSpPr>
+          <p:nvPr>
+            <p:ph type="sldNum" sz="quarter" idx="5"/>
+          </p:nvPr>
+        </p:nvSpPr>
+        <p:spPr>
+          <a:ln/>
+        </p:spPr>
+        <p:txBody>
+          <a:bodyPr/>
+          <a:lstStyle/>
+          <a:p>
+            <a:fld id="{C30C6821-A329-462D-8729-A495B1ADAF6C}" type="slidenum">
+              <a:rPr lang="es-ES_tradnl"/>
+              <a:pPr/>
+              <a:t>5</a:t>
+            </a:fld>
+            <a:endParaRPr lang="es-ES_tradnl"/>
+          </a:p>
+        </p:txBody>
+      </p:sp>
+      <p:sp>
+        <p:nvSpPr>
+          <p:cNvPr id="7170" name="Rectangle 2"/>
+          <p:cNvSpPr>
+            <a:spLocks noGrp="1" noRot="1" noChangeAspect="1" noChangeArrowheads="1" noTextEdit="1"/>
+          </p:cNvSpPr>
+          <p:nvPr>
+            <p:ph type="sldImg"/>
+          </p:nvPr>
+        </p:nvSpPr>
+        <p:spPr>
+          <a:ln cap="flat"/>
+        </p:spPr>
+      </p:sp>
+      <p:sp>
+        <p:nvSpPr>
+          <p:cNvPr id="7171" name="Rectangle 3"/>
+          <p:cNvSpPr>
+            <a:spLocks noGrp="1" noChangeArrowheads="1"/>
+          </p:cNvSpPr>
+          <p:nvPr>
+            <p:ph type="body" idx="1"/>
+          </p:nvPr>
+        </p:nvSpPr>
+        <p:spPr>
+          <a:ln/>
+        </p:spPr>
+        <p:txBody>
+          <a:bodyPr/>
+          <a:lstStyle/>
+          <a:p>
+            <a:endParaRPr lang="es-ES"/>
+          </a:p>
+        </p:txBody>
+      </p:sp>
+    </p:spTree>
+    <p:extLst>
+      <p:ext uri="{BB962C8B-B14F-4D97-AF65-F5344CB8AC3E}">
+        <p14:creationId xmlns:p14="http://schemas.microsoft.com/office/powerpoint/2010/main" val="1283012493"/>
+      </p:ext>
+    </p:extLst>
+  </p:cSld>
+  <p:clrMapOvr>
+    <a:masterClrMapping/>
+  </p:clrMapOvr>
+</p:notes>
+</file>
+
+<file path=ppt/notesSlides/notesSlide6.xml><?xml version="1.0" encoding="utf-8"?>
+<p:notes xmlns:a="http://schemas.openxmlformats.org/drawingml/2006/main" xmlns:r="http://schemas.openxmlformats.org/officeDocument/2006/relationships" xmlns:p="http://schemas.openxmlformats.org/presentationml/2006/main">
+  <p:cSld>
+    <p:spTree>
+      <p:nvGrpSpPr>
+        <p:cNvPr id="1" name=""/>
+        <p:cNvGrpSpPr/>
+        <p:nvPr/>
+      </p:nvGrpSpPr>
+      <p:grpSpPr>
+        <a:xfrm>
+          <a:off x="0" y="0"/>
+          <a:ext cx="0" cy="0"/>
+          <a:chOff x="0" y="0"/>
+          <a:chExt cx="0" cy="0"/>
+        </a:xfrm>
+      </p:grpSpPr>
+      <p:sp>
+        <p:nvSpPr>
+          <p:cNvPr id="7" name="Rectangle 5"/>
+          <p:cNvSpPr>
+            <a:spLocks noGrp="1" noChangeArrowheads="1"/>
+          </p:cNvSpPr>
+          <p:nvPr>
+            <p:ph type="sldNum" sz="quarter" idx="5"/>
+          </p:nvPr>
+        </p:nvSpPr>
+        <p:spPr>
+          <a:ln/>
+        </p:spPr>
+        <p:txBody>
+          <a:bodyPr/>
+          <a:lstStyle/>
+          <a:p>
+            <a:fld id="{C30C6821-A329-462D-8729-A495B1ADAF6C}" type="slidenum">
+              <a:rPr lang="es-ES_tradnl"/>
+              <a:pPr/>
+              <a:t>6</a:t>
+            </a:fld>
+            <a:endParaRPr lang="es-ES_tradnl"/>
+          </a:p>
+        </p:txBody>
+      </p:sp>
+      <p:sp>
+        <p:nvSpPr>
+          <p:cNvPr id="7170" name="Rectangle 2"/>
+          <p:cNvSpPr>
+            <a:spLocks noGrp="1" noRot="1" noChangeAspect="1" noChangeArrowheads="1" noTextEdit="1"/>
+          </p:cNvSpPr>
+          <p:nvPr>
+            <p:ph type="sldImg"/>
+          </p:nvPr>
+        </p:nvSpPr>
+        <p:spPr>
+          <a:ln cap="flat"/>
+        </p:spPr>
+      </p:sp>
+      <p:sp>
+        <p:nvSpPr>
+          <p:cNvPr id="7171" name="Rectangle 3"/>
+          <p:cNvSpPr>
+            <a:spLocks noGrp="1" noChangeArrowheads="1"/>
+          </p:cNvSpPr>
+          <p:nvPr>
+            <p:ph type="body" idx="1"/>
+          </p:nvPr>
+        </p:nvSpPr>
+        <p:spPr>
+          <a:ln/>
+        </p:spPr>
+        <p:txBody>
+          <a:bodyPr/>
+          <a:lstStyle/>
+          <a:p>
+            <a:endParaRPr lang="es-ES"/>
+          </a:p>
+        </p:txBody>
+      </p:sp>
+    </p:spTree>
+    <p:extLst>
+      <p:ext uri="{BB962C8B-B14F-4D97-AF65-F5344CB8AC3E}">
+        <p14:creationId xmlns:p14="http://schemas.microsoft.com/office/powerpoint/2010/main" val="3463147042"/>
+      </p:ext>
+    </p:extLst>
+  </p:cSld>
+  <p:clrMapOvr>
+    <a:masterClrMapping/>
+  </p:clrMapOvr>
+</p:notes>
+</file>
+
+<file path=ppt/notesSlides/notesSlide7.xml><?xml version="1.0" encoding="utf-8"?>
+<p:notes xmlns:a="http://schemas.openxmlformats.org/drawingml/2006/main" xmlns:r="http://schemas.openxmlformats.org/officeDocument/2006/relationships" xmlns:p="http://schemas.openxmlformats.org/presentationml/2006/main">
+  <p:cSld>
+    <p:spTree>
+      <p:nvGrpSpPr>
+        <p:cNvPr id="1" name=""/>
+        <p:cNvGrpSpPr/>
+        <p:nvPr/>
+      </p:nvGrpSpPr>
+      <p:grpSpPr>
+        <a:xfrm>
+          <a:off x="0" y="0"/>
+          <a:ext cx="0" cy="0"/>
+          <a:chOff x="0" y="0"/>
+          <a:chExt cx="0" cy="0"/>
+        </a:xfrm>
+      </p:grpSpPr>
+      <p:sp>
+        <p:nvSpPr>
+          <p:cNvPr id="7" name="Rectangle 5"/>
+          <p:cNvSpPr>
+            <a:spLocks noGrp="1" noChangeArrowheads="1"/>
+          </p:cNvSpPr>
+          <p:nvPr>
+            <p:ph type="sldNum" sz="quarter" idx="5"/>
+          </p:nvPr>
+        </p:nvSpPr>
+        <p:spPr>
+          <a:ln/>
+        </p:spPr>
+        <p:txBody>
+          <a:bodyPr/>
+          <a:lstStyle/>
+          <a:p>
+            <a:fld id="{C30C6821-A329-462D-8729-A495B1ADAF6C}" type="slidenum">
+              <a:rPr lang="es-ES_tradnl"/>
+              <a:pPr/>
+              <a:t>7</a:t>
+            </a:fld>
+            <a:endParaRPr lang="es-ES_tradnl"/>
+          </a:p>
+        </p:txBody>
+      </p:sp>
+      <p:sp>
+        <p:nvSpPr>
+          <p:cNvPr id="7170" name="Rectangle 2"/>
+          <p:cNvSpPr>
+            <a:spLocks noGrp="1" noRot="1" noChangeAspect="1" noChangeArrowheads="1" noTextEdit="1"/>
+          </p:cNvSpPr>
+          <p:nvPr>
+            <p:ph type="sldImg"/>
+          </p:nvPr>
+        </p:nvSpPr>
+        <p:spPr>
+          <a:ln cap="flat"/>
+        </p:spPr>
+      </p:sp>
+      <p:sp>
+        <p:nvSpPr>
+          <p:cNvPr id="7171" name="Rectangle 3"/>
+          <p:cNvSpPr>
+            <a:spLocks noGrp="1" noChangeArrowheads="1"/>
+          </p:cNvSpPr>
+          <p:nvPr>
+            <p:ph type="body" idx="1"/>
+          </p:nvPr>
+        </p:nvSpPr>
+        <p:spPr>
+          <a:ln/>
+        </p:spPr>
+        <p:txBody>
+          <a:bodyPr/>
+          <a:lstStyle/>
+          <a:p>
+            <a:endParaRPr lang="es-ES"/>
+          </a:p>
+        </p:txBody>
+      </p:sp>
+    </p:spTree>
+    <p:extLst>
+      <p:ext uri="{BB962C8B-B14F-4D97-AF65-F5344CB8AC3E}">
+        <p14:creationId xmlns:p14="http://schemas.microsoft.com/office/powerpoint/2010/main" val="3445325471"/>
+      </p:ext>
+    </p:extLst>
+  </p:cSld>
+  <p:clrMapOvr>
+    <a:masterClrMapping/>
+  </p:clrMapOvr>
+</p:notes>
+</file>
+
+<file path=ppt/notesSlides/notesSlide8.xml><?xml version="1.0" encoding="utf-8"?>
+<p:notes xmlns:a="http://schemas.openxmlformats.org/drawingml/2006/main" xmlns:r="http://schemas.openxmlformats.org/officeDocument/2006/relationships" xmlns:p="http://schemas.openxmlformats.org/presentationml/2006/main">
+  <p:cSld>
+    <p:spTree>
+      <p:nvGrpSpPr>
+        <p:cNvPr id="1" name=""/>
+        <p:cNvGrpSpPr/>
+        <p:nvPr/>
+      </p:nvGrpSpPr>
+      <p:grpSpPr>
+        <a:xfrm>
+          <a:off x="0" y="0"/>
+          <a:ext cx="0" cy="0"/>
+          <a:chOff x="0" y="0"/>
+          <a:chExt cx="0" cy="0"/>
+        </a:xfrm>
+      </p:grpSpPr>
+      <p:sp>
+        <p:nvSpPr>
+          <p:cNvPr id="7" name="Rectangle 5"/>
+          <p:cNvSpPr>
+            <a:spLocks noGrp="1" noChangeArrowheads="1"/>
+          </p:cNvSpPr>
+          <p:nvPr>
+            <p:ph type="sldNum" sz="quarter" idx="5"/>
+          </p:nvPr>
+        </p:nvSpPr>
+        <p:spPr>
+          <a:ln/>
+        </p:spPr>
+        <p:txBody>
+          <a:bodyPr/>
+          <a:lstStyle/>
+          <a:p>
+            <a:fld id="{C30C6821-A329-462D-8729-A495B1ADAF6C}" type="slidenum">
+              <a:rPr lang="es-ES_tradnl"/>
+              <a:pPr/>
+              <a:t>8</a:t>
+            </a:fld>
+            <a:endParaRPr lang="es-ES_tradnl"/>
+          </a:p>
+        </p:txBody>
+      </p:sp>
+      <p:sp>
+        <p:nvSpPr>
+          <p:cNvPr id="7170" name="Rectangle 2"/>
+          <p:cNvSpPr>
+            <a:spLocks noGrp="1" noRot="1" noChangeAspect="1" noChangeArrowheads="1" noTextEdit="1"/>
+          </p:cNvSpPr>
+          <p:nvPr>
+            <p:ph type="sldImg"/>
+          </p:nvPr>
+        </p:nvSpPr>
+        <p:spPr>
+          <a:ln cap="flat"/>
+        </p:spPr>
+      </p:sp>
+      <p:sp>
+        <p:nvSpPr>
+          <p:cNvPr id="7171" name="Rectangle 3"/>
+          <p:cNvSpPr>
+            <a:spLocks noGrp="1" noChangeArrowheads="1"/>
+          </p:cNvSpPr>
+          <p:nvPr>
+            <p:ph type="body" idx="1"/>
+          </p:nvPr>
+        </p:nvSpPr>
+        <p:spPr>
+          <a:ln/>
+        </p:spPr>
+        <p:txBody>
+          <a:bodyPr/>
+          <a:lstStyle/>
+          <a:p>
+            <a:endParaRPr lang="es-ES"/>
+          </a:p>
+        </p:txBody>
+      </p:sp>
+    </p:spTree>
+    <p:extLst>
+      <p:ext uri="{BB962C8B-B14F-4D97-AF65-F5344CB8AC3E}">
+        <p14:creationId xmlns:p14="http://schemas.microsoft.com/office/powerpoint/2010/main" val="3968068876"/>
+      </p:ext>
+    </p:extLst>
+  </p:cSld>
+  <p:clrMapOvr>
+    <a:masterClrMapping/>
+  </p:clrMapOvr>
+</p:notes>
+</file>
+
+<file path=ppt/notesSlides/notesSlide9.xml><?xml version="1.0" encoding="utf-8"?>
+<p:notes xmlns:a="http://schemas.openxmlformats.org/drawingml/2006/main" xmlns:r="http://schemas.openxmlformats.org/officeDocument/2006/relationships" xmlns:p="http://schemas.openxmlformats.org/presentationml/2006/main">
+  <p:cSld>
+    <p:spTree>
+      <p:nvGrpSpPr>
+        <p:cNvPr id="1" name=""/>
+        <p:cNvGrpSpPr/>
+        <p:nvPr/>
+      </p:nvGrpSpPr>
+      <p:grpSpPr>
+        <a:xfrm>
+          <a:off x="0" y="0"/>
+          <a:ext cx="0" cy="0"/>
+          <a:chOff x="0" y="0"/>
+          <a:chExt cx="0" cy="0"/>
+        </a:xfrm>
+      </p:grpSpPr>
+      <p:sp>
+        <p:nvSpPr>
+          <p:cNvPr id="7" name="Rectangle 5"/>
+          <p:cNvSpPr>
+            <a:spLocks noGrp="1" noChangeArrowheads="1"/>
+          </p:cNvSpPr>
+          <p:nvPr>
+            <p:ph type="sldNum" sz="quarter" idx="5"/>
+          </p:nvPr>
+        </p:nvSpPr>
+        <p:spPr>
+          <a:ln/>
+        </p:spPr>
+        <p:txBody>
+          <a:bodyPr/>
+          <a:lstStyle/>
+          <a:p>
+            <a:fld id="{C30C6821-A329-462D-8729-A495B1ADAF6C}" type="slidenum">
+              <a:rPr lang="es-ES_tradnl"/>
+              <a:pPr/>
+              <a:t>9</a:t>
+            </a:fld>
+            <a:endParaRPr lang="es-ES_tradnl"/>
+          </a:p>
+        </p:txBody>
+      </p:sp>
+      <p:sp>
+        <p:nvSpPr>
+          <p:cNvPr id="7170" name="Rectangle 2"/>
+          <p:cNvSpPr>
+            <a:spLocks noGrp="1" noRot="1" noChangeAspect="1" noChangeArrowheads="1" noTextEdit="1"/>
+          </p:cNvSpPr>
+          <p:nvPr>
+            <p:ph type="sldImg"/>
+          </p:nvPr>
+        </p:nvSpPr>
+        <p:spPr>
+          <a:ln cap="flat"/>
+        </p:spPr>
+      </p:sp>
+      <p:sp>
+        <p:nvSpPr>
+          <p:cNvPr id="7171" name="Rectangle 3"/>
+          <p:cNvSpPr>
+            <a:spLocks noGrp="1" noChangeArrowheads="1"/>
+          </p:cNvSpPr>
+          <p:nvPr>
+            <p:ph type="body" idx="1"/>
+          </p:nvPr>
+        </p:nvSpPr>
+        <p:spPr>
+          <a:ln/>
+        </p:spPr>
+        <p:txBody>
+          <a:bodyPr/>
+          <a:lstStyle/>
+          <a:p>
+            <a:endParaRPr lang="es-ES"/>
+          </a:p>
+        </p:txBody>
+      </p:sp>
+    </p:spTree>
+    <p:extLst>
+      <p:ext uri="{BB962C8B-B14F-4D97-AF65-F5344CB8AC3E}">
+        <p14:creationId xmlns:p14="http://schemas.microsoft.com/office/powerpoint/2010/main" val="245084016"/>
       </p:ext>
     </p:extLst>
   </p:cSld>
@@ -7124,7 +7768,1731 @@
           <a:p>
             <a:r>
               <a:rPr lang="en-GB" dirty="0"/>
-              <a:t>We have picked Publish–subscribe pattern</a:t>
+              <a:t>Our Architecture is Publish–subscribe pattern</a:t>
+            </a:r>
+          </a:p>
+        </p:txBody>
+      </p:sp>
+      <p:sp>
+        <p:nvSpPr>
+          <p:cNvPr id="2" name="Rectangle: Rounded Corners 1">
+            <a:extLst>
+              <a:ext uri="{FF2B5EF4-FFF2-40B4-BE49-F238E27FC236}">
+                <a16:creationId xmlns:a16="http://schemas.microsoft.com/office/drawing/2014/main" id="{F47D14E6-9438-4CB4-BD86-C97C4A1ADAE1}"/>
+              </a:ext>
+            </a:extLst>
+          </p:cNvPr>
+          <p:cNvSpPr/>
+          <p:nvPr/>
+        </p:nvSpPr>
+        <p:spPr>
+          <a:xfrm>
+            <a:off x="483594" y="4654475"/>
+            <a:ext cx="1493821" cy="878186"/>
+          </a:xfrm>
+          <a:prstGeom prst="roundRect">
+            <a:avLst/>
+          </a:prstGeom>
+          <a:solidFill>
+            <a:schemeClr val="bg1"/>
+          </a:solidFill>
+          <a:ln w="28575">
+            <a:solidFill>
+              <a:srgbClr val="00B050"/>
+            </a:solidFill>
+          </a:ln>
+        </p:spPr>
+        <p:style>
+          <a:lnRef idx="1">
+            <a:schemeClr val="accent1"/>
+          </a:lnRef>
+          <a:fillRef idx="3">
+            <a:schemeClr val="accent1"/>
+          </a:fillRef>
+          <a:effectRef idx="2">
+            <a:schemeClr val="accent1"/>
+          </a:effectRef>
+          <a:fontRef idx="minor">
+            <a:schemeClr val="lt1"/>
+          </a:fontRef>
+        </p:style>
+        <p:txBody>
+          <a:bodyPr rtlCol="0" anchor="ctr"/>
+          <a:lstStyle/>
+          <a:p>
+            <a:pPr algn="ctr"/>
+            <a:endParaRPr lang="en-GB"/>
+          </a:p>
+        </p:txBody>
+      </p:sp>
+      <p:sp>
+        <p:nvSpPr>
+          <p:cNvPr id="6" name="Rectangle: Rounded Corners 5">
+            <a:extLst>
+              <a:ext uri="{FF2B5EF4-FFF2-40B4-BE49-F238E27FC236}">
+                <a16:creationId xmlns:a16="http://schemas.microsoft.com/office/drawing/2014/main" id="{E5FC6DF8-A25E-4250-9E5B-C76968641B84}"/>
+              </a:ext>
+            </a:extLst>
+          </p:cNvPr>
+          <p:cNvSpPr/>
+          <p:nvPr/>
+        </p:nvSpPr>
+        <p:spPr>
+          <a:xfrm>
+            <a:off x="3585548" y="3622260"/>
+            <a:ext cx="1493821" cy="878186"/>
+          </a:xfrm>
+          <a:prstGeom prst="roundRect">
+            <a:avLst/>
+          </a:prstGeom>
+          <a:solidFill>
+            <a:schemeClr val="bg1"/>
+          </a:solidFill>
+          <a:ln w="28575">
+            <a:solidFill>
+              <a:srgbClr val="FFFF00"/>
+            </a:solidFill>
+          </a:ln>
+          <a:scene3d>
+            <a:camera prst="orthographicFront" fov="0">
+              <a:rot lat="0" lon="0" rev="0"/>
+            </a:camera>
+            <a:lightRig rig="threePt" dir="t">
+              <a:rot lat="0" lon="0" rev="0"/>
+            </a:lightRig>
+          </a:scene3d>
+        </p:spPr>
+        <p:style>
+          <a:lnRef idx="1">
+            <a:schemeClr val="accent1"/>
+          </a:lnRef>
+          <a:fillRef idx="3">
+            <a:schemeClr val="accent1"/>
+          </a:fillRef>
+          <a:effectRef idx="2">
+            <a:schemeClr val="accent1"/>
+          </a:effectRef>
+          <a:fontRef idx="minor">
+            <a:schemeClr val="lt1"/>
+          </a:fontRef>
+        </p:style>
+        <p:txBody>
+          <a:bodyPr rtlCol="0" anchor="ctr"/>
+          <a:lstStyle/>
+          <a:p>
+            <a:pPr algn="ctr"/>
+            <a:endParaRPr lang="en-GB"/>
+          </a:p>
+        </p:txBody>
+      </p:sp>
+      <p:sp>
+        <p:nvSpPr>
+          <p:cNvPr id="7" name="Rectangle: Rounded Corners 6">
+            <a:extLst>
+              <a:ext uri="{FF2B5EF4-FFF2-40B4-BE49-F238E27FC236}">
+                <a16:creationId xmlns:a16="http://schemas.microsoft.com/office/drawing/2014/main" id="{260DC4C4-F0EC-496E-8E75-E9AC5AD29BB0}"/>
+              </a:ext>
+            </a:extLst>
+          </p:cNvPr>
+          <p:cNvSpPr/>
+          <p:nvPr/>
+        </p:nvSpPr>
+        <p:spPr>
+          <a:xfrm>
+            <a:off x="7166584" y="5294124"/>
+            <a:ext cx="1493821" cy="878186"/>
+          </a:xfrm>
+          <a:prstGeom prst="roundRect">
+            <a:avLst/>
+          </a:prstGeom>
+          <a:solidFill>
+            <a:schemeClr val="bg1"/>
+          </a:solidFill>
+          <a:ln w="28575">
+            <a:solidFill>
+              <a:srgbClr val="00B0F0"/>
+            </a:solidFill>
+          </a:ln>
+        </p:spPr>
+        <p:style>
+          <a:lnRef idx="1">
+            <a:schemeClr val="accent1"/>
+          </a:lnRef>
+          <a:fillRef idx="3">
+            <a:schemeClr val="accent1"/>
+          </a:fillRef>
+          <a:effectRef idx="2">
+            <a:schemeClr val="accent1"/>
+          </a:effectRef>
+          <a:fontRef idx="minor">
+            <a:schemeClr val="lt1"/>
+          </a:fontRef>
+        </p:style>
+        <p:txBody>
+          <a:bodyPr rtlCol="0" anchor="ctr"/>
+          <a:lstStyle/>
+          <a:p>
+            <a:pPr algn="ctr"/>
+            <a:endParaRPr lang="en-GB"/>
+          </a:p>
+        </p:txBody>
+      </p:sp>
+      <p:sp>
+        <p:nvSpPr>
+          <p:cNvPr id="9" name="Rectangle: Rounded Corners 8">
+            <a:extLst>
+              <a:ext uri="{FF2B5EF4-FFF2-40B4-BE49-F238E27FC236}">
+                <a16:creationId xmlns:a16="http://schemas.microsoft.com/office/drawing/2014/main" id="{565FBC1F-FB72-413A-88B5-390A75DFE171}"/>
+              </a:ext>
+            </a:extLst>
+          </p:cNvPr>
+          <p:cNvSpPr/>
+          <p:nvPr/>
+        </p:nvSpPr>
+        <p:spPr>
+          <a:xfrm>
+            <a:off x="7166584" y="2218099"/>
+            <a:ext cx="1493821" cy="878186"/>
+          </a:xfrm>
+          <a:prstGeom prst="roundRect">
+            <a:avLst/>
+          </a:prstGeom>
+          <a:solidFill>
+            <a:schemeClr val="bg1"/>
+          </a:solidFill>
+          <a:ln w="28575">
+            <a:solidFill>
+              <a:srgbClr val="00B0F0"/>
+            </a:solidFill>
+          </a:ln>
+        </p:spPr>
+        <p:style>
+          <a:lnRef idx="1">
+            <a:schemeClr val="accent1"/>
+          </a:lnRef>
+          <a:fillRef idx="3">
+            <a:schemeClr val="accent1"/>
+          </a:fillRef>
+          <a:effectRef idx="2">
+            <a:schemeClr val="accent1"/>
+          </a:effectRef>
+          <a:fontRef idx="minor">
+            <a:schemeClr val="lt1"/>
+          </a:fontRef>
+        </p:style>
+        <p:txBody>
+          <a:bodyPr rtlCol="0" anchor="ctr"/>
+          <a:lstStyle/>
+          <a:p>
+            <a:pPr algn="ctr"/>
+            <a:endParaRPr lang="en-GB"/>
+          </a:p>
+        </p:txBody>
+      </p:sp>
+      <p:sp>
+        <p:nvSpPr>
+          <p:cNvPr id="10" name="Rectangle: Rounded Corners 9">
+            <a:extLst>
+              <a:ext uri="{FF2B5EF4-FFF2-40B4-BE49-F238E27FC236}">
+                <a16:creationId xmlns:a16="http://schemas.microsoft.com/office/drawing/2014/main" id="{4C4E9B9F-D9A9-4A5D-A4BF-B3A409CEE3DE}"/>
+              </a:ext>
+            </a:extLst>
+          </p:cNvPr>
+          <p:cNvSpPr/>
+          <p:nvPr/>
+        </p:nvSpPr>
+        <p:spPr>
+          <a:xfrm>
+            <a:off x="7166584" y="3234718"/>
+            <a:ext cx="1493821" cy="878186"/>
+          </a:xfrm>
+          <a:prstGeom prst="roundRect">
+            <a:avLst/>
+          </a:prstGeom>
+          <a:solidFill>
+            <a:schemeClr val="bg1"/>
+          </a:solidFill>
+          <a:ln w="28575">
+            <a:solidFill>
+              <a:srgbClr val="00B0F0"/>
+            </a:solidFill>
+          </a:ln>
+        </p:spPr>
+        <p:style>
+          <a:lnRef idx="1">
+            <a:schemeClr val="accent1"/>
+          </a:lnRef>
+          <a:fillRef idx="3">
+            <a:schemeClr val="accent1"/>
+          </a:fillRef>
+          <a:effectRef idx="2">
+            <a:schemeClr val="accent1"/>
+          </a:effectRef>
+          <a:fontRef idx="minor">
+            <a:schemeClr val="lt1"/>
+          </a:fontRef>
+        </p:style>
+        <p:txBody>
+          <a:bodyPr rtlCol="0" anchor="ctr"/>
+          <a:lstStyle/>
+          <a:p>
+            <a:pPr algn="ctr"/>
+            <a:endParaRPr lang="en-GB"/>
+          </a:p>
+        </p:txBody>
+      </p:sp>
+      <p:sp>
+        <p:nvSpPr>
+          <p:cNvPr id="11" name="Rectangle: Rounded Corners 10">
+            <a:extLst>
+              <a:ext uri="{FF2B5EF4-FFF2-40B4-BE49-F238E27FC236}">
+                <a16:creationId xmlns:a16="http://schemas.microsoft.com/office/drawing/2014/main" id="{0EB732C8-AD7E-4D21-8DAF-F00C8C4B78C7}"/>
+              </a:ext>
+            </a:extLst>
+          </p:cNvPr>
+          <p:cNvSpPr/>
+          <p:nvPr/>
+        </p:nvSpPr>
+        <p:spPr>
+          <a:xfrm>
+            <a:off x="7166584" y="4264421"/>
+            <a:ext cx="1493821" cy="878186"/>
+          </a:xfrm>
+          <a:prstGeom prst="roundRect">
+            <a:avLst/>
+          </a:prstGeom>
+          <a:solidFill>
+            <a:schemeClr val="bg1"/>
+          </a:solidFill>
+          <a:ln w="28575">
+            <a:solidFill>
+              <a:srgbClr val="00B0F0"/>
+            </a:solidFill>
+          </a:ln>
+        </p:spPr>
+        <p:style>
+          <a:lnRef idx="1">
+            <a:schemeClr val="accent1"/>
+          </a:lnRef>
+          <a:fillRef idx="3">
+            <a:schemeClr val="accent1"/>
+          </a:fillRef>
+          <a:effectRef idx="2">
+            <a:schemeClr val="accent1"/>
+          </a:effectRef>
+          <a:fontRef idx="minor">
+            <a:schemeClr val="lt1"/>
+          </a:fontRef>
+        </p:style>
+        <p:txBody>
+          <a:bodyPr rtlCol="0" anchor="ctr"/>
+          <a:lstStyle/>
+          <a:p>
+            <a:pPr algn="ctr"/>
+            <a:endParaRPr lang="en-GB"/>
+          </a:p>
+        </p:txBody>
+      </p:sp>
+      <p:sp>
+        <p:nvSpPr>
+          <p:cNvPr id="12" name="Rectangle: Rounded Corners 11">
+            <a:extLst>
+              <a:ext uri="{FF2B5EF4-FFF2-40B4-BE49-F238E27FC236}">
+                <a16:creationId xmlns:a16="http://schemas.microsoft.com/office/drawing/2014/main" id="{768D3D7B-5C6E-43B0-AADB-CCADC53FCFE9}"/>
+              </a:ext>
+            </a:extLst>
+          </p:cNvPr>
+          <p:cNvSpPr/>
+          <p:nvPr/>
+        </p:nvSpPr>
+        <p:spPr>
+          <a:xfrm>
+            <a:off x="483595" y="2599099"/>
+            <a:ext cx="1493821" cy="878186"/>
+          </a:xfrm>
+          <a:prstGeom prst="roundRect">
+            <a:avLst/>
+          </a:prstGeom>
+          <a:solidFill>
+            <a:schemeClr val="bg1"/>
+          </a:solidFill>
+          <a:ln w="28575">
+            <a:solidFill>
+              <a:srgbClr val="00B050"/>
+            </a:solidFill>
+          </a:ln>
+        </p:spPr>
+        <p:style>
+          <a:lnRef idx="1">
+            <a:schemeClr val="accent1"/>
+          </a:lnRef>
+          <a:fillRef idx="3">
+            <a:schemeClr val="accent1"/>
+          </a:fillRef>
+          <a:effectRef idx="2">
+            <a:schemeClr val="accent1"/>
+          </a:effectRef>
+          <a:fontRef idx="minor">
+            <a:schemeClr val="lt1"/>
+          </a:fontRef>
+        </p:style>
+        <p:txBody>
+          <a:bodyPr rtlCol="0" anchor="ctr"/>
+          <a:lstStyle/>
+          <a:p>
+            <a:pPr algn="ctr"/>
+            <a:endParaRPr lang="en-GB"/>
+          </a:p>
+        </p:txBody>
+      </p:sp>
+      <p:sp>
+        <p:nvSpPr>
+          <p:cNvPr id="15" name="Rectangle: Rounded Corners 14">
+            <a:extLst>
+              <a:ext uri="{FF2B5EF4-FFF2-40B4-BE49-F238E27FC236}">
+                <a16:creationId xmlns:a16="http://schemas.microsoft.com/office/drawing/2014/main" id="{B44C0326-5585-4A66-A63B-64F238284765}"/>
+              </a:ext>
+            </a:extLst>
+          </p:cNvPr>
+          <p:cNvSpPr/>
+          <p:nvPr/>
+        </p:nvSpPr>
+        <p:spPr>
+          <a:xfrm>
+            <a:off x="483593" y="3622260"/>
+            <a:ext cx="1493821" cy="878186"/>
+          </a:xfrm>
+          <a:prstGeom prst="roundRect">
+            <a:avLst/>
+          </a:prstGeom>
+          <a:solidFill>
+            <a:schemeClr val="bg1"/>
+          </a:solidFill>
+          <a:ln w="28575">
+            <a:solidFill>
+              <a:srgbClr val="00B050"/>
+            </a:solidFill>
+          </a:ln>
+        </p:spPr>
+        <p:style>
+          <a:lnRef idx="1">
+            <a:schemeClr val="accent1"/>
+          </a:lnRef>
+          <a:fillRef idx="3">
+            <a:schemeClr val="accent1"/>
+          </a:fillRef>
+          <a:effectRef idx="2">
+            <a:schemeClr val="accent1"/>
+          </a:effectRef>
+          <a:fontRef idx="minor">
+            <a:schemeClr val="lt1"/>
+          </a:fontRef>
+        </p:style>
+        <p:txBody>
+          <a:bodyPr rtlCol="0" anchor="ctr"/>
+          <a:lstStyle/>
+          <a:p>
+            <a:pPr algn="ctr"/>
+            <a:endParaRPr lang="en-GB"/>
+          </a:p>
+        </p:txBody>
+      </p:sp>
+      <p:cxnSp>
+        <p:nvCxnSpPr>
+          <p:cNvPr id="20" name="Connector: Elbow 19">
+            <a:extLst>
+              <a:ext uri="{FF2B5EF4-FFF2-40B4-BE49-F238E27FC236}">
+                <a16:creationId xmlns:a16="http://schemas.microsoft.com/office/drawing/2014/main" id="{45D5ECA8-4003-4DF2-A8A6-3BD99494D7DF}"/>
+              </a:ext>
+            </a:extLst>
+          </p:cNvPr>
+          <p:cNvCxnSpPr>
+            <a:cxnSpLocks/>
+            <a:stCxn id="12" idx="3"/>
+            <a:endCxn id="6" idx="1"/>
+          </p:cNvCxnSpPr>
+          <p:nvPr/>
+        </p:nvCxnSpPr>
+        <p:spPr>
+          <a:xfrm>
+            <a:off x="1977416" y="3038192"/>
+            <a:ext cx="1608132" cy="1023161"/>
+          </a:xfrm>
+          <a:prstGeom prst="bentConnector3">
+            <a:avLst/>
+          </a:prstGeom>
+          <a:ln w="28575">
+            <a:solidFill>
+              <a:srgbClr val="00B050"/>
+            </a:solidFill>
+            <a:prstDash val="solid"/>
+            <a:tailEnd type="triangle"/>
+          </a:ln>
+        </p:spPr>
+        <p:style>
+          <a:lnRef idx="2">
+            <a:schemeClr val="accent1"/>
+          </a:lnRef>
+          <a:fillRef idx="0">
+            <a:schemeClr val="accent1"/>
+          </a:fillRef>
+          <a:effectRef idx="1">
+            <a:schemeClr val="accent1"/>
+          </a:effectRef>
+          <a:fontRef idx="minor">
+            <a:schemeClr val="tx1"/>
+          </a:fontRef>
+        </p:style>
+      </p:cxnSp>
+      <p:cxnSp>
+        <p:nvCxnSpPr>
+          <p:cNvPr id="37" name="Connector: Elbow 36">
+            <a:extLst>
+              <a:ext uri="{FF2B5EF4-FFF2-40B4-BE49-F238E27FC236}">
+                <a16:creationId xmlns:a16="http://schemas.microsoft.com/office/drawing/2014/main" id="{1257E4E9-1A3B-43DD-B3B7-45446928B3D3}"/>
+              </a:ext>
+            </a:extLst>
+          </p:cNvPr>
+          <p:cNvCxnSpPr>
+            <a:cxnSpLocks/>
+            <a:stCxn id="15" idx="3"/>
+            <a:endCxn id="6" idx="1"/>
+          </p:cNvCxnSpPr>
+          <p:nvPr/>
+        </p:nvCxnSpPr>
+        <p:spPr>
+          <a:xfrm>
+            <a:off x="1977414" y="4061353"/>
+            <a:ext cx="1608134" cy="12700"/>
+          </a:xfrm>
+          <a:prstGeom prst="bentConnector3">
+            <a:avLst>
+              <a:gd name="adj1" fmla="val 50000"/>
+            </a:avLst>
+          </a:prstGeom>
+          <a:ln w="28575">
+            <a:solidFill>
+              <a:srgbClr val="00B050"/>
+            </a:solidFill>
+            <a:prstDash val="solid"/>
+            <a:tailEnd type="triangle"/>
+          </a:ln>
+        </p:spPr>
+        <p:style>
+          <a:lnRef idx="2">
+            <a:schemeClr val="accent1"/>
+          </a:lnRef>
+          <a:fillRef idx="0">
+            <a:schemeClr val="accent1"/>
+          </a:fillRef>
+          <a:effectRef idx="1">
+            <a:schemeClr val="accent1"/>
+          </a:effectRef>
+          <a:fontRef idx="minor">
+            <a:schemeClr val="tx1"/>
+          </a:fontRef>
+        </p:style>
+      </p:cxnSp>
+      <p:cxnSp>
+        <p:nvCxnSpPr>
+          <p:cNvPr id="40" name="Connector: Elbow 39">
+            <a:extLst>
+              <a:ext uri="{FF2B5EF4-FFF2-40B4-BE49-F238E27FC236}">
+                <a16:creationId xmlns:a16="http://schemas.microsoft.com/office/drawing/2014/main" id="{68236A5C-6140-4152-A79B-1F08E987DDB5}"/>
+              </a:ext>
+            </a:extLst>
+          </p:cNvPr>
+          <p:cNvCxnSpPr>
+            <a:cxnSpLocks/>
+            <a:stCxn id="2" idx="3"/>
+            <a:endCxn id="6" idx="1"/>
+          </p:cNvCxnSpPr>
+          <p:nvPr/>
+        </p:nvCxnSpPr>
+        <p:spPr>
+          <a:xfrm flipV="1">
+            <a:off x="1977415" y="4061353"/>
+            <a:ext cx="1608133" cy="1032215"/>
+          </a:xfrm>
+          <a:prstGeom prst="bentConnector3">
+            <a:avLst>
+              <a:gd name="adj1" fmla="val 50000"/>
+            </a:avLst>
+          </a:prstGeom>
+          <a:ln w="28575">
+            <a:solidFill>
+              <a:srgbClr val="00B050"/>
+            </a:solidFill>
+            <a:prstDash val="solid"/>
+            <a:tailEnd type="triangle"/>
+          </a:ln>
+        </p:spPr>
+        <p:style>
+          <a:lnRef idx="2">
+            <a:schemeClr val="accent1"/>
+          </a:lnRef>
+          <a:fillRef idx="0">
+            <a:schemeClr val="accent1"/>
+          </a:fillRef>
+          <a:effectRef idx="1">
+            <a:schemeClr val="accent1"/>
+          </a:effectRef>
+          <a:fontRef idx="minor">
+            <a:schemeClr val="tx1"/>
+          </a:fontRef>
+        </p:style>
+      </p:cxnSp>
+      <p:cxnSp>
+        <p:nvCxnSpPr>
+          <p:cNvPr id="49" name="Connector: Elbow 48">
+            <a:extLst>
+              <a:ext uri="{FF2B5EF4-FFF2-40B4-BE49-F238E27FC236}">
+                <a16:creationId xmlns:a16="http://schemas.microsoft.com/office/drawing/2014/main" id="{6316970A-6947-489B-BC72-C55B85A07697}"/>
+              </a:ext>
+            </a:extLst>
+          </p:cNvPr>
+          <p:cNvCxnSpPr>
+            <a:cxnSpLocks/>
+            <a:stCxn id="6" idx="3"/>
+            <a:endCxn id="9" idx="1"/>
+          </p:cNvCxnSpPr>
+          <p:nvPr/>
+        </p:nvCxnSpPr>
+        <p:spPr>
+          <a:xfrm flipV="1">
+            <a:off x="5079369" y="2657192"/>
+            <a:ext cx="2087215" cy="1404161"/>
+          </a:xfrm>
+          <a:prstGeom prst="bentConnector3">
+            <a:avLst>
+              <a:gd name="adj1" fmla="val 50000"/>
+            </a:avLst>
+          </a:prstGeom>
+          <a:ln w="28575">
+            <a:solidFill>
+              <a:srgbClr val="00B0F0"/>
+            </a:solidFill>
+            <a:prstDash val="solid"/>
+            <a:tailEnd type="triangle"/>
+          </a:ln>
+        </p:spPr>
+        <p:style>
+          <a:lnRef idx="2">
+            <a:schemeClr val="accent1"/>
+          </a:lnRef>
+          <a:fillRef idx="0">
+            <a:schemeClr val="accent1"/>
+          </a:fillRef>
+          <a:effectRef idx="1">
+            <a:schemeClr val="accent1"/>
+          </a:effectRef>
+          <a:fontRef idx="minor">
+            <a:schemeClr val="tx1"/>
+          </a:fontRef>
+        </p:style>
+      </p:cxnSp>
+      <p:cxnSp>
+        <p:nvCxnSpPr>
+          <p:cNvPr id="52" name="Connector: Elbow 51">
+            <a:extLst>
+              <a:ext uri="{FF2B5EF4-FFF2-40B4-BE49-F238E27FC236}">
+                <a16:creationId xmlns:a16="http://schemas.microsoft.com/office/drawing/2014/main" id="{0A26A327-C969-453C-BB65-AB39E9170C21}"/>
+              </a:ext>
+            </a:extLst>
+          </p:cNvPr>
+          <p:cNvCxnSpPr>
+            <a:cxnSpLocks/>
+            <a:stCxn id="6" idx="3"/>
+            <a:endCxn id="10" idx="1"/>
+          </p:cNvCxnSpPr>
+          <p:nvPr/>
+        </p:nvCxnSpPr>
+        <p:spPr>
+          <a:xfrm flipV="1">
+            <a:off x="5079369" y="3673811"/>
+            <a:ext cx="2087215" cy="387542"/>
+          </a:xfrm>
+          <a:prstGeom prst="bentConnector3">
+            <a:avLst>
+              <a:gd name="adj1" fmla="val 50000"/>
+            </a:avLst>
+          </a:prstGeom>
+          <a:ln w="28575">
+            <a:solidFill>
+              <a:srgbClr val="00B0F0"/>
+            </a:solidFill>
+            <a:prstDash val="solid"/>
+            <a:tailEnd type="triangle"/>
+          </a:ln>
+        </p:spPr>
+        <p:style>
+          <a:lnRef idx="2">
+            <a:schemeClr val="accent1"/>
+          </a:lnRef>
+          <a:fillRef idx="0">
+            <a:schemeClr val="accent1"/>
+          </a:fillRef>
+          <a:effectRef idx="1">
+            <a:schemeClr val="accent1"/>
+          </a:effectRef>
+          <a:fontRef idx="minor">
+            <a:schemeClr val="tx1"/>
+          </a:fontRef>
+        </p:style>
+      </p:cxnSp>
+      <p:cxnSp>
+        <p:nvCxnSpPr>
+          <p:cNvPr id="55" name="Connector: Elbow 54">
+            <a:extLst>
+              <a:ext uri="{FF2B5EF4-FFF2-40B4-BE49-F238E27FC236}">
+                <a16:creationId xmlns:a16="http://schemas.microsoft.com/office/drawing/2014/main" id="{D2630253-9CA2-476A-B4F6-BC21006C70BD}"/>
+              </a:ext>
+            </a:extLst>
+          </p:cNvPr>
+          <p:cNvCxnSpPr>
+            <a:cxnSpLocks/>
+            <a:stCxn id="6" idx="3"/>
+            <a:endCxn id="11" idx="1"/>
+          </p:cNvCxnSpPr>
+          <p:nvPr/>
+        </p:nvCxnSpPr>
+        <p:spPr>
+          <a:xfrm>
+            <a:off x="5079369" y="4061353"/>
+            <a:ext cx="2087215" cy="642161"/>
+          </a:xfrm>
+          <a:prstGeom prst="bentConnector3">
+            <a:avLst>
+              <a:gd name="adj1" fmla="val 50000"/>
+            </a:avLst>
+          </a:prstGeom>
+          <a:ln w="28575">
+            <a:solidFill>
+              <a:srgbClr val="00B0F0"/>
+            </a:solidFill>
+            <a:prstDash val="solid"/>
+            <a:tailEnd type="triangle"/>
+          </a:ln>
+        </p:spPr>
+        <p:style>
+          <a:lnRef idx="2">
+            <a:schemeClr val="accent1"/>
+          </a:lnRef>
+          <a:fillRef idx="0">
+            <a:schemeClr val="accent1"/>
+          </a:fillRef>
+          <a:effectRef idx="1">
+            <a:schemeClr val="accent1"/>
+          </a:effectRef>
+          <a:fontRef idx="minor">
+            <a:schemeClr val="tx1"/>
+          </a:fontRef>
+        </p:style>
+      </p:cxnSp>
+      <p:cxnSp>
+        <p:nvCxnSpPr>
+          <p:cNvPr id="58" name="Connector: Elbow 57">
+            <a:extLst>
+              <a:ext uri="{FF2B5EF4-FFF2-40B4-BE49-F238E27FC236}">
+                <a16:creationId xmlns:a16="http://schemas.microsoft.com/office/drawing/2014/main" id="{E2C13D0B-AB48-4E94-9EDF-4E791448D156}"/>
+              </a:ext>
+            </a:extLst>
+          </p:cNvPr>
+          <p:cNvCxnSpPr>
+            <a:cxnSpLocks/>
+            <a:stCxn id="6" idx="3"/>
+            <a:endCxn id="7" idx="1"/>
+          </p:cNvCxnSpPr>
+          <p:nvPr/>
+        </p:nvCxnSpPr>
+        <p:spPr>
+          <a:xfrm>
+            <a:off x="5079369" y="4061353"/>
+            <a:ext cx="2087215" cy="1671864"/>
+          </a:xfrm>
+          <a:prstGeom prst="bentConnector3">
+            <a:avLst>
+              <a:gd name="adj1" fmla="val 50000"/>
+            </a:avLst>
+          </a:prstGeom>
+          <a:ln w="28575">
+            <a:solidFill>
+              <a:srgbClr val="00B0F0"/>
+            </a:solidFill>
+            <a:prstDash val="solid"/>
+            <a:tailEnd type="triangle"/>
+          </a:ln>
+        </p:spPr>
+        <p:style>
+          <a:lnRef idx="2">
+            <a:schemeClr val="accent1"/>
+          </a:lnRef>
+          <a:fillRef idx="0">
+            <a:schemeClr val="accent1"/>
+          </a:fillRef>
+          <a:effectRef idx="1">
+            <a:schemeClr val="accent1"/>
+          </a:effectRef>
+          <a:fontRef idx="minor">
+            <a:schemeClr val="tx1"/>
+          </a:fontRef>
+        </p:style>
+      </p:cxnSp>
+      <p:sp>
+        <p:nvSpPr>
+          <p:cNvPr id="64" name="TextBox 63">
+            <a:extLst>
+              <a:ext uri="{FF2B5EF4-FFF2-40B4-BE49-F238E27FC236}">
+                <a16:creationId xmlns:a16="http://schemas.microsoft.com/office/drawing/2014/main" id="{2437BA32-4259-42E2-BBEE-83D0FB015183}"/>
+              </a:ext>
+            </a:extLst>
+          </p:cNvPr>
+          <p:cNvSpPr txBox="1"/>
+          <p:nvPr/>
+        </p:nvSpPr>
+        <p:spPr>
+          <a:xfrm>
+            <a:off x="686537" y="3923361"/>
+            <a:ext cx="1087932" cy="307777"/>
+          </a:xfrm>
+          <a:prstGeom prst="rect">
+            <a:avLst/>
+          </a:prstGeom>
+          <a:noFill/>
+        </p:spPr>
+        <p:txBody>
+          <a:bodyPr wrap="square" rtlCol="0">
+            <a:spAutoFit/>
+          </a:bodyPr>
+          <a:lstStyle/>
+          <a:p>
+            <a:r>
+              <a:rPr lang="en-GB" sz="1400" dirty="0">
+                <a:solidFill>
+                  <a:schemeClr val="accent5">
+                    <a:lumMod val="50000"/>
+                  </a:schemeClr>
+                </a:solidFill>
+                <a:latin typeface="Segoe UI" panose="020B0502040204020203" pitchFamily="34" charset="0"/>
+                <a:cs typeface="Segoe UI" panose="020B0502040204020203" pitchFamily="34" charset="0"/>
+              </a:rPr>
+              <a:t>PUBLISHER</a:t>
+            </a:r>
+          </a:p>
+        </p:txBody>
+      </p:sp>
+      <p:sp>
+        <p:nvSpPr>
+          <p:cNvPr id="65" name="TextBox 64">
+            <a:extLst>
+              <a:ext uri="{FF2B5EF4-FFF2-40B4-BE49-F238E27FC236}">
+                <a16:creationId xmlns:a16="http://schemas.microsoft.com/office/drawing/2014/main" id="{9F3BB03D-3765-4108-BC7D-FBD61A9AECFD}"/>
+              </a:ext>
+            </a:extLst>
+          </p:cNvPr>
+          <p:cNvSpPr txBox="1"/>
+          <p:nvPr/>
+        </p:nvSpPr>
+        <p:spPr>
+          <a:xfrm>
+            <a:off x="688800" y="2897003"/>
+            <a:ext cx="1087932" cy="307777"/>
+          </a:xfrm>
+          <a:prstGeom prst="rect">
+            <a:avLst/>
+          </a:prstGeom>
+          <a:noFill/>
+        </p:spPr>
+        <p:txBody>
+          <a:bodyPr wrap="square" rtlCol="0">
+            <a:spAutoFit/>
+          </a:bodyPr>
+          <a:lstStyle/>
+          <a:p>
+            <a:r>
+              <a:rPr lang="en-GB" sz="1400" dirty="0">
+                <a:solidFill>
+                  <a:schemeClr val="accent5">
+                    <a:lumMod val="50000"/>
+                  </a:schemeClr>
+                </a:solidFill>
+                <a:latin typeface="Segoe UI" panose="020B0502040204020203" pitchFamily="34" charset="0"/>
+                <a:cs typeface="Segoe UI" panose="020B0502040204020203" pitchFamily="34" charset="0"/>
+              </a:rPr>
+              <a:t>PUBLISHER</a:t>
+            </a:r>
+          </a:p>
+        </p:txBody>
+      </p:sp>
+      <p:sp>
+        <p:nvSpPr>
+          <p:cNvPr id="66" name="TextBox 65">
+            <a:extLst>
+              <a:ext uri="{FF2B5EF4-FFF2-40B4-BE49-F238E27FC236}">
+                <a16:creationId xmlns:a16="http://schemas.microsoft.com/office/drawing/2014/main" id="{B2869D66-4630-48F8-B178-060102130F02}"/>
+              </a:ext>
+            </a:extLst>
+          </p:cNvPr>
+          <p:cNvSpPr txBox="1"/>
+          <p:nvPr/>
+        </p:nvSpPr>
+        <p:spPr>
+          <a:xfrm>
+            <a:off x="690309" y="4939679"/>
+            <a:ext cx="1087932" cy="307777"/>
+          </a:xfrm>
+          <a:prstGeom prst="rect">
+            <a:avLst/>
+          </a:prstGeom>
+          <a:noFill/>
+        </p:spPr>
+        <p:txBody>
+          <a:bodyPr wrap="square" rtlCol="0">
+            <a:spAutoFit/>
+          </a:bodyPr>
+          <a:lstStyle/>
+          <a:p>
+            <a:r>
+              <a:rPr lang="en-GB" sz="1400" dirty="0">
+                <a:solidFill>
+                  <a:schemeClr val="accent5">
+                    <a:lumMod val="50000"/>
+                  </a:schemeClr>
+                </a:solidFill>
+                <a:latin typeface="Segoe UI" panose="020B0502040204020203" pitchFamily="34" charset="0"/>
+                <a:cs typeface="Segoe UI" panose="020B0502040204020203" pitchFamily="34" charset="0"/>
+              </a:rPr>
+              <a:t>PUBLISHER</a:t>
+            </a:r>
+          </a:p>
+        </p:txBody>
+      </p:sp>
+      <p:sp>
+        <p:nvSpPr>
+          <p:cNvPr id="68" name="TextBox 67">
+            <a:extLst>
+              <a:ext uri="{FF2B5EF4-FFF2-40B4-BE49-F238E27FC236}">
+                <a16:creationId xmlns:a16="http://schemas.microsoft.com/office/drawing/2014/main" id="{FC56F218-0E42-4D0E-85C9-DACA8B51FC25}"/>
+              </a:ext>
+            </a:extLst>
+          </p:cNvPr>
+          <p:cNvSpPr txBox="1"/>
+          <p:nvPr/>
+        </p:nvSpPr>
+        <p:spPr>
+          <a:xfrm>
+            <a:off x="3888458" y="3907464"/>
+            <a:ext cx="803882" cy="307777"/>
+          </a:xfrm>
+          <a:prstGeom prst="rect">
+            <a:avLst/>
+          </a:prstGeom>
+          <a:noFill/>
+        </p:spPr>
+        <p:txBody>
+          <a:bodyPr wrap="square" rtlCol="0">
+            <a:spAutoFit/>
+          </a:bodyPr>
+          <a:lstStyle/>
+          <a:p>
+            <a:r>
+              <a:rPr lang="en-GB" sz="1400" dirty="0">
+                <a:solidFill>
+                  <a:schemeClr val="accent2">
+                    <a:lumMod val="50000"/>
+                  </a:schemeClr>
+                </a:solidFill>
+                <a:latin typeface="Segoe UI" panose="020B0502040204020203" pitchFamily="34" charset="0"/>
+                <a:cs typeface="Segoe UI" panose="020B0502040204020203" pitchFamily="34" charset="0"/>
+              </a:rPr>
+              <a:t>SERVER</a:t>
+            </a:r>
+          </a:p>
+        </p:txBody>
+      </p:sp>
+      <p:sp>
+        <p:nvSpPr>
+          <p:cNvPr id="70" name="TextBox 69">
+            <a:extLst>
+              <a:ext uri="{FF2B5EF4-FFF2-40B4-BE49-F238E27FC236}">
+                <a16:creationId xmlns:a16="http://schemas.microsoft.com/office/drawing/2014/main" id="{FA3121A3-C125-4D7E-9783-B0F5C7E6BDE9}"/>
+              </a:ext>
+            </a:extLst>
+          </p:cNvPr>
+          <p:cNvSpPr txBox="1"/>
+          <p:nvPr/>
+        </p:nvSpPr>
+        <p:spPr>
+          <a:xfrm>
+            <a:off x="7327282" y="2498857"/>
+            <a:ext cx="1172425" cy="307777"/>
+          </a:xfrm>
+          <a:prstGeom prst="rect">
+            <a:avLst/>
+          </a:prstGeom>
+          <a:noFill/>
+        </p:spPr>
+        <p:txBody>
+          <a:bodyPr wrap="square" rtlCol="0">
+            <a:spAutoFit/>
+          </a:bodyPr>
+          <a:lstStyle/>
+          <a:p>
+            <a:r>
+              <a:rPr lang="en-GB" sz="1400" dirty="0">
+                <a:solidFill>
+                  <a:schemeClr val="tx2">
+                    <a:lumMod val="50000"/>
+                  </a:schemeClr>
+                </a:solidFill>
+                <a:latin typeface="Segoe UI" panose="020B0502040204020203" pitchFamily="34" charset="0"/>
+                <a:cs typeface="Segoe UI" panose="020B0502040204020203" pitchFamily="34" charset="0"/>
+              </a:rPr>
+              <a:t>SUBSCRIBER</a:t>
+            </a:r>
+          </a:p>
+        </p:txBody>
+      </p:sp>
+      <p:sp>
+        <p:nvSpPr>
+          <p:cNvPr id="72" name="TextBox 71">
+            <a:extLst>
+              <a:ext uri="{FF2B5EF4-FFF2-40B4-BE49-F238E27FC236}">
+                <a16:creationId xmlns:a16="http://schemas.microsoft.com/office/drawing/2014/main" id="{2BA8C99D-2F9C-46B9-99AF-858DDD809197}"/>
+              </a:ext>
+            </a:extLst>
+          </p:cNvPr>
+          <p:cNvSpPr txBox="1"/>
+          <p:nvPr/>
+        </p:nvSpPr>
+        <p:spPr>
+          <a:xfrm>
+            <a:off x="7327282" y="3508973"/>
+            <a:ext cx="1172425" cy="307777"/>
+          </a:xfrm>
+          <a:prstGeom prst="rect">
+            <a:avLst/>
+          </a:prstGeom>
+          <a:noFill/>
+        </p:spPr>
+        <p:txBody>
+          <a:bodyPr wrap="square" rtlCol="0">
+            <a:spAutoFit/>
+          </a:bodyPr>
+          <a:lstStyle/>
+          <a:p>
+            <a:r>
+              <a:rPr lang="en-GB" sz="1400" dirty="0">
+                <a:solidFill>
+                  <a:schemeClr val="tx2">
+                    <a:lumMod val="50000"/>
+                  </a:schemeClr>
+                </a:solidFill>
+                <a:latin typeface="Segoe UI" panose="020B0502040204020203" pitchFamily="34" charset="0"/>
+                <a:cs typeface="Segoe UI" panose="020B0502040204020203" pitchFamily="34" charset="0"/>
+              </a:rPr>
+              <a:t>SUBSCRIBER</a:t>
+            </a:r>
+          </a:p>
+        </p:txBody>
+      </p:sp>
+      <p:sp>
+        <p:nvSpPr>
+          <p:cNvPr id="73" name="TextBox 72">
+            <a:extLst>
+              <a:ext uri="{FF2B5EF4-FFF2-40B4-BE49-F238E27FC236}">
+                <a16:creationId xmlns:a16="http://schemas.microsoft.com/office/drawing/2014/main" id="{2F203EF8-4F95-45B1-8692-3E1A68F576DA}"/>
+              </a:ext>
+            </a:extLst>
+          </p:cNvPr>
+          <p:cNvSpPr txBox="1"/>
+          <p:nvPr/>
+        </p:nvSpPr>
+        <p:spPr>
+          <a:xfrm>
+            <a:off x="7327281" y="4561551"/>
+            <a:ext cx="1172425" cy="307777"/>
+          </a:xfrm>
+          <a:prstGeom prst="rect">
+            <a:avLst/>
+          </a:prstGeom>
+          <a:noFill/>
+        </p:spPr>
+        <p:txBody>
+          <a:bodyPr wrap="square" rtlCol="0">
+            <a:spAutoFit/>
+          </a:bodyPr>
+          <a:lstStyle/>
+          <a:p>
+            <a:r>
+              <a:rPr lang="en-GB" sz="1400" dirty="0">
+                <a:solidFill>
+                  <a:schemeClr val="tx2">
+                    <a:lumMod val="50000"/>
+                  </a:schemeClr>
+                </a:solidFill>
+                <a:latin typeface="Segoe UI" panose="020B0502040204020203" pitchFamily="34" charset="0"/>
+                <a:cs typeface="Segoe UI" panose="020B0502040204020203" pitchFamily="34" charset="0"/>
+              </a:rPr>
+              <a:t>SUBSCRIBER</a:t>
+            </a:r>
+          </a:p>
+        </p:txBody>
+      </p:sp>
+      <p:sp>
+        <p:nvSpPr>
+          <p:cNvPr id="74" name="TextBox 73">
+            <a:extLst>
+              <a:ext uri="{FF2B5EF4-FFF2-40B4-BE49-F238E27FC236}">
+                <a16:creationId xmlns:a16="http://schemas.microsoft.com/office/drawing/2014/main" id="{385FDE5D-7C67-4240-9061-B867B3A385B8}"/>
+              </a:ext>
+            </a:extLst>
+          </p:cNvPr>
+          <p:cNvSpPr txBox="1"/>
+          <p:nvPr/>
+        </p:nvSpPr>
+        <p:spPr>
+          <a:xfrm>
+            <a:off x="7327282" y="5564349"/>
+            <a:ext cx="1172425" cy="307777"/>
+          </a:xfrm>
+          <a:prstGeom prst="rect">
+            <a:avLst/>
+          </a:prstGeom>
+          <a:noFill/>
+        </p:spPr>
+        <p:txBody>
+          <a:bodyPr wrap="square" rtlCol="0">
+            <a:spAutoFit/>
+          </a:bodyPr>
+          <a:lstStyle/>
+          <a:p>
+            <a:r>
+              <a:rPr lang="en-GB" sz="1400" dirty="0">
+                <a:solidFill>
+                  <a:schemeClr val="tx2">
+                    <a:lumMod val="50000"/>
+                  </a:schemeClr>
+                </a:solidFill>
+                <a:latin typeface="Segoe UI" panose="020B0502040204020203" pitchFamily="34" charset="0"/>
+                <a:cs typeface="Segoe UI" panose="020B0502040204020203" pitchFamily="34" charset="0"/>
+              </a:rPr>
+              <a:t>SUBSCRIBER</a:t>
+            </a:r>
+          </a:p>
+        </p:txBody>
+      </p:sp>
+      <p:sp>
+        <p:nvSpPr>
+          <p:cNvPr id="82" name="TextBox 81">
+            <a:extLst>
+              <a:ext uri="{FF2B5EF4-FFF2-40B4-BE49-F238E27FC236}">
+                <a16:creationId xmlns:a16="http://schemas.microsoft.com/office/drawing/2014/main" id="{04DED1F9-70F2-4B8E-B97B-C3E0A2BF31F6}"/>
+              </a:ext>
+            </a:extLst>
+          </p:cNvPr>
+          <p:cNvSpPr txBox="1"/>
+          <p:nvPr/>
+        </p:nvSpPr>
+        <p:spPr>
+          <a:xfrm>
+            <a:off x="2880697" y="3704928"/>
+            <a:ext cx="704851" cy="307777"/>
+          </a:xfrm>
+          <a:prstGeom prst="rect">
+            <a:avLst/>
+          </a:prstGeom>
+          <a:noFill/>
+        </p:spPr>
+        <p:txBody>
+          <a:bodyPr wrap="square" rtlCol="0">
+            <a:spAutoFit/>
+          </a:bodyPr>
+          <a:lstStyle/>
+          <a:p>
+            <a:r>
+              <a:rPr lang="en-GB" sz="1400" dirty="0">
+                <a:solidFill>
+                  <a:schemeClr val="accent2">
+                    <a:lumMod val="50000"/>
+                  </a:schemeClr>
+                </a:solidFill>
+                <a:latin typeface="Segoe UI" panose="020B0502040204020203" pitchFamily="34" charset="0"/>
+                <a:cs typeface="Segoe UI" panose="020B0502040204020203" pitchFamily="34" charset="0"/>
+              </a:rPr>
+              <a:t>Event</a:t>
+            </a:r>
+          </a:p>
+        </p:txBody>
+      </p:sp>
+      <p:sp>
+        <p:nvSpPr>
+          <p:cNvPr id="83" name="TextBox 82">
+            <a:extLst>
+              <a:ext uri="{FF2B5EF4-FFF2-40B4-BE49-F238E27FC236}">
+                <a16:creationId xmlns:a16="http://schemas.microsoft.com/office/drawing/2014/main" id="{F2F53257-05AC-4C17-AE04-4B780977B51F}"/>
+              </a:ext>
+            </a:extLst>
+          </p:cNvPr>
+          <p:cNvSpPr txBox="1"/>
+          <p:nvPr/>
+        </p:nvSpPr>
+        <p:spPr>
+          <a:xfrm>
+            <a:off x="5193680" y="3713694"/>
+            <a:ext cx="832544" cy="307777"/>
+          </a:xfrm>
+          <a:prstGeom prst="rect">
+            <a:avLst/>
+          </a:prstGeom>
+          <a:noFill/>
+        </p:spPr>
+        <p:txBody>
+          <a:bodyPr wrap="square" rtlCol="0">
+            <a:spAutoFit/>
+          </a:bodyPr>
+          <a:lstStyle/>
+          <a:p>
+            <a:r>
+              <a:rPr lang="en-GB" sz="1400" dirty="0">
+                <a:solidFill>
+                  <a:schemeClr val="accent2">
+                    <a:lumMod val="50000"/>
+                  </a:schemeClr>
+                </a:solidFill>
+                <a:latin typeface="Segoe UI" panose="020B0502040204020203" pitchFamily="34" charset="0"/>
+                <a:cs typeface="Segoe UI" panose="020B0502040204020203" pitchFamily="34" charset="0"/>
+              </a:rPr>
+              <a:t>Notify</a:t>
+            </a:r>
+          </a:p>
+        </p:txBody>
+      </p:sp>
+    </p:spTree>
+    <p:extLst>
+      <p:ext uri="{BB962C8B-B14F-4D97-AF65-F5344CB8AC3E}">
+        <p14:creationId xmlns:p14="http://schemas.microsoft.com/office/powerpoint/2010/main" val="2237064499"/>
+      </p:ext>
+    </p:extLst>
+  </p:cSld>
+  <p:clrMapOvr>
+    <a:masterClrMapping/>
+  </p:clrMapOvr>
+  <p:transition advClick="0" advTm="20000"/>
+</p:sld>
+</file>
+
+<file path=ppt/slides/slide10.xml><?xml version="1.0" encoding="utf-8"?>
+<p:sld xmlns:a="http://schemas.openxmlformats.org/drawingml/2006/main" xmlns:r="http://schemas.openxmlformats.org/officeDocument/2006/relationships" xmlns:p="http://schemas.openxmlformats.org/presentationml/2006/main">
+  <p:cSld>
+    <p:spTree>
+      <p:nvGrpSpPr>
+        <p:cNvPr id="1" name=""/>
+        <p:cNvGrpSpPr/>
+        <p:nvPr/>
+      </p:nvGrpSpPr>
+      <p:grpSpPr>
+        <a:xfrm>
+          <a:off x="0" y="0"/>
+          <a:ext cx="0" cy="0"/>
+          <a:chOff x="0" y="0"/>
+          <a:chExt cx="0" cy="0"/>
+        </a:xfrm>
+      </p:grpSpPr>
+      <p:sp>
+        <p:nvSpPr>
+          <p:cNvPr id="6148" name="Rectangle 4"/>
+          <p:cNvSpPr>
+            <a:spLocks noGrp="1" noChangeArrowheads="1"/>
+          </p:cNvSpPr>
+          <p:nvPr>
+            <p:ph type="title"/>
+          </p:nvPr>
+        </p:nvSpPr>
+        <p:spPr/>
+        <p:txBody>
+          <a:bodyPr/>
+          <a:lstStyle/>
+          <a:p>
+            <a:r>
+              <a:rPr lang="en-US" noProof="0" dirty="0"/>
+              <a:t>Implementation Models</a:t>
+            </a:r>
+          </a:p>
+        </p:txBody>
+      </p:sp>
+      <p:sp>
+        <p:nvSpPr>
+          <p:cNvPr id="4" name="Marcador de pie de página 3">
+            <a:extLst>
+              <a:ext uri="{FF2B5EF4-FFF2-40B4-BE49-F238E27FC236}">
+                <a16:creationId xmlns:a16="http://schemas.microsoft.com/office/drawing/2014/main" id="{AA6FBEFF-CEF2-904C-B8B7-ED1223BA9721}"/>
+              </a:ext>
+            </a:extLst>
+          </p:cNvPr>
+          <p:cNvSpPr>
+            <a:spLocks noGrp="1"/>
+          </p:cNvSpPr>
+          <p:nvPr>
+            <p:ph type="ftr" sz="quarter" idx="11"/>
+          </p:nvPr>
+        </p:nvSpPr>
+        <p:spPr/>
+        <p:txBody>
+          <a:bodyPr/>
+          <a:lstStyle/>
+          <a:p>
+            <a:r>
+              <a:rPr lang="en" dirty="0"/>
+              <a:t>Introduction to Software Engineering - Final Presentations</a:t>
+            </a:r>
+            <a:endParaRPr lang="en-US" dirty="0"/>
+          </a:p>
+        </p:txBody>
+      </p:sp>
+      <p:sp>
+        <p:nvSpPr>
+          <p:cNvPr id="2" name="Rectangle 1">
+            <a:extLst>
+              <a:ext uri="{FF2B5EF4-FFF2-40B4-BE49-F238E27FC236}">
+                <a16:creationId xmlns:a16="http://schemas.microsoft.com/office/drawing/2014/main" id="{43C31A82-FF86-4783-90C6-BFA185EDFB99}"/>
+              </a:ext>
+            </a:extLst>
+          </p:cNvPr>
+          <p:cNvSpPr/>
+          <p:nvPr/>
+        </p:nvSpPr>
+        <p:spPr>
+          <a:xfrm>
+            <a:off x="558266" y="1617111"/>
+            <a:ext cx="8021370" cy="4535786"/>
+          </a:xfrm>
+          <a:prstGeom prst="rect">
+            <a:avLst/>
+          </a:prstGeom>
+        </p:spPr>
+        <p:style>
+          <a:lnRef idx="1">
+            <a:schemeClr val="dk1"/>
+          </a:lnRef>
+          <a:fillRef idx="3">
+            <a:schemeClr val="dk1"/>
+          </a:fillRef>
+          <a:effectRef idx="2">
+            <a:schemeClr val="dk1"/>
+          </a:effectRef>
+          <a:fontRef idx="minor">
+            <a:schemeClr val="lt1"/>
+          </a:fontRef>
+        </p:style>
+        <p:txBody>
+          <a:bodyPr rtlCol="0" anchor="ctr"/>
+          <a:lstStyle/>
+          <a:p>
+            <a:pPr algn="ctr"/>
+            <a:endParaRPr lang="en-GB"/>
+          </a:p>
+        </p:txBody>
+      </p:sp>
+      <p:sp>
+        <p:nvSpPr>
+          <p:cNvPr id="3" name="TextBox 2">
+            <a:extLst>
+              <a:ext uri="{FF2B5EF4-FFF2-40B4-BE49-F238E27FC236}">
+                <a16:creationId xmlns:a16="http://schemas.microsoft.com/office/drawing/2014/main" id="{4F228E14-07ED-4C65-8B06-2D5B63CD7E64}"/>
+              </a:ext>
+            </a:extLst>
+          </p:cNvPr>
+          <p:cNvSpPr txBox="1"/>
+          <p:nvPr/>
+        </p:nvSpPr>
+        <p:spPr>
+          <a:xfrm>
+            <a:off x="902298" y="1995637"/>
+            <a:ext cx="7333307" cy="3785652"/>
+          </a:xfrm>
+          <a:prstGeom prst="rect">
+            <a:avLst/>
+          </a:prstGeom>
+          <a:noFill/>
+        </p:spPr>
+        <p:txBody>
+          <a:bodyPr wrap="square" rtlCol="0">
+            <a:spAutoFit/>
+          </a:bodyPr>
+          <a:lstStyle/>
+          <a:p>
+            <a:pPr algn="ctr"/>
+            <a:r>
+              <a:rPr lang="en-GB" sz="4000" dirty="0">
+                <a:solidFill>
+                  <a:schemeClr val="bg1"/>
+                </a:solidFill>
+              </a:rPr>
+              <a:t>NEED TO ADD</a:t>
+            </a:r>
+          </a:p>
+          <a:p>
+            <a:pPr algn="ctr"/>
+            <a:r>
+              <a:rPr lang="en-GB" sz="4000" dirty="0">
+                <a:solidFill>
+                  <a:schemeClr val="bg1"/>
+                </a:solidFill>
+              </a:rPr>
+              <a:t>REAL USE-CASE MODEL</a:t>
+            </a:r>
+          </a:p>
+          <a:p>
+            <a:pPr algn="ctr"/>
+            <a:endParaRPr lang="en-GB" sz="4000" dirty="0">
+              <a:solidFill>
+                <a:schemeClr val="bg1"/>
+              </a:solidFill>
+            </a:endParaRPr>
+          </a:p>
+          <a:p>
+            <a:pPr algn="ctr"/>
+            <a:r>
+              <a:rPr lang="en-GB" sz="4000" dirty="0">
+                <a:solidFill>
+                  <a:schemeClr val="bg1"/>
+                </a:solidFill>
+              </a:rPr>
+              <a:t>ADRI WILL CREATE IT</a:t>
+            </a:r>
+          </a:p>
+          <a:p>
+            <a:pPr algn="ctr"/>
+            <a:r>
+              <a:rPr lang="en-GB" sz="4000" dirty="0">
+                <a:solidFill>
+                  <a:schemeClr val="bg1"/>
+                </a:solidFill>
+              </a:rPr>
+              <a:t>WHEN EVERYONE FINISH CODING</a:t>
+            </a:r>
+          </a:p>
+        </p:txBody>
+      </p:sp>
+    </p:spTree>
+    <p:extLst>
+      <p:ext uri="{BB962C8B-B14F-4D97-AF65-F5344CB8AC3E}">
+        <p14:creationId xmlns:p14="http://schemas.microsoft.com/office/powerpoint/2010/main" val="3597413861"/>
+      </p:ext>
+    </p:extLst>
+  </p:cSld>
+  <p:clrMapOvr>
+    <a:masterClrMapping/>
+  </p:clrMapOvr>
+  <p:transition advClick="0" advTm="20000"/>
+</p:sld>
+</file>
+
+<file path=ppt/slides/slide11.xml><?xml version="1.0" encoding="utf-8"?>
+<p:sld xmlns:a="http://schemas.openxmlformats.org/drawingml/2006/main" xmlns:r="http://schemas.openxmlformats.org/officeDocument/2006/relationships" xmlns:p="http://schemas.openxmlformats.org/presentationml/2006/main">
+  <p:cSld>
+    <p:spTree>
+      <p:nvGrpSpPr>
+        <p:cNvPr id="1" name=""/>
+        <p:cNvGrpSpPr/>
+        <p:nvPr/>
+      </p:nvGrpSpPr>
+      <p:grpSpPr>
+        <a:xfrm>
+          <a:off x="0" y="0"/>
+          <a:ext cx="0" cy="0"/>
+          <a:chOff x="0" y="0"/>
+          <a:chExt cx="0" cy="0"/>
+        </a:xfrm>
+      </p:grpSpPr>
+      <p:sp>
+        <p:nvSpPr>
+          <p:cNvPr id="6148" name="Rectangle 4"/>
+          <p:cNvSpPr>
+            <a:spLocks noGrp="1" noChangeArrowheads="1"/>
+          </p:cNvSpPr>
+          <p:nvPr>
+            <p:ph type="title"/>
+          </p:nvPr>
+        </p:nvSpPr>
+        <p:spPr/>
+        <p:txBody>
+          <a:bodyPr/>
+          <a:lstStyle/>
+          <a:p>
+            <a:r>
+              <a:rPr lang="en-US" noProof="0" dirty="0"/>
+              <a:t>Implementation Models</a:t>
+            </a:r>
+          </a:p>
+        </p:txBody>
+      </p:sp>
+      <p:sp>
+        <p:nvSpPr>
+          <p:cNvPr id="4" name="Marcador de pie de página 3">
+            <a:extLst>
+              <a:ext uri="{FF2B5EF4-FFF2-40B4-BE49-F238E27FC236}">
+                <a16:creationId xmlns:a16="http://schemas.microsoft.com/office/drawing/2014/main" id="{AA6FBEFF-CEF2-904C-B8B7-ED1223BA9721}"/>
+              </a:ext>
+            </a:extLst>
+          </p:cNvPr>
+          <p:cNvSpPr>
+            <a:spLocks noGrp="1"/>
+          </p:cNvSpPr>
+          <p:nvPr>
+            <p:ph type="ftr" sz="quarter" idx="11"/>
+          </p:nvPr>
+        </p:nvSpPr>
+        <p:spPr/>
+        <p:txBody>
+          <a:bodyPr/>
+          <a:lstStyle/>
+          <a:p>
+            <a:r>
+              <a:rPr lang="en" dirty="0"/>
+              <a:t>Introduction to Software Engineering - Final Presentations</a:t>
+            </a:r>
+            <a:endParaRPr lang="en-US" dirty="0"/>
+          </a:p>
+        </p:txBody>
+      </p:sp>
+      <p:sp>
+        <p:nvSpPr>
+          <p:cNvPr id="2" name="Rectangle 1">
+            <a:extLst>
+              <a:ext uri="{FF2B5EF4-FFF2-40B4-BE49-F238E27FC236}">
+                <a16:creationId xmlns:a16="http://schemas.microsoft.com/office/drawing/2014/main" id="{43C31A82-FF86-4783-90C6-BFA185EDFB99}"/>
+              </a:ext>
+            </a:extLst>
+          </p:cNvPr>
+          <p:cNvSpPr/>
+          <p:nvPr/>
+        </p:nvSpPr>
+        <p:spPr>
+          <a:xfrm>
+            <a:off x="558266" y="1617111"/>
+            <a:ext cx="8021370" cy="4535786"/>
+          </a:xfrm>
+          <a:prstGeom prst="rect">
+            <a:avLst/>
+          </a:prstGeom>
+        </p:spPr>
+        <p:style>
+          <a:lnRef idx="1">
+            <a:schemeClr val="dk1"/>
+          </a:lnRef>
+          <a:fillRef idx="3">
+            <a:schemeClr val="dk1"/>
+          </a:fillRef>
+          <a:effectRef idx="2">
+            <a:schemeClr val="dk1"/>
+          </a:effectRef>
+          <a:fontRef idx="minor">
+            <a:schemeClr val="lt1"/>
+          </a:fontRef>
+        </p:style>
+        <p:txBody>
+          <a:bodyPr rtlCol="0" anchor="ctr"/>
+          <a:lstStyle/>
+          <a:p>
+            <a:pPr algn="ctr"/>
+            <a:endParaRPr lang="en-GB"/>
+          </a:p>
+        </p:txBody>
+      </p:sp>
+      <p:sp>
+        <p:nvSpPr>
+          <p:cNvPr id="3" name="TextBox 2">
+            <a:extLst>
+              <a:ext uri="{FF2B5EF4-FFF2-40B4-BE49-F238E27FC236}">
+                <a16:creationId xmlns:a16="http://schemas.microsoft.com/office/drawing/2014/main" id="{4F228E14-07ED-4C65-8B06-2D5B63CD7E64}"/>
+              </a:ext>
+            </a:extLst>
+          </p:cNvPr>
+          <p:cNvSpPr txBox="1"/>
+          <p:nvPr/>
+        </p:nvSpPr>
+        <p:spPr>
+          <a:xfrm>
+            <a:off x="902298" y="1995637"/>
+            <a:ext cx="7333307" cy="3785652"/>
+          </a:xfrm>
+          <a:prstGeom prst="rect">
+            <a:avLst/>
+          </a:prstGeom>
+          <a:noFill/>
+        </p:spPr>
+        <p:txBody>
+          <a:bodyPr wrap="square" rtlCol="0">
+            <a:spAutoFit/>
+          </a:bodyPr>
+          <a:lstStyle/>
+          <a:p>
+            <a:pPr algn="ctr"/>
+            <a:r>
+              <a:rPr lang="en-GB" sz="4000" dirty="0">
+                <a:solidFill>
+                  <a:schemeClr val="bg1"/>
+                </a:solidFill>
+              </a:rPr>
+              <a:t>NEED TO ADD</a:t>
+            </a:r>
+          </a:p>
+          <a:p>
+            <a:pPr algn="ctr"/>
+            <a:r>
+              <a:rPr lang="en-GB" sz="4000" dirty="0">
+                <a:solidFill>
+                  <a:schemeClr val="bg1"/>
+                </a:solidFill>
+              </a:rPr>
+              <a:t>REAL CLASS MODEL</a:t>
+            </a:r>
+          </a:p>
+          <a:p>
+            <a:pPr algn="ctr"/>
+            <a:endParaRPr lang="en-GB" sz="4000" dirty="0">
+              <a:solidFill>
+                <a:schemeClr val="bg1"/>
+              </a:solidFill>
+            </a:endParaRPr>
+          </a:p>
+          <a:p>
+            <a:pPr algn="ctr"/>
+            <a:r>
+              <a:rPr lang="en-GB" sz="4000" dirty="0">
+                <a:solidFill>
+                  <a:schemeClr val="bg1"/>
+                </a:solidFill>
+              </a:rPr>
+              <a:t>ADRI WILL CREATE IT</a:t>
+            </a:r>
+          </a:p>
+          <a:p>
+            <a:pPr algn="ctr"/>
+            <a:r>
+              <a:rPr lang="en-GB" sz="4000" dirty="0">
+                <a:solidFill>
+                  <a:schemeClr val="bg1"/>
+                </a:solidFill>
+              </a:rPr>
+              <a:t>WHEN EVERYONE FINISH CODING</a:t>
+            </a:r>
+          </a:p>
+        </p:txBody>
+      </p:sp>
+    </p:spTree>
+    <p:extLst>
+      <p:ext uri="{BB962C8B-B14F-4D97-AF65-F5344CB8AC3E}">
+        <p14:creationId xmlns:p14="http://schemas.microsoft.com/office/powerpoint/2010/main" val="2031227237"/>
+      </p:ext>
+    </p:extLst>
+  </p:cSld>
+  <p:clrMapOvr>
+    <a:masterClrMapping/>
+  </p:clrMapOvr>
+  <p:transition advClick="0" advTm="20000"/>
+</p:sld>
+</file>
+
+<file path=ppt/slides/slide2.xml><?xml version="1.0" encoding="utf-8"?>
+<p:sld xmlns:a="http://schemas.openxmlformats.org/drawingml/2006/main" xmlns:r="http://schemas.openxmlformats.org/officeDocument/2006/relationships" xmlns:p="http://schemas.openxmlformats.org/presentationml/2006/main">
+  <p:cSld>
+    <p:spTree>
+      <p:nvGrpSpPr>
+        <p:cNvPr id="1" name=""/>
+        <p:cNvGrpSpPr/>
+        <p:nvPr/>
+      </p:nvGrpSpPr>
+      <p:grpSpPr>
+        <a:xfrm>
+          <a:off x="0" y="0"/>
+          <a:ext cx="0" cy="0"/>
+          <a:chOff x="0" y="0"/>
+          <a:chExt cx="0" cy="0"/>
+        </a:xfrm>
+      </p:grpSpPr>
+      <p:sp>
+        <p:nvSpPr>
+          <p:cNvPr id="6148" name="Rectangle 4"/>
+          <p:cNvSpPr>
+            <a:spLocks noGrp="1" noChangeArrowheads="1"/>
+          </p:cNvSpPr>
+          <p:nvPr>
+            <p:ph type="title"/>
+          </p:nvPr>
+        </p:nvSpPr>
+        <p:spPr/>
+        <p:txBody>
+          <a:bodyPr/>
+          <a:lstStyle/>
+          <a:p>
+            <a:r>
+              <a:rPr lang="en-GB"/>
+              <a:t>Architecture</a:t>
+            </a:r>
+          </a:p>
+        </p:txBody>
+      </p:sp>
+      <p:sp>
+        <p:nvSpPr>
+          <p:cNvPr id="4" name="Marcador de pie de página 3">
+            <a:extLst>
+              <a:ext uri="{FF2B5EF4-FFF2-40B4-BE49-F238E27FC236}">
+                <a16:creationId xmlns:a16="http://schemas.microsoft.com/office/drawing/2014/main" id="{AA6FBEFF-CEF2-904C-B8B7-ED1223BA9721}"/>
+              </a:ext>
+            </a:extLst>
+          </p:cNvPr>
+          <p:cNvSpPr>
+            <a:spLocks noGrp="1"/>
+          </p:cNvSpPr>
+          <p:nvPr>
+            <p:ph type="ftr" sz="quarter" idx="11"/>
+          </p:nvPr>
+        </p:nvSpPr>
+        <p:spPr/>
+        <p:txBody>
+          <a:bodyPr/>
+          <a:lstStyle/>
+          <a:p>
+            <a:r>
+              <a:rPr lang="en" dirty="0"/>
+              <a:t>Introduction to Software Engineering - Final Presentations</a:t>
+            </a:r>
+            <a:endParaRPr lang="en-US" dirty="0"/>
+          </a:p>
+        </p:txBody>
+      </p:sp>
+      <p:sp>
+        <p:nvSpPr>
+          <p:cNvPr id="5" name="Content Placeholder 4">
+            <a:extLst>
+              <a:ext uri="{FF2B5EF4-FFF2-40B4-BE49-F238E27FC236}">
+                <a16:creationId xmlns:a16="http://schemas.microsoft.com/office/drawing/2014/main" id="{6AEB5F7E-82F0-42CB-AE55-EB8D47B571E3}"/>
+              </a:ext>
+            </a:extLst>
+          </p:cNvPr>
+          <p:cNvSpPr>
+            <a:spLocks noGrp="1"/>
+          </p:cNvSpPr>
+          <p:nvPr>
+            <p:ph sz="quarter" idx="1"/>
+          </p:nvPr>
+        </p:nvSpPr>
+        <p:spPr>
+          <a:xfrm>
+            <a:off x="301752" y="1527048"/>
+            <a:ext cx="8380521" cy="691051"/>
+          </a:xfrm>
+        </p:spPr>
+        <p:txBody>
+          <a:bodyPr/>
+          <a:lstStyle/>
+          <a:p>
+            <a:r>
+              <a:rPr lang="en-GB" dirty="0"/>
+              <a:t>This is how it works in our application</a:t>
             </a:r>
           </a:p>
         </p:txBody>
@@ -7960,8 +10328,8 @@
         </p:nvSpPr>
         <p:spPr>
           <a:xfrm>
-            <a:off x="686537" y="3923361"/>
-            <a:ext cx="1087932" cy="307777"/>
+            <a:off x="677830" y="3816034"/>
+            <a:ext cx="1087932" cy="523220"/>
           </a:xfrm>
           <a:prstGeom prst="rect">
             <a:avLst/>
@@ -7974,6 +10342,22 @@
           </a:bodyPr>
           <a:lstStyle/>
           <a:p>
+            <a:pPr algn="ctr"/>
+            <a:r>
+              <a:rPr lang="en-GB" sz="1400" dirty="0">
+                <a:solidFill>
+                  <a:schemeClr val="accent5">
+                    <a:lumMod val="50000"/>
+                  </a:schemeClr>
+                </a:solidFill>
+                <a:latin typeface="Segoe UI" panose="020B0502040204020203" pitchFamily="34" charset="0"/>
+                <a:cs typeface="Segoe UI" panose="020B0502040204020203" pitchFamily="34" charset="0"/>
+              </a:rPr>
+              <a:t>USER</a:t>
+            </a:r>
+          </a:p>
+          <a:p>
+            <a:pPr algn="ctr"/>
             <a:r>
               <a:rPr lang="en-GB" sz="1400" dirty="0">
                 <a:solidFill>
@@ -8003,8 +10387,8 @@
         </p:nvSpPr>
         <p:spPr>
           <a:xfrm>
-            <a:off x="688800" y="2897003"/>
-            <a:ext cx="1087932" cy="307777"/>
+            <a:off x="686537" y="2783564"/>
+            <a:ext cx="1087932" cy="523220"/>
           </a:xfrm>
           <a:prstGeom prst="rect">
             <a:avLst/>
@@ -8017,6 +10401,22 @@
           </a:bodyPr>
           <a:lstStyle/>
           <a:p>
+            <a:pPr algn="ctr"/>
+            <a:r>
+              <a:rPr lang="en-GB" sz="1400" dirty="0">
+                <a:solidFill>
+                  <a:schemeClr val="accent5">
+                    <a:lumMod val="50000"/>
+                  </a:schemeClr>
+                </a:solidFill>
+                <a:latin typeface="Segoe UI" panose="020B0502040204020203" pitchFamily="34" charset="0"/>
+                <a:cs typeface="Segoe UI" panose="020B0502040204020203" pitchFamily="34" charset="0"/>
+              </a:rPr>
+              <a:t>USER</a:t>
+            </a:r>
+          </a:p>
+          <a:p>
+            <a:pPr algn="ctr"/>
             <a:r>
               <a:rPr lang="en-GB" sz="1400" dirty="0">
                 <a:solidFill>
@@ -8046,8 +10446,8 @@
         </p:nvSpPr>
         <p:spPr>
           <a:xfrm>
-            <a:off x="690309" y="4939679"/>
-            <a:ext cx="1087932" cy="307777"/>
+            <a:off x="690309" y="4853650"/>
+            <a:ext cx="1087932" cy="523220"/>
           </a:xfrm>
           <a:prstGeom prst="rect">
             <a:avLst/>
@@ -8060,6 +10460,22 @@
           </a:bodyPr>
           <a:lstStyle/>
           <a:p>
+            <a:pPr algn="ctr"/>
+            <a:r>
+              <a:rPr lang="en-GB" sz="1400" dirty="0">
+                <a:solidFill>
+                  <a:schemeClr val="accent5">
+                    <a:lumMod val="50000"/>
+                  </a:schemeClr>
+                </a:solidFill>
+                <a:latin typeface="Segoe UI" panose="020B0502040204020203" pitchFamily="34" charset="0"/>
+                <a:cs typeface="Segoe UI" panose="020B0502040204020203" pitchFamily="34" charset="0"/>
+              </a:rPr>
+              <a:t>USER</a:t>
+            </a:r>
+          </a:p>
+          <a:p>
+            <a:pPr algn="ctr"/>
             <a:r>
               <a:rPr lang="en-GB" sz="1400" dirty="0">
                 <a:solidFill>
@@ -8190,8 +10606,8 @@
         </p:nvSpPr>
         <p:spPr>
           <a:xfrm>
-            <a:off x="7327282" y="2498857"/>
-            <a:ext cx="1172425" cy="307777"/>
+            <a:off x="7327278" y="2380672"/>
+            <a:ext cx="1172425" cy="523220"/>
           </a:xfrm>
           <a:prstGeom prst="rect">
             <a:avLst/>
@@ -8204,6 +10620,22 @@
           </a:bodyPr>
           <a:lstStyle/>
           <a:p>
+            <a:pPr algn="ctr"/>
+            <a:r>
+              <a:rPr lang="en-GB" sz="1400" dirty="0">
+                <a:solidFill>
+                  <a:schemeClr val="tx2">
+                    <a:lumMod val="50000"/>
+                  </a:schemeClr>
+                </a:solidFill>
+                <a:latin typeface="Segoe UI" panose="020B0502040204020203" pitchFamily="34" charset="0"/>
+                <a:cs typeface="Segoe UI" panose="020B0502040204020203" pitchFamily="34" charset="0"/>
+              </a:rPr>
+              <a:t>USER</a:t>
+            </a:r>
+          </a:p>
+          <a:p>
+            <a:pPr algn="ctr"/>
             <a:r>
               <a:rPr lang="en-GB" sz="1400" dirty="0">
                 <a:solidFill>
@@ -8233,8 +10665,8 @@
         </p:nvSpPr>
         <p:spPr>
           <a:xfrm>
-            <a:off x="7327282" y="3508973"/>
-            <a:ext cx="1172425" cy="307777"/>
+            <a:off x="7327279" y="3411175"/>
+            <a:ext cx="1172425" cy="523220"/>
           </a:xfrm>
           <a:prstGeom prst="rect">
             <a:avLst/>
@@ -8247,6 +10679,22 @@
           </a:bodyPr>
           <a:lstStyle/>
           <a:p>
+            <a:pPr algn="ctr"/>
+            <a:r>
+              <a:rPr lang="en-GB" sz="1400" dirty="0">
+                <a:solidFill>
+                  <a:schemeClr val="tx2">
+                    <a:lumMod val="50000"/>
+                  </a:schemeClr>
+                </a:solidFill>
+                <a:latin typeface="Segoe UI" panose="020B0502040204020203" pitchFamily="34" charset="0"/>
+                <a:cs typeface="Segoe UI" panose="020B0502040204020203" pitchFamily="34" charset="0"/>
+              </a:rPr>
+              <a:t>USER</a:t>
+            </a:r>
+          </a:p>
+          <a:p>
+            <a:pPr algn="ctr"/>
             <a:r>
               <a:rPr lang="en-GB" sz="1400" dirty="0">
                 <a:solidFill>
@@ -8276,8 +10724,8 @@
         </p:nvSpPr>
         <p:spPr>
           <a:xfrm>
-            <a:off x="7327281" y="4561551"/>
-            <a:ext cx="1172425" cy="307777"/>
+            <a:off x="7327281" y="4452912"/>
+            <a:ext cx="1172425" cy="523220"/>
           </a:xfrm>
           <a:prstGeom prst="rect">
             <a:avLst/>
@@ -8290,6 +10738,22 @@
           </a:bodyPr>
           <a:lstStyle/>
           <a:p>
+            <a:pPr algn="ctr"/>
+            <a:r>
+              <a:rPr lang="en-GB" sz="1400" dirty="0">
+                <a:solidFill>
+                  <a:schemeClr val="tx2">
+                    <a:lumMod val="50000"/>
+                  </a:schemeClr>
+                </a:solidFill>
+                <a:latin typeface="Segoe UI" panose="020B0502040204020203" pitchFamily="34" charset="0"/>
+                <a:cs typeface="Segoe UI" panose="020B0502040204020203" pitchFamily="34" charset="0"/>
+              </a:rPr>
+              <a:t>USER</a:t>
+            </a:r>
+          </a:p>
+          <a:p>
+            <a:pPr algn="ctr"/>
             <a:r>
               <a:rPr lang="en-GB" sz="1400" dirty="0">
                 <a:solidFill>
@@ -8319,8 +10783,8 @@
         </p:nvSpPr>
         <p:spPr>
           <a:xfrm>
-            <a:off x="7327282" y="5564349"/>
-            <a:ext cx="1172425" cy="307777"/>
+            <a:off x="7327280" y="5454206"/>
+            <a:ext cx="1172425" cy="523220"/>
           </a:xfrm>
           <a:prstGeom prst="rect">
             <a:avLst/>
@@ -8333,6 +10797,22 @@
           </a:bodyPr>
           <a:lstStyle/>
           <a:p>
+            <a:pPr algn="ctr"/>
+            <a:r>
+              <a:rPr lang="en-GB" sz="1400" dirty="0">
+                <a:solidFill>
+                  <a:schemeClr val="tx2">
+                    <a:lumMod val="50000"/>
+                  </a:schemeClr>
+                </a:solidFill>
+                <a:latin typeface="Segoe UI" panose="020B0502040204020203" pitchFamily="34" charset="0"/>
+                <a:cs typeface="Segoe UI" panose="020B0502040204020203" pitchFamily="34" charset="0"/>
+              </a:rPr>
+              <a:t>USER</a:t>
+            </a:r>
+          </a:p>
+          <a:p>
+            <a:pPr algn="ctr"/>
             <a:r>
               <a:rPr lang="en-GB" sz="1400" dirty="0">
                 <a:solidFill>
@@ -8610,123 +11090,7 @@
     </p:spTree>
     <p:extLst>
       <p:ext uri="{BB962C8B-B14F-4D97-AF65-F5344CB8AC3E}">
-        <p14:creationId xmlns:p14="http://schemas.microsoft.com/office/powerpoint/2010/main" val="2237064499"/>
-      </p:ext>
-    </p:extLst>
-  </p:cSld>
-  <p:clrMapOvr>
-    <a:masterClrMapping/>
-  </p:clrMapOvr>
-  <p:transition advClick="0" advTm="20000"/>
-</p:sld>
-</file>
-
-<file path=ppt/slides/slide2.xml><?xml version="1.0" encoding="utf-8"?>
-<p:sld xmlns:a="http://schemas.openxmlformats.org/drawingml/2006/main" xmlns:r="http://schemas.openxmlformats.org/officeDocument/2006/relationships" xmlns:p="http://schemas.openxmlformats.org/presentationml/2006/main">
-  <p:cSld>
-    <p:spTree>
-      <p:nvGrpSpPr>
-        <p:cNvPr id="1" name=""/>
-        <p:cNvGrpSpPr/>
-        <p:nvPr/>
-      </p:nvGrpSpPr>
-      <p:grpSpPr>
-        <a:xfrm>
-          <a:off x="0" y="0"/>
-          <a:ext cx="0" cy="0"/>
-          <a:chOff x="0" y="0"/>
-          <a:chExt cx="0" cy="0"/>
-        </a:xfrm>
-      </p:grpSpPr>
-      <p:sp>
-        <p:nvSpPr>
-          <p:cNvPr id="6148" name="Rectangle 4"/>
-          <p:cNvSpPr>
-            <a:spLocks noGrp="1" noChangeArrowheads="1"/>
-          </p:cNvSpPr>
-          <p:nvPr>
-            <p:ph type="title"/>
-          </p:nvPr>
-        </p:nvSpPr>
-        <p:spPr/>
-        <p:txBody>
-          <a:bodyPr/>
-          <a:lstStyle/>
-          <a:p>
-            <a:r>
-              <a:rPr lang="en-US" dirty="0"/>
-              <a:t>Architecture</a:t>
-            </a:r>
-            <a:endParaRPr lang="en-US" noProof="0" dirty="0"/>
-          </a:p>
-        </p:txBody>
-      </p:sp>
-      <p:sp>
-        <p:nvSpPr>
-          <p:cNvPr id="4" name="Marcador de pie de página 3">
-            <a:extLst>
-              <a:ext uri="{FF2B5EF4-FFF2-40B4-BE49-F238E27FC236}">
-                <a16:creationId xmlns:a16="http://schemas.microsoft.com/office/drawing/2014/main" id="{AA6FBEFF-CEF2-904C-B8B7-ED1223BA9721}"/>
-              </a:ext>
-            </a:extLst>
-          </p:cNvPr>
-          <p:cNvSpPr>
-            <a:spLocks noGrp="1"/>
-          </p:cNvSpPr>
-          <p:nvPr>
-            <p:ph type="ftr" sz="quarter" idx="11"/>
-          </p:nvPr>
-        </p:nvSpPr>
-        <p:spPr/>
-        <p:txBody>
-          <a:bodyPr/>
-          <a:lstStyle/>
-          <a:p>
-            <a:r>
-              <a:rPr lang="en" dirty="0"/>
-              <a:t>Introduction to Software Engineering - Final Presentations</a:t>
-            </a:r>
-            <a:endParaRPr lang="en-US" dirty="0"/>
-          </a:p>
-        </p:txBody>
-      </p:sp>
-      <p:sp>
-        <p:nvSpPr>
-          <p:cNvPr id="5" name="Content Placeholder 4">
-            <a:extLst>
-              <a:ext uri="{FF2B5EF4-FFF2-40B4-BE49-F238E27FC236}">
-                <a16:creationId xmlns:a16="http://schemas.microsoft.com/office/drawing/2014/main" id="{6AEB5F7E-82F0-42CB-AE55-EB8D47B571E3}"/>
-              </a:ext>
-            </a:extLst>
-          </p:cNvPr>
-          <p:cNvSpPr>
-            <a:spLocks noGrp="1"/>
-          </p:cNvSpPr>
-          <p:nvPr>
-            <p:ph sz="quarter" idx="1"/>
-          </p:nvPr>
-        </p:nvSpPr>
-        <p:spPr>
-          <a:xfrm>
-            <a:off x="301752" y="1527048"/>
-            <a:ext cx="8380521" cy="691051"/>
-          </a:xfrm>
-        </p:spPr>
-        <p:txBody>
-          <a:bodyPr/>
-          <a:lstStyle/>
-          <a:p>
-            <a:r>
-              <a:rPr lang="en-GB" dirty="0"/>
-              <a:t>We are going to use</a:t>
-            </a:r>
-          </a:p>
-        </p:txBody>
-      </p:sp>
-    </p:spTree>
-    <p:extLst>
-      <p:ext uri="{BB962C8B-B14F-4D97-AF65-F5344CB8AC3E}">
-        <p14:creationId xmlns:p14="http://schemas.microsoft.com/office/powerpoint/2010/main" val="405623449"/>
+        <p14:creationId xmlns:p14="http://schemas.microsoft.com/office/powerpoint/2010/main" val="3655427800"/>
       </p:ext>
     </p:extLst>
   </p:cSld>
@@ -8771,7 +11135,7 @@
           <a:p>
             <a:r>
               <a:rPr lang="en-US" dirty="0"/>
-              <a:t>Models</a:t>
+              <a:t>Architecture</a:t>
             </a:r>
             <a:endParaRPr lang="en-US" noProof="0" dirty="0"/>
           </a:p>
@@ -8834,15 +11198,274 @@
           <a:p>
             <a:r>
               <a:rPr lang="en-GB" dirty="0"/>
-              <a:t>We are going to use</a:t>
-            </a:r>
+              <a:t>Why did we picked Publish–subscribe pattern?</a:t>
+            </a:r>
+          </a:p>
+        </p:txBody>
+      </p:sp>
+      <p:sp>
+        <p:nvSpPr>
+          <p:cNvPr id="6" name="Content Placeholder 4">
+            <a:extLst>
+              <a:ext uri="{FF2B5EF4-FFF2-40B4-BE49-F238E27FC236}">
+                <a16:creationId xmlns:a16="http://schemas.microsoft.com/office/drawing/2014/main" id="{508B316C-E910-4107-A5BD-A9AC755E4FE2}"/>
+              </a:ext>
+            </a:extLst>
+          </p:cNvPr>
+          <p:cNvSpPr txBox="1">
+            <a:spLocks/>
+          </p:cNvSpPr>
+          <p:nvPr/>
+        </p:nvSpPr>
+        <p:spPr>
+          <a:xfrm>
+            <a:off x="669956" y="2222656"/>
+            <a:ext cx="8012316" cy="4188192"/>
+          </a:xfrm>
+          <a:prstGeom prst="rect">
+            <a:avLst/>
+          </a:prstGeom>
+        </p:spPr>
+        <p:txBody>
+          <a:bodyPr vert="horz">
+            <a:normAutofit/>
+          </a:bodyPr>
+          <a:lstStyle>
+            <a:lvl1pPr marL="274320" indent="-274320" algn="l" rtl="0" eaLnBrk="1" latinLnBrk="0" hangingPunct="1">
+              <a:spcBef>
+                <a:spcPct val="20000"/>
+              </a:spcBef>
+              <a:buClr>
+                <a:schemeClr val="accent1"/>
+              </a:buClr>
+              <a:buSzPct val="85000"/>
+              <a:buFont typeface="Wingdings 2"/>
+              <a:buChar char=""/>
+              <a:defRPr kumimoji="0" sz="2700" kern="1200">
+                <a:solidFill>
+                  <a:schemeClr val="tx1"/>
+                </a:solidFill>
+                <a:latin typeface="+mn-lt"/>
+                <a:ea typeface="+mn-ea"/>
+                <a:cs typeface="+mn-cs"/>
+              </a:defRPr>
+            </a:lvl1pPr>
+            <a:lvl2pPr marL="548640" indent="-274320" algn="l" rtl="0" eaLnBrk="1" latinLnBrk="0" hangingPunct="1">
+              <a:spcBef>
+                <a:spcPct val="20000"/>
+              </a:spcBef>
+              <a:buClr>
+                <a:schemeClr val="accent2"/>
+              </a:buClr>
+              <a:buSzPct val="70000"/>
+              <a:buFont typeface="Wingdings"/>
+              <a:buChar char=""/>
+              <a:defRPr kumimoji="0" sz="2200" kern="1200">
+                <a:solidFill>
+                  <a:schemeClr val="tx2"/>
+                </a:solidFill>
+                <a:latin typeface="+mn-lt"/>
+                <a:ea typeface="+mn-ea"/>
+                <a:cs typeface="+mn-cs"/>
+              </a:defRPr>
+            </a:lvl2pPr>
+            <a:lvl3pPr marL="822960" indent="-228600" algn="l" rtl="0" eaLnBrk="1" latinLnBrk="0" hangingPunct="1">
+              <a:spcBef>
+                <a:spcPct val="20000"/>
+              </a:spcBef>
+              <a:buClr>
+                <a:schemeClr val="accent3"/>
+              </a:buClr>
+              <a:buSzPct val="75000"/>
+              <a:buFont typeface="Wingdings 2"/>
+              <a:buChar char=""/>
+              <a:defRPr kumimoji="0" sz="2000" kern="1200">
+                <a:solidFill>
+                  <a:schemeClr val="tx1"/>
+                </a:solidFill>
+                <a:latin typeface="+mn-lt"/>
+                <a:ea typeface="+mn-ea"/>
+                <a:cs typeface="+mn-cs"/>
+              </a:defRPr>
+            </a:lvl3pPr>
+            <a:lvl4pPr marL="1097280" indent="-228600" algn="l" rtl="0" eaLnBrk="1" latinLnBrk="0" hangingPunct="1">
+              <a:spcBef>
+                <a:spcPct val="20000"/>
+              </a:spcBef>
+              <a:buClr>
+                <a:schemeClr val="accent4"/>
+              </a:buClr>
+              <a:buSzPct val="70000"/>
+              <a:buFont typeface="Wingdings"/>
+              <a:buChar char=""/>
+              <a:defRPr kumimoji="0" sz="2000" kern="1200">
+                <a:solidFill>
+                  <a:schemeClr val="tx2"/>
+                </a:solidFill>
+                <a:latin typeface="+mn-lt"/>
+                <a:ea typeface="+mn-ea"/>
+                <a:cs typeface="+mn-cs"/>
+              </a:defRPr>
+            </a:lvl4pPr>
+            <a:lvl5pPr marL="1371600" indent="-228600" algn="l" rtl="0" eaLnBrk="1" latinLnBrk="0" hangingPunct="1">
+              <a:spcBef>
+                <a:spcPct val="20000"/>
+              </a:spcBef>
+              <a:buClr>
+                <a:schemeClr val="accent5"/>
+              </a:buClr>
+              <a:buFontTx/>
+              <a:buChar char="•"/>
+              <a:defRPr kumimoji="0" sz="1800" kern="1200">
+                <a:solidFill>
+                  <a:schemeClr val="tx1"/>
+                </a:solidFill>
+                <a:latin typeface="+mn-lt"/>
+                <a:ea typeface="+mn-ea"/>
+                <a:cs typeface="+mn-cs"/>
+              </a:defRPr>
+            </a:lvl5pPr>
+            <a:lvl6pPr marL="1645920" indent="-182880" algn="l" rtl="0" eaLnBrk="1" latinLnBrk="0" hangingPunct="1">
+              <a:spcBef>
+                <a:spcPct val="20000"/>
+              </a:spcBef>
+              <a:buClr>
+                <a:schemeClr val="accent6"/>
+              </a:buClr>
+              <a:buSzPct val="80000"/>
+              <a:buFont typeface="Wingdings 2"/>
+              <a:buChar char=""/>
+              <a:defRPr kumimoji="0" sz="1800" kern="1200">
+                <a:solidFill>
+                  <a:schemeClr val="tx1"/>
+                </a:solidFill>
+                <a:latin typeface="+mn-lt"/>
+                <a:ea typeface="+mn-ea"/>
+                <a:cs typeface="+mn-cs"/>
+              </a:defRPr>
+            </a:lvl6pPr>
+            <a:lvl7pPr marL="1920240" indent="-182880" algn="l" rtl="0" eaLnBrk="1" latinLnBrk="0" hangingPunct="1">
+              <a:spcBef>
+                <a:spcPct val="20000"/>
+              </a:spcBef>
+              <a:buClr>
+                <a:schemeClr val="accent1">
+                  <a:shade val="75000"/>
+                </a:schemeClr>
+              </a:buClr>
+              <a:buSzPct val="90000"/>
+              <a:buChar char="•"/>
+              <a:defRPr kumimoji="0" sz="1600" kern="1200" baseline="0">
+                <a:solidFill>
+                  <a:schemeClr val="tx1"/>
+                </a:solidFill>
+                <a:latin typeface="+mn-lt"/>
+                <a:ea typeface="+mn-ea"/>
+                <a:cs typeface="+mn-cs"/>
+              </a:defRPr>
+            </a:lvl7pPr>
+            <a:lvl8pPr marL="2103120" indent="-182880" algn="l" rtl="0" eaLnBrk="1" latinLnBrk="0" hangingPunct="1">
+              <a:spcBef>
+                <a:spcPct val="20000"/>
+              </a:spcBef>
+              <a:buClr>
+                <a:schemeClr val="accent4">
+                  <a:shade val="75000"/>
+                </a:schemeClr>
+              </a:buClr>
+              <a:buChar char="•"/>
+              <a:defRPr kumimoji="0" sz="1600" kern="1200">
+                <a:solidFill>
+                  <a:schemeClr val="tx1"/>
+                </a:solidFill>
+                <a:latin typeface="+mn-lt"/>
+                <a:ea typeface="+mn-ea"/>
+                <a:cs typeface="+mn-cs"/>
+              </a:defRPr>
+            </a:lvl8pPr>
+            <a:lvl9pPr marL="2377440" indent="-182880" algn="l" rtl="0" eaLnBrk="1" latinLnBrk="0" hangingPunct="1">
+              <a:spcBef>
+                <a:spcPct val="20000"/>
+              </a:spcBef>
+              <a:buClr>
+                <a:schemeClr val="accent2">
+                  <a:shade val="75000"/>
+                </a:schemeClr>
+              </a:buClr>
+              <a:buSzPct val="90000"/>
+              <a:buChar char="•"/>
+              <a:defRPr kumimoji="0" sz="1400" kern="1200" cap="all" baseline="0">
+                <a:solidFill>
+                  <a:schemeClr val="tx1"/>
+                </a:solidFill>
+                <a:latin typeface="+mn-lt"/>
+                <a:ea typeface="+mn-ea"/>
+                <a:cs typeface="+mn-cs"/>
+              </a:defRPr>
+            </a:lvl9pPr>
+          </a:lstStyle>
+          <a:p>
+            <a:pPr>
+              <a:buFontTx/>
+              <a:buChar char="-"/>
+            </a:pPr>
+            <a:r>
+              <a:rPr lang="en-GB" sz="2200" dirty="0"/>
+              <a:t>A user may want to adopt a dog but the user does not want to check the rest of posts.</a:t>
+            </a:r>
+          </a:p>
+          <a:p>
+            <a:pPr>
+              <a:buFontTx/>
+              <a:buChar char="-"/>
+            </a:pPr>
+            <a:r>
+              <a:rPr lang="en-GB" sz="2200" dirty="0"/>
+              <a:t>A user may have lost his/her cat, and want to get notify if someone post a similar cat.</a:t>
+            </a:r>
+          </a:p>
+          <a:p>
+            <a:pPr>
+              <a:buFontTx/>
+              <a:buChar char="-"/>
+            </a:pPr>
+            <a:r>
+              <a:rPr lang="en-GB" sz="2200" dirty="0"/>
+              <a:t>Notifications are easy to implement following a Publish-subscribe pattern.</a:t>
+            </a:r>
+          </a:p>
+          <a:p>
+            <a:pPr>
+              <a:buFontTx/>
+              <a:buChar char="-"/>
+            </a:pPr>
+            <a:r>
+              <a:rPr lang="en-GB" sz="2200" dirty="0"/>
+              <a:t>The application is going to be very versatile to add future “tags” or conditions to get notified.</a:t>
+            </a:r>
+          </a:p>
+          <a:p>
+            <a:pPr>
+              <a:buFontTx/>
+              <a:buChar char="-"/>
+            </a:pPr>
+            <a:r>
+              <a:rPr lang="en-GB" sz="2200" dirty="0"/>
+              <a:t>A user doesn’t need to check the application several times to check what he/she wants</a:t>
+            </a:r>
+          </a:p>
+          <a:p>
+            <a:pPr marL="0" indent="0">
+              <a:buNone/>
+            </a:pPr>
+            <a:endParaRPr lang="en-GB" sz="2400" dirty="0"/>
           </a:p>
         </p:txBody>
       </p:sp>
     </p:spTree>
     <p:extLst>
       <p:ext uri="{BB962C8B-B14F-4D97-AF65-F5344CB8AC3E}">
-        <p14:creationId xmlns:p14="http://schemas.microsoft.com/office/powerpoint/2010/main" val="2598592898"/>
+        <p14:creationId xmlns:p14="http://schemas.microsoft.com/office/powerpoint/2010/main" val="405623449"/>
       </p:ext>
     </p:extLst>
   </p:cSld>
@@ -8887,7 +11510,7 @@
           <a:p>
             <a:r>
               <a:rPr lang="en-US" dirty="0"/>
-              <a:t>Implementation Models</a:t>
+              <a:t>Architecture</a:t>
             </a:r>
             <a:endParaRPr lang="en-US" noProof="0" dirty="0"/>
           </a:p>
@@ -8950,15 +11573,1439 @@
           <a:p>
             <a:r>
               <a:rPr lang="en-GB" dirty="0"/>
-              <a:t>We have picked Publish–subscribe pattern</a:t>
-            </a:r>
+              <a:t>Advantages</a:t>
+            </a:r>
+          </a:p>
+        </p:txBody>
+      </p:sp>
+      <p:sp>
+        <p:nvSpPr>
+          <p:cNvPr id="6" name="Content Placeholder 4">
+            <a:extLst>
+              <a:ext uri="{FF2B5EF4-FFF2-40B4-BE49-F238E27FC236}">
+                <a16:creationId xmlns:a16="http://schemas.microsoft.com/office/drawing/2014/main" id="{508B316C-E910-4107-A5BD-A9AC755E4FE2}"/>
+              </a:ext>
+            </a:extLst>
+          </p:cNvPr>
+          <p:cNvSpPr txBox="1">
+            <a:spLocks/>
+          </p:cNvSpPr>
+          <p:nvPr/>
+        </p:nvSpPr>
+        <p:spPr>
+          <a:xfrm>
+            <a:off x="669956" y="2076470"/>
+            <a:ext cx="8012316" cy="1698825"/>
+          </a:xfrm>
+          <a:prstGeom prst="rect">
+            <a:avLst/>
+          </a:prstGeom>
+        </p:spPr>
+        <p:txBody>
+          <a:bodyPr vert="horz">
+            <a:normAutofit/>
+          </a:bodyPr>
+          <a:lstStyle>
+            <a:lvl1pPr marL="274320" indent="-274320" algn="l" rtl="0" eaLnBrk="1" latinLnBrk="0" hangingPunct="1">
+              <a:spcBef>
+                <a:spcPct val="20000"/>
+              </a:spcBef>
+              <a:buClr>
+                <a:schemeClr val="accent1"/>
+              </a:buClr>
+              <a:buSzPct val="85000"/>
+              <a:buFont typeface="Wingdings 2"/>
+              <a:buChar char=""/>
+              <a:defRPr kumimoji="0" sz="2700" kern="1200">
+                <a:solidFill>
+                  <a:schemeClr val="tx1"/>
+                </a:solidFill>
+                <a:latin typeface="+mn-lt"/>
+                <a:ea typeface="+mn-ea"/>
+                <a:cs typeface="+mn-cs"/>
+              </a:defRPr>
+            </a:lvl1pPr>
+            <a:lvl2pPr marL="548640" indent="-274320" algn="l" rtl="0" eaLnBrk="1" latinLnBrk="0" hangingPunct="1">
+              <a:spcBef>
+                <a:spcPct val="20000"/>
+              </a:spcBef>
+              <a:buClr>
+                <a:schemeClr val="accent2"/>
+              </a:buClr>
+              <a:buSzPct val="70000"/>
+              <a:buFont typeface="Wingdings"/>
+              <a:buChar char=""/>
+              <a:defRPr kumimoji="0" sz="2200" kern="1200">
+                <a:solidFill>
+                  <a:schemeClr val="tx2"/>
+                </a:solidFill>
+                <a:latin typeface="+mn-lt"/>
+                <a:ea typeface="+mn-ea"/>
+                <a:cs typeface="+mn-cs"/>
+              </a:defRPr>
+            </a:lvl2pPr>
+            <a:lvl3pPr marL="822960" indent="-228600" algn="l" rtl="0" eaLnBrk="1" latinLnBrk="0" hangingPunct="1">
+              <a:spcBef>
+                <a:spcPct val="20000"/>
+              </a:spcBef>
+              <a:buClr>
+                <a:schemeClr val="accent3"/>
+              </a:buClr>
+              <a:buSzPct val="75000"/>
+              <a:buFont typeface="Wingdings 2"/>
+              <a:buChar char=""/>
+              <a:defRPr kumimoji="0" sz="2000" kern="1200">
+                <a:solidFill>
+                  <a:schemeClr val="tx1"/>
+                </a:solidFill>
+                <a:latin typeface="+mn-lt"/>
+                <a:ea typeface="+mn-ea"/>
+                <a:cs typeface="+mn-cs"/>
+              </a:defRPr>
+            </a:lvl3pPr>
+            <a:lvl4pPr marL="1097280" indent="-228600" algn="l" rtl="0" eaLnBrk="1" latinLnBrk="0" hangingPunct="1">
+              <a:spcBef>
+                <a:spcPct val="20000"/>
+              </a:spcBef>
+              <a:buClr>
+                <a:schemeClr val="accent4"/>
+              </a:buClr>
+              <a:buSzPct val="70000"/>
+              <a:buFont typeface="Wingdings"/>
+              <a:buChar char=""/>
+              <a:defRPr kumimoji="0" sz="2000" kern="1200">
+                <a:solidFill>
+                  <a:schemeClr val="tx2"/>
+                </a:solidFill>
+                <a:latin typeface="+mn-lt"/>
+                <a:ea typeface="+mn-ea"/>
+                <a:cs typeface="+mn-cs"/>
+              </a:defRPr>
+            </a:lvl4pPr>
+            <a:lvl5pPr marL="1371600" indent="-228600" algn="l" rtl="0" eaLnBrk="1" latinLnBrk="0" hangingPunct="1">
+              <a:spcBef>
+                <a:spcPct val="20000"/>
+              </a:spcBef>
+              <a:buClr>
+                <a:schemeClr val="accent5"/>
+              </a:buClr>
+              <a:buFontTx/>
+              <a:buChar char="•"/>
+              <a:defRPr kumimoji="0" sz="1800" kern="1200">
+                <a:solidFill>
+                  <a:schemeClr val="tx1"/>
+                </a:solidFill>
+                <a:latin typeface="+mn-lt"/>
+                <a:ea typeface="+mn-ea"/>
+                <a:cs typeface="+mn-cs"/>
+              </a:defRPr>
+            </a:lvl5pPr>
+            <a:lvl6pPr marL="1645920" indent="-182880" algn="l" rtl="0" eaLnBrk="1" latinLnBrk="0" hangingPunct="1">
+              <a:spcBef>
+                <a:spcPct val="20000"/>
+              </a:spcBef>
+              <a:buClr>
+                <a:schemeClr val="accent6"/>
+              </a:buClr>
+              <a:buSzPct val="80000"/>
+              <a:buFont typeface="Wingdings 2"/>
+              <a:buChar char=""/>
+              <a:defRPr kumimoji="0" sz="1800" kern="1200">
+                <a:solidFill>
+                  <a:schemeClr val="tx1"/>
+                </a:solidFill>
+                <a:latin typeface="+mn-lt"/>
+                <a:ea typeface="+mn-ea"/>
+                <a:cs typeface="+mn-cs"/>
+              </a:defRPr>
+            </a:lvl6pPr>
+            <a:lvl7pPr marL="1920240" indent="-182880" algn="l" rtl="0" eaLnBrk="1" latinLnBrk="0" hangingPunct="1">
+              <a:spcBef>
+                <a:spcPct val="20000"/>
+              </a:spcBef>
+              <a:buClr>
+                <a:schemeClr val="accent1">
+                  <a:shade val="75000"/>
+                </a:schemeClr>
+              </a:buClr>
+              <a:buSzPct val="90000"/>
+              <a:buChar char="•"/>
+              <a:defRPr kumimoji="0" sz="1600" kern="1200" baseline="0">
+                <a:solidFill>
+                  <a:schemeClr val="tx1"/>
+                </a:solidFill>
+                <a:latin typeface="+mn-lt"/>
+                <a:ea typeface="+mn-ea"/>
+                <a:cs typeface="+mn-cs"/>
+              </a:defRPr>
+            </a:lvl7pPr>
+            <a:lvl8pPr marL="2103120" indent="-182880" algn="l" rtl="0" eaLnBrk="1" latinLnBrk="0" hangingPunct="1">
+              <a:spcBef>
+                <a:spcPct val="20000"/>
+              </a:spcBef>
+              <a:buClr>
+                <a:schemeClr val="accent4">
+                  <a:shade val="75000"/>
+                </a:schemeClr>
+              </a:buClr>
+              <a:buChar char="•"/>
+              <a:defRPr kumimoji="0" sz="1600" kern="1200">
+                <a:solidFill>
+                  <a:schemeClr val="tx1"/>
+                </a:solidFill>
+                <a:latin typeface="+mn-lt"/>
+                <a:ea typeface="+mn-ea"/>
+                <a:cs typeface="+mn-cs"/>
+              </a:defRPr>
+            </a:lvl8pPr>
+            <a:lvl9pPr marL="2377440" indent="-182880" algn="l" rtl="0" eaLnBrk="1" latinLnBrk="0" hangingPunct="1">
+              <a:spcBef>
+                <a:spcPct val="20000"/>
+              </a:spcBef>
+              <a:buClr>
+                <a:schemeClr val="accent2">
+                  <a:shade val="75000"/>
+                </a:schemeClr>
+              </a:buClr>
+              <a:buSzPct val="90000"/>
+              <a:buChar char="•"/>
+              <a:defRPr kumimoji="0" sz="1400" kern="1200" cap="all" baseline="0">
+                <a:solidFill>
+                  <a:schemeClr val="tx1"/>
+                </a:solidFill>
+                <a:latin typeface="+mn-lt"/>
+                <a:ea typeface="+mn-ea"/>
+                <a:cs typeface="+mn-cs"/>
+              </a:defRPr>
+            </a:lvl9pPr>
+          </a:lstStyle>
+          <a:p>
+            <a:pPr>
+              <a:buFontTx/>
+              <a:buChar char="-"/>
+            </a:pPr>
+            <a:r>
+              <a:rPr lang="en-GB" sz="2200" dirty="0"/>
+              <a:t>Personalized notifications</a:t>
+            </a:r>
+          </a:p>
+          <a:p>
+            <a:pPr>
+              <a:buFontTx/>
+              <a:buChar char="-"/>
+            </a:pPr>
+            <a:r>
+              <a:rPr lang="en-GB" sz="2200" dirty="0"/>
+              <a:t>Client (User) does not need to check manually the app</a:t>
+            </a:r>
+          </a:p>
+          <a:p>
+            <a:pPr>
+              <a:buFontTx/>
+              <a:buChar char="-"/>
+            </a:pPr>
+            <a:r>
+              <a:rPr lang="en-GB" sz="2200" dirty="0"/>
+              <a:t>Scalability</a:t>
+            </a:r>
+          </a:p>
+          <a:p>
+            <a:pPr>
+              <a:buFontTx/>
+              <a:buChar char="-"/>
+            </a:pPr>
+            <a:r>
+              <a:rPr lang="en-GB" sz="2200" dirty="0"/>
+              <a:t>Loose Coupling (between Publishers-Subscribers)</a:t>
+            </a:r>
+          </a:p>
+        </p:txBody>
+      </p:sp>
+      <p:sp>
+        <p:nvSpPr>
+          <p:cNvPr id="11" name="Content Placeholder 4">
+            <a:extLst>
+              <a:ext uri="{FF2B5EF4-FFF2-40B4-BE49-F238E27FC236}">
+                <a16:creationId xmlns:a16="http://schemas.microsoft.com/office/drawing/2014/main" id="{DF8B654F-B07A-4DA7-8C24-891BCA77A454}"/>
+              </a:ext>
+            </a:extLst>
+          </p:cNvPr>
+          <p:cNvSpPr txBox="1">
+            <a:spLocks/>
+          </p:cNvSpPr>
+          <p:nvPr/>
+        </p:nvSpPr>
+        <p:spPr>
+          <a:xfrm>
+            <a:off x="304800" y="3633666"/>
+            <a:ext cx="8380521" cy="691051"/>
+          </a:xfrm>
+          <a:prstGeom prst="rect">
+            <a:avLst/>
+          </a:prstGeom>
+        </p:spPr>
+        <p:txBody>
+          <a:bodyPr vert="horz">
+            <a:normAutofit/>
+          </a:bodyPr>
+          <a:lstStyle>
+            <a:lvl1pPr marL="274320" indent="-274320" algn="l" rtl="0" eaLnBrk="1" latinLnBrk="0" hangingPunct="1">
+              <a:spcBef>
+                <a:spcPct val="20000"/>
+              </a:spcBef>
+              <a:buClr>
+                <a:schemeClr val="accent1"/>
+              </a:buClr>
+              <a:buSzPct val="85000"/>
+              <a:buFont typeface="Wingdings 2"/>
+              <a:buChar char=""/>
+              <a:defRPr kumimoji="0" sz="2700" kern="1200">
+                <a:solidFill>
+                  <a:schemeClr val="tx1"/>
+                </a:solidFill>
+                <a:latin typeface="+mn-lt"/>
+                <a:ea typeface="+mn-ea"/>
+                <a:cs typeface="+mn-cs"/>
+              </a:defRPr>
+            </a:lvl1pPr>
+            <a:lvl2pPr marL="548640" indent="-274320" algn="l" rtl="0" eaLnBrk="1" latinLnBrk="0" hangingPunct="1">
+              <a:spcBef>
+                <a:spcPct val="20000"/>
+              </a:spcBef>
+              <a:buClr>
+                <a:schemeClr val="accent2"/>
+              </a:buClr>
+              <a:buSzPct val="70000"/>
+              <a:buFont typeface="Wingdings"/>
+              <a:buChar char=""/>
+              <a:defRPr kumimoji="0" sz="2200" kern="1200">
+                <a:solidFill>
+                  <a:schemeClr val="tx2"/>
+                </a:solidFill>
+                <a:latin typeface="+mn-lt"/>
+                <a:ea typeface="+mn-ea"/>
+                <a:cs typeface="+mn-cs"/>
+              </a:defRPr>
+            </a:lvl2pPr>
+            <a:lvl3pPr marL="822960" indent="-228600" algn="l" rtl="0" eaLnBrk="1" latinLnBrk="0" hangingPunct="1">
+              <a:spcBef>
+                <a:spcPct val="20000"/>
+              </a:spcBef>
+              <a:buClr>
+                <a:schemeClr val="accent3"/>
+              </a:buClr>
+              <a:buSzPct val="75000"/>
+              <a:buFont typeface="Wingdings 2"/>
+              <a:buChar char=""/>
+              <a:defRPr kumimoji="0" sz="2000" kern="1200">
+                <a:solidFill>
+                  <a:schemeClr val="tx1"/>
+                </a:solidFill>
+                <a:latin typeface="+mn-lt"/>
+                <a:ea typeface="+mn-ea"/>
+                <a:cs typeface="+mn-cs"/>
+              </a:defRPr>
+            </a:lvl3pPr>
+            <a:lvl4pPr marL="1097280" indent="-228600" algn="l" rtl="0" eaLnBrk="1" latinLnBrk="0" hangingPunct="1">
+              <a:spcBef>
+                <a:spcPct val="20000"/>
+              </a:spcBef>
+              <a:buClr>
+                <a:schemeClr val="accent4"/>
+              </a:buClr>
+              <a:buSzPct val="70000"/>
+              <a:buFont typeface="Wingdings"/>
+              <a:buChar char=""/>
+              <a:defRPr kumimoji="0" sz="2000" kern="1200">
+                <a:solidFill>
+                  <a:schemeClr val="tx2"/>
+                </a:solidFill>
+                <a:latin typeface="+mn-lt"/>
+                <a:ea typeface="+mn-ea"/>
+                <a:cs typeface="+mn-cs"/>
+              </a:defRPr>
+            </a:lvl4pPr>
+            <a:lvl5pPr marL="1371600" indent="-228600" algn="l" rtl="0" eaLnBrk="1" latinLnBrk="0" hangingPunct="1">
+              <a:spcBef>
+                <a:spcPct val="20000"/>
+              </a:spcBef>
+              <a:buClr>
+                <a:schemeClr val="accent5"/>
+              </a:buClr>
+              <a:buFontTx/>
+              <a:buChar char="•"/>
+              <a:defRPr kumimoji="0" sz="1800" kern="1200">
+                <a:solidFill>
+                  <a:schemeClr val="tx1"/>
+                </a:solidFill>
+                <a:latin typeface="+mn-lt"/>
+                <a:ea typeface="+mn-ea"/>
+                <a:cs typeface="+mn-cs"/>
+              </a:defRPr>
+            </a:lvl5pPr>
+            <a:lvl6pPr marL="1645920" indent="-182880" algn="l" rtl="0" eaLnBrk="1" latinLnBrk="0" hangingPunct="1">
+              <a:spcBef>
+                <a:spcPct val="20000"/>
+              </a:spcBef>
+              <a:buClr>
+                <a:schemeClr val="accent6"/>
+              </a:buClr>
+              <a:buSzPct val="80000"/>
+              <a:buFont typeface="Wingdings 2"/>
+              <a:buChar char=""/>
+              <a:defRPr kumimoji="0" sz="1800" kern="1200">
+                <a:solidFill>
+                  <a:schemeClr val="tx1"/>
+                </a:solidFill>
+                <a:latin typeface="+mn-lt"/>
+                <a:ea typeface="+mn-ea"/>
+                <a:cs typeface="+mn-cs"/>
+              </a:defRPr>
+            </a:lvl6pPr>
+            <a:lvl7pPr marL="1920240" indent="-182880" algn="l" rtl="0" eaLnBrk="1" latinLnBrk="0" hangingPunct="1">
+              <a:spcBef>
+                <a:spcPct val="20000"/>
+              </a:spcBef>
+              <a:buClr>
+                <a:schemeClr val="accent1">
+                  <a:shade val="75000"/>
+                </a:schemeClr>
+              </a:buClr>
+              <a:buSzPct val="90000"/>
+              <a:buChar char="•"/>
+              <a:defRPr kumimoji="0" sz="1600" kern="1200" baseline="0">
+                <a:solidFill>
+                  <a:schemeClr val="tx1"/>
+                </a:solidFill>
+                <a:latin typeface="+mn-lt"/>
+                <a:ea typeface="+mn-ea"/>
+                <a:cs typeface="+mn-cs"/>
+              </a:defRPr>
+            </a:lvl7pPr>
+            <a:lvl8pPr marL="2103120" indent="-182880" algn="l" rtl="0" eaLnBrk="1" latinLnBrk="0" hangingPunct="1">
+              <a:spcBef>
+                <a:spcPct val="20000"/>
+              </a:spcBef>
+              <a:buClr>
+                <a:schemeClr val="accent4">
+                  <a:shade val="75000"/>
+                </a:schemeClr>
+              </a:buClr>
+              <a:buChar char="•"/>
+              <a:defRPr kumimoji="0" sz="1600" kern="1200">
+                <a:solidFill>
+                  <a:schemeClr val="tx1"/>
+                </a:solidFill>
+                <a:latin typeface="+mn-lt"/>
+                <a:ea typeface="+mn-ea"/>
+                <a:cs typeface="+mn-cs"/>
+              </a:defRPr>
+            </a:lvl8pPr>
+            <a:lvl9pPr marL="2377440" indent="-182880" algn="l" rtl="0" eaLnBrk="1" latinLnBrk="0" hangingPunct="1">
+              <a:spcBef>
+                <a:spcPct val="20000"/>
+              </a:spcBef>
+              <a:buClr>
+                <a:schemeClr val="accent2">
+                  <a:shade val="75000"/>
+                </a:schemeClr>
+              </a:buClr>
+              <a:buSzPct val="90000"/>
+              <a:buChar char="•"/>
+              <a:defRPr kumimoji="0" sz="1400" kern="1200" cap="all" baseline="0">
+                <a:solidFill>
+                  <a:schemeClr val="tx1"/>
+                </a:solidFill>
+                <a:latin typeface="+mn-lt"/>
+                <a:ea typeface="+mn-ea"/>
+                <a:cs typeface="+mn-cs"/>
+              </a:defRPr>
+            </a:lvl9pPr>
+          </a:lstStyle>
+          <a:p>
+            <a:r>
+              <a:rPr lang="en-GB" dirty="0"/>
+              <a:t>Disadvantages</a:t>
+            </a:r>
+          </a:p>
+        </p:txBody>
+      </p:sp>
+      <p:sp>
+        <p:nvSpPr>
+          <p:cNvPr id="12" name="Content Placeholder 4">
+            <a:extLst>
+              <a:ext uri="{FF2B5EF4-FFF2-40B4-BE49-F238E27FC236}">
+                <a16:creationId xmlns:a16="http://schemas.microsoft.com/office/drawing/2014/main" id="{779FC5E6-7605-4C7C-AC87-D0A0C45489C9}"/>
+              </a:ext>
+            </a:extLst>
+          </p:cNvPr>
+          <p:cNvSpPr txBox="1">
+            <a:spLocks/>
+          </p:cNvSpPr>
+          <p:nvPr/>
+        </p:nvSpPr>
+        <p:spPr>
+          <a:xfrm>
+            <a:off x="673004" y="4183088"/>
+            <a:ext cx="8012316" cy="2045696"/>
+          </a:xfrm>
+          <a:prstGeom prst="rect">
+            <a:avLst/>
+          </a:prstGeom>
+        </p:spPr>
+        <p:txBody>
+          <a:bodyPr vert="horz">
+            <a:normAutofit/>
+          </a:bodyPr>
+          <a:lstStyle>
+            <a:lvl1pPr marL="274320" indent="-274320" algn="l" rtl="0" eaLnBrk="1" latinLnBrk="0" hangingPunct="1">
+              <a:spcBef>
+                <a:spcPct val="20000"/>
+              </a:spcBef>
+              <a:buClr>
+                <a:schemeClr val="accent1"/>
+              </a:buClr>
+              <a:buSzPct val="85000"/>
+              <a:buFont typeface="Wingdings 2"/>
+              <a:buChar char=""/>
+              <a:defRPr kumimoji="0" sz="2700" kern="1200">
+                <a:solidFill>
+                  <a:schemeClr val="tx1"/>
+                </a:solidFill>
+                <a:latin typeface="+mn-lt"/>
+                <a:ea typeface="+mn-ea"/>
+                <a:cs typeface="+mn-cs"/>
+              </a:defRPr>
+            </a:lvl1pPr>
+            <a:lvl2pPr marL="548640" indent="-274320" algn="l" rtl="0" eaLnBrk="1" latinLnBrk="0" hangingPunct="1">
+              <a:spcBef>
+                <a:spcPct val="20000"/>
+              </a:spcBef>
+              <a:buClr>
+                <a:schemeClr val="accent2"/>
+              </a:buClr>
+              <a:buSzPct val="70000"/>
+              <a:buFont typeface="Wingdings"/>
+              <a:buChar char=""/>
+              <a:defRPr kumimoji="0" sz="2200" kern="1200">
+                <a:solidFill>
+                  <a:schemeClr val="tx2"/>
+                </a:solidFill>
+                <a:latin typeface="+mn-lt"/>
+                <a:ea typeface="+mn-ea"/>
+                <a:cs typeface="+mn-cs"/>
+              </a:defRPr>
+            </a:lvl2pPr>
+            <a:lvl3pPr marL="822960" indent="-228600" algn="l" rtl="0" eaLnBrk="1" latinLnBrk="0" hangingPunct="1">
+              <a:spcBef>
+                <a:spcPct val="20000"/>
+              </a:spcBef>
+              <a:buClr>
+                <a:schemeClr val="accent3"/>
+              </a:buClr>
+              <a:buSzPct val="75000"/>
+              <a:buFont typeface="Wingdings 2"/>
+              <a:buChar char=""/>
+              <a:defRPr kumimoji="0" sz="2000" kern="1200">
+                <a:solidFill>
+                  <a:schemeClr val="tx1"/>
+                </a:solidFill>
+                <a:latin typeface="+mn-lt"/>
+                <a:ea typeface="+mn-ea"/>
+                <a:cs typeface="+mn-cs"/>
+              </a:defRPr>
+            </a:lvl3pPr>
+            <a:lvl4pPr marL="1097280" indent="-228600" algn="l" rtl="0" eaLnBrk="1" latinLnBrk="0" hangingPunct="1">
+              <a:spcBef>
+                <a:spcPct val="20000"/>
+              </a:spcBef>
+              <a:buClr>
+                <a:schemeClr val="accent4"/>
+              </a:buClr>
+              <a:buSzPct val="70000"/>
+              <a:buFont typeface="Wingdings"/>
+              <a:buChar char=""/>
+              <a:defRPr kumimoji="0" sz="2000" kern="1200">
+                <a:solidFill>
+                  <a:schemeClr val="tx2"/>
+                </a:solidFill>
+                <a:latin typeface="+mn-lt"/>
+                <a:ea typeface="+mn-ea"/>
+                <a:cs typeface="+mn-cs"/>
+              </a:defRPr>
+            </a:lvl4pPr>
+            <a:lvl5pPr marL="1371600" indent="-228600" algn="l" rtl="0" eaLnBrk="1" latinLnBrk="0" hangingPunct="1">
+              <a:spcBef>
+                <a:spcPct val="20000"/>
+              </a:spcBef>
+              <a:buClr>
+                <a:schemeClr val="accent5"/>
+              </a:buClr>
+              <a:buFontTx/>
+              <a:buChar char="•"/>
+              <a:defRPr kumimoji="0" sz="1800" kern="1200">
+                <a:solidFill>
+                  <a:schemeClr val="tx1"/>
+                </a:solidFill>
+                <a:latin typeface="+mn-lt"/>
+                <a:ea typeface="+mn-ea"/>
+                <a:cs typeface="+mn-cs"/>
+              </a:defRPr>
+            </a:lvl5pPr>
+            <a:lvl6pPr marL="1645920" indent="-182880" algn="l" rtl="0" eaLnBrk="1" latinLnBrk="0" hangingPunct="1">
+              <a:spcBef>
+                <a:spcPct val="20000"/>
+              </a:spcBef>
+              <a:buClr>
+                <a:schemeClr val="accent6"/>
+              </a:buClr>
+              <a:buSzPct val="80000"/>
+              <a:buFont typeface="Wingdings 2"/>
+              <a:buChar char=""/>
+              <a:defRPr kumimoji="0" sz="1800" kern="1200">
+                <a:solidFill>
+                  <a:schemeClr val="tx1"/>
+                </a:solidFill>
+                <a:latin typeface="+mn-lt"/>
+                <a:ea typeface="+mn-ea"/>
+                <a:cs typeface="+mn-cs"/>
+              </a:defRPr>
+            </a:lvl6pPr>
+            <a:lvl7pPr marL="1920240" indent="-182880" algn="l" rtl="0" eaLnBrk="1" latinLnBrk="0" hangingPunct="1">
+              <a:spcBef>
+                <a:spcPct val="20000"/>
+              </a:spcBef>
+              <a:buClr>
+                <a:schemeClr val="accent1">
+                  <a:shade val="75000"/>
+                </a:schemeClr>
+              </a:buClr>
+              <a:buSzPct val="90000"/>
+              <a:buChar char="•"/>
+              <a:defRPr kumimoji="0" sz="1600" kern="1200" baseline="0">
+                <a:solidFill>
+                  <a:schemeClr val="tx1"/>
+                </a:solidFill>
+                <a:latin typeface="+mn-lt"/>
+                <a:ea typeface="+mn-ea"/>
+                <a:cs typeface="+mn-cs"/>
+              </a:defRPr>
+            </a:lvl7pPr>
+            <a:lvl8pPr marL="2103120" indent="-182880" algn="l" rtl="0" eaLnBrk="1" latinLnBrk="0" hangingPunct="1">
+              <a:spcBef>
+                <a:spcPct val="20000"/>
+              </a:spcBef>
+              <a:buClr>
+                <a:schemeClr val="accent4">
+                  <a:shade val="75000"/>
+                </a:schemeClr>
+              </a:buClr>
+              <a:buChar char="•"/>
+              <a:defRPr kumimoji="0" sz="1600" kern="1200">
+                <a:solidFill>
+                  <a:schemeClr val="tx1"/>
+                </a:solidFill>
+                <a:latin typeface="+mn-lt"/>
+                <a:ea typeface="+mn-ea"/>
+                <a:cs typeface="+mn-cs"/>
+              </a:defRPr>
+            </a:lvl8pPr>
+            <a:lvl9pPr marL="2377440" indent="-182880" algn="l" rtl="0" eaLnBrk="1" latinLnBrk="0" hangingPunct="1">
+              <a:spcBef>
+                <a:spcPct val="20000"/>
+              </a:spcBef>
+              <a:buClr>
+                <a:schemeClr val="accent2">
+                  <a:shade val="75000"/>
+                </a:schemeClr>
+              </a:buClr>
+              <a:buSzPct val="90000"/>
+              <a:buChar char="•"/>
+              <a:defRPr kumimoji="0" sz="1400" kern="1200" cap="all" baseline="0">
+                <a:solidFill>
+                  <a:schemeClr val="tx1"/>
+                </a:solidFill>
+                <a:latin typeface="+mn-lt"/>
+                <a:ea typeface="+mn-ea"/>
+                <a:cs typeface="+mn-cs"/>
+              </a:defRPr>
+            </a:lvl9pPr>
+          </a:lstStyle>
+          <a:p>
+            <a:pPr>
+              <a:buFontTx/>
+              <a:buChar char="-"/>
+            </a:pPr>
+            <a:r>
+              <a:rPr lang="en-GB" sz="2200" dirty="0"/>
+              <a:t>As the system grows, it becomes slower (Need to check if there is any subscriber waiting for that “published post”)</a:t>
+            </a:r>
+          </a:p>
+          <a:p>
+            <a:pPr>
+              <a:buFontTx/>
+              <a:buChar char="-"/>
+            </a:pPr>
+            <a:r>
+              <a:rPr lang="en-GB" sz="2200" dirty="0"/>
+              <a:t>Loose Coupling has a side effect, publishers can not know if the subscribers have received the notification, as there is a loose couple between Publishers-Subscribers</a:t>
+            </a:r>
+          </a:p>
+          <a:p>
+            <a:pPr>
+              <a:buFontTx/>
+              <a:buChar char="-"/>
+            </a:pPr>
+            <a:endParaRPr lang="en-GB" sz="2200" dirty="0"/>
           </a:p>
         </p:txBody>
       </p:sp>
     </p:spTree>
     <p:extLst>
       <p:ext uri="{BB962C8B-B14F-4D97-AF65-F5344CB8AC3E}">
-        <p14:creationId xmlns:p14="http://schemas.microsoft.com/office/powerpoint/2010/main" val="534476653"/>
+        <p14:creationId xmlns:p14="http://schemas.microsoft.com/office/powerpoint/2010/main" val="3570306486"/>
+      </p:ext>
+    </p:extLst>
+  </p:cSld>
+  <p:clrMapOvr>
+    <a:masterClrMapping/>
+  </p:clrMapOvr>
+  <p:transition advClick="0" advTm="20000"/>
+</p:sld>
+</file>
+
+<file path=ppt/slides/slide5.xml><?xml version="1.0" encoding="utf-8"?>
+<p:sld xmlns:a="http://schemas.openxmlformats.org/drawingml/2006/main" xmlns:r="http://schemas.openxmlformats.org/officeDocument/2006/relationships" xmlns:p="http://schemas.openxmlformats.org/presentationml/2006/main">
+  <p:cSld>
+    <p:spTree>
+      <p:nvGrpSpPr>
+        <p:cNvPr id="1" name=""/>
+        <p:cNvGrpSpPr/>
+        <p:nvPr/>
+      </p:nvGrpSpPr>
+      <p:grpSpPr>
+        <a:xfrm>
+          <a:off x="0" y="0"/>
+          <a:ext cx="0" cy="0"/>
+          <a:chOff x="0" y="0"/>
+          <a:chExt cx="0" cy="0"/>
+        </a:xfrm>
+      </p:grpSpPr>
+      <p:pic>
+        <p:nvPicPr>
+          <p:cNvPr id="14" name="Picture 13">
+            <a:extLst>
+              <a:ext uri="{FF2B5EF4-FFF2-40B4-BE49-F238E27FC236}">
+                <a16:creationId xmlns:a16="http://schemas.microsoft.com/office/drawing/2014/main" id="{05D97FB0-4CC3-488A-8B4A-C3EE654B8CCD}"/>
+              </a:ext>
+            </a:extLst>
+          </p:cNvPr>
+          <p:cNvPicPr>
+            <a:picLocks noChangeAspect="1"/>
+          </p:cNvPicPr>
+          <p:nvPr/>
+        </p:nvPicPr>
+        <p:blipFill>
+          <a:blip r:embed="rId3"/>
+          <a:stretch>
+            <a:fillRect/>
+          </a:stretch>
+        </p:blipFill>
+        <p:spPr>
+          <a:xfrm>
+            <a:off x="4443698" y="2625504"/>
+            <a:ext cx="4536954" cy="2304905"/>
+          </a:xfrm>
+          <a:prstGeom prst="rect">
+            <a:avLst/>
+          </a:prstGeom>
+        </p:spPr>
+      </p:pic>
+      <p:sp>
+        <p:nvSpPr>
+          <p:cNvPr id="6148" name="Rectangle 4"/>
+          <p:cNvSpPr>
+            <a:spLocks noGrp="1" noChangeArrowheads="1"/>
+          </p:cNvSpPr>
+          <p:nvPr>
+            <p:ph type="title"/>
+          </p:nvPr>
+        </p:nvSpPr>
+        <p:spPr/>
+        <p:txBody>
+          <a:bodyPr/>
+          <a:lstStyle/>
+          <a:p>
+            <a:r>
+              <a:rPr lang="en-US" noProof="0" dirty="0"/>
+              <a:t>Models</a:t>
+            </a:r>
+          </a:p>
+        </p:txBody>
+      </p:sp>
+      <p:sp>
+        <p:nvSpPr>
+          <p:cNvPr id="4" name="Marcador de pie de página 3">
+            <a:extLst>
+              <a:ext uri="{FF2B5EF4-FFF2-40B4-BE49-F238E27FC236}">
+                <a16:creationId xmlns:a16="http://schemas.microsoft.com/office/drawing/2014/main" id="{AA6FBEFF-CEF2-904C-B8B7-ED1223BA9721}"/>
+              </a:ext>
+            </a:extLst>
+          </p:cNvPr>
+          <p:cNvSpPr>
+            <a:spLocks noGrp="1"/>
+          </p:cNvSpPr>
+          <p:nvPr>
+            <p:ph type="ftr" sz="quarter" idx="11"/>
+          </p:nvPr>
+        </p:nvSpPr>
+        <p:spPr/>
+        <p:txBody>
+          <a:bodyPr/>
+          <a:lstStyle/>
+          <a:p>
+            <a:r>
+              <a:rPr lang="en" dirty="0"/>
+              <a:t>Introduction to Software Engineering - Final Presentations</a:t>
+            </a:r>
+            <a:endParaRPr lang="en-US" dirty="0"/>
+          </a:p>
+        </p:txBody>
+      </p:sp>
+      <p:sp>
+        <p:nvSpPr>
+          <p:cNvPr id="5" name="Content Placeholder 4">
+            <a:extLst>
+              <a:ext uri="{FF2B5EF4-FFF2-40B4-BE49-F238E27FC236}">
+                <a16:creationId xmlns:a16="http://schemas.microsoft.com/office/drawing/2014/main" id="{6AEB5F7E-82F0-42CB-AE55-EB8D47B571E3}"/>
+              </a:ext>
+            </a:extLst>
+          </p:cNvPr>
+          <p:cNvSpPr>
+            <a:spLocks noGrp="1"/>
+          </p:cNvSpPr>
+          <p:nvPr>
+            <p:ph sz="quarter" idx="1"/>
+          </p:nvPr>
+        </p:nvSpPr>
+        <p:spPr>
+          <a:xfrm>
+            <a:off x="301752" y="1527048"/>
+            <a:ext cx="8380521" cy="691051"/>
+          </a:xfrm>
+        </p:spPr>
+        <p:txBody>
+          <a:bodyPr/>
+          <a:lstStyle/>
+          <a:p>
+            <a:r>
+              <a:rPr lang="en-GB" dirty="0"/>
+              <a:t>UML Use-Case (Road Map)</a:t>
+            </a:r>
+          </a:p>
+        </p:txBody>
+      </p:sp>
+      <p:pic>
+        <p:nvPicPr>
+          <p:cNvPr id="10" name="Picture 9">
+            <a:extLst>
+              <a:ext uri="{FF2B5EF4-FFF2-40B4-BE49-F238E27FC236}">
+                <a16:creationId xmlns:a16="http://schemas.microsoft.com/office/drawing/2014/main" id="{BB1DF010-05CF-4AE8-BCD9-EA5C786AF566}"/>
+              </a:ext>
+            </a:extLst>
+          </p:cNvPr>
+          <p:cNvPicPr>
+            <a:picLocks noChangeAspect="1"/>
+          </p:cNvPicPr>
+          <p:nvPr/>
+        </p:nvPicPr>
+        <p:blipFill>
+          <a:blip r:embed="rId4"/>
+          <a:stretch>
+            <a:fillRect/>
+          </a:stretch>
+        </p:blipFill>
+        <p:spPr>
+          <a:xfrm>
+            <a:off x="230884" y="2218099"/>
+            <a:ext cx="4338068" cy="3716325"/>
+          </a:xfrm>
+          <a:prstGeom prst="rect">
+            <a:avLst/>
+          </a:prstGeom>
+        </p:spPr>
+      </p:pic>
+    </p:spTree>
+    <p:extLst>
+      <p:ext uri="{BB962C8B-B14F-4D97-AF65-F5344CB8AC3E}">
+        <p14:creationId xmlns:p14="http://schemas.microsoft.com/office/powerpoint/2010/main" val="2925946471"/>
+      </p:ext>
+    </p:extLst>
+  </p:cSld>
+  <p:clrMapOvr>
+    <a:masterClrMapping/>
+  </p:clrMapOvr>
+  <p:transition advClick="0" advTm="20000"/>
+</p:sld>
+</file>
+
+<file path=ppt/slides/slide6.xml><?xml version="1.0" encoding="utf-8"?>
+<p:sld xmlns:a="http://schemas.openxmlformats.org/drawingml/2006/main" xmlns:r="http://schemas.openxmlformats.org/officeDocument/2006/relationships" xmlns:p="http://schemas.openxmlformats.org/presentationml/2006/main">
+  <p:cSld>
+    <p:spTree>
+      <p:nvGrpSpPr>
+        <p:cNvPr id="1" name=""/>
+        <p:cNvGrpSpPr/>
+        <p:nvPr/>
+      </p:nvGrpSpPr>
+      <p:grpSpPr>
+        <a:xfrm>
+          <a:off x="0" y="0"/>
+          <a:ext cx="0" cy="0"/>
+          <a:chOff x="0" y="0"/>
+          <a:chExt cx="0" cy="0"/>
+        </a:xfrm>
+      </p:grpSpPr>
+      <p:pic>
+        <p:nvPicPr>
+          <p:cNvPr id="3" name="Picture 2">
+            <a:extLst>
+              <a:ext uri="{FF2B5EF4-FFF2-40B4-BE49-F238E27FC236}">
+                <a16:creationId xmlns:a16="http://schemas.microsoft.com/office/drawing/2014/main" id="{3BF05BF9-6C71-4CC7-BA0B-1BE23272949E}"/>
+              </a:ext>
+            </a:extLst>
+          </p:cNvPr>
+          <p:cNvPicPr>
+            <a:picLocks noChangeAspect="1"/>
+          </p:cNvPicPr>
+          <p:nvPr/>
+        </p:nvPicPr>
+        <p:blipFill rotWithShape="1">
+          <a:blip r:embed="rId3" cstate="email">
+            <a:extLst>
+              <a:ext uri="{28A0092B-C50C-407E-A947-70E740481C1C}">
+                <a14:useLocalDpi xmlns:a14="http://schemas.microsoft.com/office/drawing/2010/main" val="0"/>
+              </a:ext>
+            </a:extLst>
+          </a:blip>
+          <a:srcRect l="16692" t="5127" r="7769" b="7201"/>
+          <a:stretch/>
+        </p:blipFill>
+        <p:spPr>
+          <a:xfrm>
+            <a:off x="1991763" y="1783532"/>
+            <a:ext cx="5486400" cy="4609725"/>
+          </a:xfrm>
+          <a:prstGeom prst="rect">
+            <a:avLst/>
+          </a:prstGeom>
+        </p:spPr>
+      </p:pic>
+      <p:sp>
+        <p:nvSpPr>
+          <p:cNvPr id="6148" name="Rectangle 4"/>
+          <p:cNvSpPr>
+            <a:spLocks noGrp="1" noChangeArrowheads="1"/>
+          </p:cNvSpPr>
+          <p:nvPr>
+            <p:ph type="title"/>
+          </p:nvPr>
+        </p:nvSpPr>
+        <p:spPr/>
+        <p:txBody>
+          <a:bodyPr/>
+          <a:lstStyle/>
+          <a:p>
+            <a:r>
+              <a:rPr lang="en-US" noProof="0" dirty="0"/>
+              <a:t>Models</a:t>
+            </a:r>
+          </a:p>
+        </p:txBody>
+      </p:sp>
+      <p:sp>
+        <p:nvSpPr>
+          <p:cNvPr id="4" name="Marcador de pie de página 3">
+            <a:extLst>
+              <a:ext uri="{FF2B5EF4-FFF2-40B4-BE49-F238E27FC236}">
+                <a16:creationId xmlns:a16="http://schemas.microsoft.com/office/drawing/2014/main" id="{AA6FBEFF-CEF2-904C-B8B7-ED1223BA9721}"/>
+              </a:ext>
+            </a:extLst>
+          </p:cNvPr>
+          <p:cNvSpPr>
+            <a:spLocks noGrp="1"/>
+          </p:cNvSpPr>
+          <p:nvPr>
+            <p:ph type="ftr" sz="quarter" idx="11"/>
+          </p:nvPr>
+        </p:nvSpPr>
+        <p:spPr/>
+        <p:txBody>
+          <a:bodyPr/>
+          <a:lstStyle/>
+          <a:p>
+            <a:r>
+              <a:rPr lang="en" dirty="0"/>
+              <a:t>Introduction to Software Engineering - Final Presentations</a:t>
+            </a:r>
+            <a:endParaRPr lang="en-US" dirty="0"/>
+          </a:p>
+        </p:txBody>
+      </p:sp>
+      <p:sp>
+        <p:nvSpPr>
+          <p:cNvPr id="5" name="Content Placeholder 4">
+            <a:extLst>
+              <a:ext uri="{FF2B5EF4-FFF2-40B4-BE49-F238E27FC236}">
+                <a16:creationId xmlns:a16="http://schemas.microsoft.com/office/drawing/2014/main" id="{6AEB5F7E-82F0-42CB-AE55-EB8D47B571E3}"/>
+              </a:ext>
+            </a:extLst>
+          </p:cNvPr>
+          <p:cNvSpPr>
+            <a:spLocks noGrp="1"/>
+          </p:cNvSpPr>
+          <p:nvPr>
+            <p:ph sz="quarter" idx="1"/>
+          </p:nvPr>
+        </p:nvSpPr>
+        <p:spPr>
+          <a:xfrm>
+            <a:off x="301752" y="1527048"/>
+            <a:ext cx="8380521" cy="691051"/>
+          </a:xfrm>
+        </p:spPr>
+        <p:txBody>
+          <a:bodyPr/>
+          <a:lstStyle/>
+          <a:p>
+            <a:r>
+              <a:rPr lang="en-GB" dirty="0"/>
+              <a:t>UML Use-Case (Simplified)</a:t>
+            </a:r>
+          </a:p>
+        </p:txBody>
+      </p:sp>
+    </p:spTree>
+    <p:extLst>
+      <p:ext uri="{BB962C8B-B14F-4D97-AF65-F5344CB8AC3E}">
+        <p14:creationId xmlns:p14="http://schemas.microsoft.com/office/powerpoint/2010/main" val="3183514888"/>
+      </p:ext>
+    </p:extLst>
+  </p:cSld>
+  <p:clrMapOvr>
+    <a:masterClrMapping/>
+  </p:clrMapOvr>
+  <p:transition advClick="0" advTm="20000"/>
+</p:sld>
+</file>
+
+<file path=ppt/slides/slide7.xml><?xml version="1.0" encoding="utf-8"?>
+<p:sld xmlns:a="http://schemas.openxmlformats.org/drawingml/2006/main" xmlns:r="http://schemas.openxmlformats.org/officeDocument/2006/relationships" xmlns:p="http://schemas.openxmlformats.org/presentationml/2006/main">
+  <p:cSld>
+    <p:spTree>
+      <p:nvGrpSpPr>
+        <p:cNvPr id="1" name=""/>
+        <p:cNvGrpSpPr/>
+        <p:nvPr/>
+      </p:nvGrpSpPr>
+      <p:grpSpPr>
+        <a:xfrm>
+          <a:off x="0" y="0"/>
+          <a:ext cx="0" cy="0"/>
+          <a:chOff x="0" y="0"/>
+          <a:chExt cx="0" cy="0"/>
+        </a:xfrm>
+      </p:grpSpPr>
+      <p:pic>
+        <p:nvPicPr>
+          <p:cNvPr id="3" name="Picture 2">
+            <a:extLst>
+              <a:ext uri="{FF2B5EF4-FFF2-40B4-BE49-F238E27FC236}">
+                <a16:creationId xmlns:a16="http://schemas.microsoft.com/office/drawing/2014/main" id="{095040DF-414A-4C55-896E-D16383ACFFA7}"/>
+              </a:ext>
+            </a:extLst>
+          </p:cNvPr>
+          <p:cNvPicPr>
+            <a:picLocks noChangeAspect="1"/>
+          </p:cNvPicPr>
+          <p:nvPr/>
+        </p:nvPicPr>
+        <p:blipFill>
+          <a:blip r:embed="rId3" cstate="email">
+            <a:extLst>
+              <a:ext uri="{28A0092B-C50C-407E-A947-70E740481C1C}">
+                <a14:useLocalDpi xmlns:a14="http://schemas.microsoft.com/office/drawing/2010/main" val="0"/>
+              </a:ext>
+            </a:extLst>
+          </a:blip>
+          <a:stretch>
+            <a:fillRect/>
+          </a:stretch>
+        </p:blipFill>
+        <p:spPr>
+          <a:xfrm>
+            <a:off x="541175" y="2000816"/>
+            <a:ext cx="8061650" cy="4410032"/>
+          </a:xfrm>
+          <a:prstGeom prst="rect">
+            <a:avLst/>
+          </a:prstGeom>
+        </p:spPr>
+      </p:pic>
+      <p:sp>
+        <p:nvSpPr>
+          <p:cNvPr id="6148" name="Rectangle 4"/>
+          <p:cNvSpPr>
+            <a:spLocks noGrp="1" noChangeArrowheads="1"/>
+          </p:cNvSpPr>
+          <p:nvPr>
+            <p:ph type="title"/>
+          </p:nvPr>
+        </p:nvSpPr>
+        <p:spPr/>
+        <p:txBody>
+          <a:bodyPr/>
+          <a:lstStyle/>
+          <a:p>
+            <a:r>
+              <a:rPr lang="en-US" noProof="0" dirty="0"/>
+              <a:t>Models</a:t>
+            </a:r>
+          </a:p>
+        </p:txBody>
+      </p:sp>
+      <p:sp>
+        <p:nvSpPr>
+          <p:cNvPr id="4" name="Marcador de pie de página 3">
+            <a:extLst>
+              <a:ext uri="{FF2B5EF4-FFF2-40B4-BE49-F238E27FC236}">
+                <a16:creationId xmlns:a16="http://schemas.microsoft.com/office/drawing/2014/main" id="{AA6FBEFF-CEF2-904C-B8B7-ED1223BA9721}"/>
+              </a:ext>
+            </a:extLst>
+          </p:cNvPr>
+          <p:cNvSpPr>
+            <a:spLocks noGrp="1"/>
+          </p:cNvSpPr>
+          <p:nvPr>
+            <p:ph type="ftr" sz="quarter" idx="11"/>
+          </p:nvPr>
+        </p:nvSpPr>
+        <p:spPr/>
+        <p:txBody>
+          <a:bodyPr/>
+          <a:lstStyle/>
+          <a:p>
+            <a:r>
+              <a:rPr lang="en" dirty="0"/>
+              <a:t>Introduction to Software Engineering - Final Presentations</a:t>
+            </a:r>
+            <a:endParaRPr lang="en-US" dirty="0"/>
+          </a:p>
+        </p:txBody>
+      </p:sp>
+      <p:sp>
+        <p:nvSpPr>
+          <p:cNvPr id="5" name="Content Placeholder 4">
+            <a:extLst>
+              <a:ext uri="{FF2B5EF4-FFF2-40B4-BE49-F238E27FC236}">
+                <a16:creationId xmlns:a16="http://schemas.microsoft.com/office/drawing/2014/main" id="{6AEB5F7E-82F0-42CB-AE55-EB8D47B571E3}"/>
+              </a:ext>
+            </a:extLst>
+          </p:cNvPr>
+          <p:cNvSpPr>
+            <a:spLocks noGrp="1"/>
+          </p:cNvSpPr>
+          <p:nvPr>
+            <p:ph sz="quarter" idx="1"/>
+          </p:nvPr>
+        </p:nvSpPr>
+        <p:spPr>
+          <a:xfrm>
+            <a:off x="301752" y="1527048"/>
+            <a:ext cx="8380521" cy="691051"/>
+          </a:xfrm>
+        </p:spPr>
+        <p:txBody>
+          <a:bodyPr/>
+          <a:lstStyle/>
+          <a:p>
+            <a:r>
+              <a:rPr lang="en-GB" dirty="0"/>
+              <a:t>UML Class Model</a:t>
+            </a:r>
+          </a:p>
+        </p:txBody>
+      </p:sp>
+    </p:spTree>
+    <p:extLst>
+      <p:ext uri="{BB962C8B-B14F-4D97-AF65-F5344CB8AC3E}">
+        <p14:creationId xmlns:p14="http://schemas.microsoft.com/office/powerpoint/2010/main" val="3464699630"/>
+      </p:ext>
+    </p:extLst>
+  </p:cSld>
+  <p:clrMapOvr>
+    <a:masterClrMapping/>
+  </p:clrMapOvr>
+  <p:transition advClick="0" advTm="20000"/>
+</p:sld>
+</file>
+
+<file path=ppt/slides/slide8.xml><?xml version="1.0" encoding="utf-8"?>
+<p:sld xmlns:a="http://schemas.openxmlformats.org/drawingml/2006/main" xmlns:r="http://schemas.openxmlformats.org/officeDocument/2006/relationships" xmlns:p="http://schemas.openxmlformats.org/presentationml/2006/main">
+  <p:cSld>
+    <p:spTree>
+      <p:nvGrpSpPr>
+        <p:cNvPr id="1" name=""/>
+        <p:cNvGrpSpPr/>
+        <p:nvPr/>
+      </p:nvGrpSpPr>
+      <p:grpSpPr>
+        <a:xfrm>
+          <a:off x="0" y="0"/>
+          <a:ext cx="0" cy="0"/>
+          <a:chOff x="0" y="0"/>
+          <a:chExt cx="0" cy="0"/>
+        </a:xfrm>
+      </p:grpSpPr>
+      <p:sp>
+        <p:nvSpPr>
+          <p:cNvPr id="6148" name="Rectangle 4"/>
+          <p:cNvSpPr>
+            <a:spLocks noGrp="1" noChangeArrowheads="1"/>
+          </p:cNvSpPr>
+          <p:nvPr>
+            <p:ph type="title"/>
+          </p:nvPr>
+        </p:nvSpPr>
+        <p:spPr/>
+        <p:txBody>
+          <a:bodyPr/>
+          <a:lstStyle/>
+          <a:p>
+            <a:r>
+              <a:rPr lang="en-US" noProof="0" dirty="0"/>
+              <a:t>Models</a:t>
+            </a:r>
+          </a:p>
+        </p:txBody>
+      </p:sp>
+      <p:sp>
+        <p:nvSpPr>
+          <p:cNvPr id="4" name="Marcador de pie de página 3">
+            <a:extLst>
+              <a:ext uri="{FF2B5EF4-FFF2-40B4-BE49-F238E27FC236}">
+                <a16:creationId xmlns:a16="http://schemas.microsoft.com/office/drawing/2014/main" id="{AA6FBEFF-CEF2-904C-B8B7-ED1223BA9721}"/>
+              </a:ext>
+            </a:extLst>
+          </p:cNvPr>
+          <p:cNvSpPr>
+            <a:spLocks noGrp="1"/>
+          </p:cNvSpPr>
+          <p:nvPr>
+            <p:ph type="ftr" sz="quarter" idx="11"/>
+          </p:nvPr>
+        </p:nvSpPr>
+        <p:spPr/>
+        <p:txBody>
+          <a:bodyPr/>
+          <a:lstStyle/>
+          <a:p>
+            <a:r>
+              <a:rPr lang="en" dirty="0"/>
+              <a:t>Introduction to Software Engineering - Final Presentations</a:t>
+            </a:r>
+            <a:endParaRPr lang="en-US" dirty="0"/>
+          </a:p>
+        </p:txBody>
+      </p:sp>
+      <p:sp>
+        <p:nvSpPr>
+          <p:cNvPr id="5" name="Content Placeholder 4">
+            <a:extLst>
+              <a:ext uri="{FF2B5EF4-FFF2-40B4-BE49-F238E27FC236}">
+                <a16:creationId xmlns:a16="http://schemas.microsoft.com/office/drawing/2014/main" id="{6AEB5F7E-82F0-42CB-AE55-EB8D47B571E3}"/>
+              </a:ext>
+            </a:extLst>
+          </p:cNvPr>
+          <p:cNvSpPr>
+            <a:spLocks noGrp="1"/>
+          </p:cNvSpPr>
+          <p:nvPr>
+            <p:ph sz="quarter" idx="1"/>
+          </p:nvPr>
+        </p:nvSpPr>
+        <p:spPr>
+          <a:xfrm>
+            <a:off x="301752" y="1527048"/>
+            <a:ext cx="8380521" cy="691051"/>
+          </a:xfrm>
+        </p:spPr>
+        <p:txBody>
+          <a:bodyPr/>
+          <a:lstStyle/>
+          <a:p>
+            <a:r>
+              <a:rPr lang="en-GB" dirty="0"/>
+              <a:t>UI Mobile-Design</a:t>
+            </a:r>
+          </a:p>
+        </p:txBody>
+      </p:sp>
+      <p:pic>
+        <p:nvPicPr>
+          <p:cNvPr id="3" name="Picture 2">
+            <a:extLst>
+              <a:ext uri="{FF2B5EF4-FFF2-40B4-BE49-F238E27FC236}">
+                <a16:creationId xmlns:a16="http://schemas.microsoft.com/office/drawing/2014/main" id="{EE877868-9736-407A-B682-B201FF03BAD4}"/>
+              </a:ext>
+            </a:extLst>
+          </p:cNvPr>
+          <p:cNvPicPr>
+            <a:picLocks noChangeAspect="1"/>
+          </p:cNvPicPr>
+          <p:nvPr/>
+        </p:nvPicPr>
+        <p:blipFill>
+          <a:blip r:embed="rId3" cstate="email">
+            <a:extLst>
+              <a:ext uri="{28A0092B-C50C-407E-A947-70E740481C1C}">
+                <a14:useLocalDpi xmlns:a14="http://schemas.microsoft.com/office/drawing/2010/main" val="0"/>
+              </a:ext>
+            </a:extLst>
+          </a:blip>
+          <a:stretch>
+            <a:fillRect/>
+          </a:stretch>
+        </p:blipFill>
+        <p:spPr>
+          <a:xfrm>
+            <a:off x="652364" y="2218099"/>
+            <a:ext cx="2221828" cy="3951838"/>
+          </a:xfrm>
+          <a:prstGeom prst="rect">
+            <a:avLst/>
+          </a:prstGeom>
+        </p:spPr>
+      </p:pic>
+    </p:spTree>
+    <p:extLst>
+      <p:ext uri="{BB962C8B-B14F-4D97-AF65-F5344CB8AC3E}">
+        <p14:creationId xmlns:p14="http://schemas.microsoft.com/office/powerpoint/2010/main" val="2649908696"/>
+      </p:ext>
+    </p:extLst>
+  </p:cSld>
+  <p:clrMapOvr>
+    <a:masterClrMapping/>
+  </p:clrMapOvr>
+  <p:transition advClick="0" advTm="20000"/>
+</p:sld>
+</file>
+
+<file path=ppt/slides/slide9.xml><?xml version="1.0" encoding="utf-8"?>
+<p:sld xmlns:a="http://schemas.openxmlformats.org/drawingml/2006/main" xmlns:r="http://schemas.openxmlformats.org/officeDocument/2006/relationships" xmlns:p="http://schemas.openxmlformats.org/presentationml/2006/main">
+  <p:cSld>
+    <p:spTree>
+      <p:nvGrpSpPr>
+        <p:cNvPr id="1" name=""/>
+        <p:cNvGrpSpPr/>
+        <p:nvPr/>
+      </p:nvGrpSpPr>
+      <p:grpSpPr>
+        <a:xfrm>
+          <a:off x="0" y="0"/>
+          <a:ext cx="0" cy="0"/>
+          <a:chOff x="0" y="0"/>
+          <a:chExt cx="0" cy="0"/>
+        </a:xfrm>
+      </p:grpSpPr>
+      <p:sp>
+        <p:nvSpPr>
+          <p:cNvPr id="6148" name="Rectangle 4"/>
+          <p:cNvSpPr>
+            <a:spLocks noGrp="1" noChangeArrowheads="1"/>
+          </p:cNvSpPr>
+          <p:nvPr>
+            <p:ph type="title"/>
+          </p:nvPr>
+        </p:nvSpPr>
+        <p:spPr/>
+        <p:txBody>
+          <a:bodyPr/>
+          <a:lstStyle/>
+          <a:p>
+            <a:r>
+              <a:rPr lang="en-US" noProof="0" dirty="0"/>
+              <a:t>Models</a:t>
+            </a:r>
+          </a:p>
+        </p:txBody>
+      </p:sp>
+      <p:sp>
+        <p:nvSpPr>
+          <p:cNvPr id="4" name="Marcador de pie de página 3">
+            <a:extLst>
+              <a:ext uri="{FF2B5EF4-FFF2-40B4-BE49-F238E27FC236}">
+                <a16:creationId xmlns:a16="http://schemas.microsoft.com/office/drawing/2014/main" id="{AA6FBEFF-CEF2-904C-B8B7-ED1223BA9721}"/>
+              </a:ext>
+            </a:extLst>
+          </p:cNvPr>
+          <p:cNvSpPr>
+            <a:spLocks noGrp="1"/>
+          </p:cNvSpPr>
+          <p:nvPr>
+            <p:ph type="ftr" sz="quarter" idx="11"/>
+          </p:nvPr>
+        </p:nvSpPr>
+        <p:spPr/>
+        <p:txBody>
+          <a:bodyPr/>
+          <a:lstStyle/>
+          <a:p>
+            <a:r>
+              <a:rPr lang="en" dirty="0"/>
+              <a:t>Introduction to Software Engineering - Final Presentations</a:t>
+            </a:r>
+            <a:endParaRPr lang="en-US" dirty="0"/>
+          </a:p>
+        </p:txBody>
+      </p:sp>
+      <p:sp>
+        <p:nvSpPr>
+          <p:cNvPr id="5" name="Content Placeholder 4">
+            <a:extLst>
+              <a:ext uri="{FF2B5EF4-FFF2-40B4-BE49-F238E27FC236}">
+                <a16:creationId xmlns:a16="http://schemas.microsoft.com/office/drawing/2014/main" id="{6AEB5F7E-82F0-42CB-AE55-EB8D47B571E3}"/>
+              </a:ext>
+            </a:extLst>
+          </p:cNvPr>
+          <p:cNvSpPr>
+            <a:spLocks noGrp="1"/>
+          </p:cNvSpPr>
+          <p:nvPr>
+            <p:ph sz="quarter" idx="1"/>
+          </p:nvPr>
+        </p:nvSpPr>
+        <p:spPr>
+          <a:xfrm>
+            <a:off x="301752" y="1527048"/>
+            <a:ext cx="8380521" cy="691051"/>
+          </a:xfrm>
+        </p:spPr>
+        <p:txBody>
+          <a:bodyPr/>
+          <a:lstStyle/>
+          <a:p>
+            <a:r>
+              <a:rPr lang="en-GB" dirty="0"/>
+              <a:t>UI Web-Design</a:t>
+            </a:r>
+          </a:p>
+        </p:txBody>
+      </p:sp>
+    </p:spTree>
+    <p:extLst>
+      <p:ext uri="{BB962C8B-B14F-4D97-AF65-F5344CB8AC3E}">
+        <p14:creationId xmlns:p14="http://schemas.microsoft.com/office/powerpoint/2010/main" val="3589333119"/>
       </p:ext>
     </p:extLst>
   </p:cSld>

--- a/Presentation/AdrianSlides_WORKINPROGRESS.pptx
+++ b/Presentation/AdrianSlides_WORKINPROGRESS.pptx
@@ -5,23 +5,17 @@
     <p:sldMasterId id="2147483648" r:id="rId1"/>
   </p:sldMasterIdLst>
   <p:notesMasterIdLst>
-    <p:notesMasterId r:id="rId13"/>
+    <p:notesMasterId r:id="rId7"/>
   </p:notesMasterIdLst>
   <p:handoutMasterIdLst>
-    <p:handoutMasterId r:id="rId14"/>
+    <p:handoutMasterId r:id="rId8"/>
   </p:handoutMasterIdLst>
   <p:sldIdLst>
-    <p:sldId id="262" r:id="rId2"/>
-    <p:sldId id="264" r:id="rId3"/>
-    <p:sldId id="258" r:id="rId4"/>
-    <p:sldId id="265" r:id="rId5"/>
-    <p:sldId id="267" r:id="rId6"/>
-    <p:sldId id="271" r:id="rId7"/>
-    <p:sldId id="270" r:id="rId8"/>
-    <p:sldId id="272" r:id="rId9"/>
-    <p:sldId id="273" r:id="rId10"/>
-    <p:sldId id="268" r:id="rId11"/>
-    <p:sldId id="269" r:id="rId12"/>
+    <p:sldId id="264" r:id="rId2"/>
+    <p:sldId id="267" r:id="rId3"/>
+    <p:sldId id="270" r:id="rId4"/>
+    <p:sldId id="272" r:id="rId5"/>
+    <p:sldId id="269" r:id="rId6"/>
   </p:sldIdLst>
   <p:sldSz cx="9144000" cy="6858000" type="screen4x3"/>
   <p:notesSz cx="6858000" cy="9144000"/>
@@ -222,7 +216,7 @@
             <a:fld id="{0252902A-18E7-6440-A09B-741E2A2B6D42}" type="datetimeFigureOut">
               <a:rPr lang="es-ES" smtClean="0"/>
               <a:pPr/>
-              <a:t>02/06/2019</a:t>
+              <a:t>03/06/2019</a:t>
             </a:fld>
             <a:endParaRPr lang="es-ES"/>
           </a:p>
@@ -390,7 +384,7 @@
             <a:fld id="{4FA7064A-13DB-A34E-B31E-2D0AF10C5A7A}" type="datetimeFigureOut">
               <a:rPr lang="es-ES" smtClean="0"/>
               <a:pPr/>
-              <a:t>02/06/2019</a:t>
+              <a:t>03/06/2019</a:t>
             </a:fld>
             <a:endParaRPr lang="es-ES"/>
           </a:p>
@@ -741,189 +735,7 @@
     </p:spTree>
     <p:extLst>
       <p:ext uri="{BB962C8B-B14F-4D97-AF65-F5344CB8AC3E}">
-        <p14:creationId xmlns:p14="http://schemas.microsoft.com/office/powerpoint/2010/main" val="2684713615"/>
-      </p:ext>
-    </p:extLst>
-  </p:cSld>
-  <p:clrMapOvr>
-    <a:masterClrMapping/>
-  </p:clrMapOvr>
-</p:notes>
-</file>
-
-<file path=ppt/notesSlides/notesSlide10.xml><?xml version="1.0" encoding="utf-8"?>
-<p:notes xmlns:a="http://schemas.openxmlformats.org/drawingml/2006/main" xmlns:r="http://schemas.openxmlformats.org/officeDocument/2006/relationships" xmlns:p="http://schemas.openxmlformats.org/presentationml/2006/main">
-  <p:cSld>
-    <p:spTree>
-      <p:nvGrpSpPr>
-        <p:cNvPr id="1" name=""/>
-        <p:cNvGrpSpPr/>
-        <p:nvPr/>
-      </p:nvGrpSpPr>
-      <p:grpSpPr>
-        <a:xfrm>
-          <a:off x="0" y="0"/>
-          <a:ext cx="0" cy="0"/>
-          <a:chOff x="0" y="0"/>
-          <a:chExt cx="0" cy="0"/>
-        </a:xfrm>
-      </p:grpSpPr>
-      <p:sp>
-        <p:nvSpPr>
-          <p:cNvPr id="7" name="Rectangle 5"/>
-          <p:cNvSpPr>
-            <a:spLocks noGrp="1" noChangeArrowheads="1"/>
-          </p:cNvSpPr>
-          <p:nvPr>
-            <p:ph type="sldNum" sz="quarter" idx="5"/>
-          </p:nvPr>
-        </p:nvSpPr>
-        <p:spPr>
-          <a:ln/>
-        </p:spPr>
-        <p:txBody>
-          <a:bodyPr/>
-          <a:lstStyle/>
-          <a:p>
-            <a:fld id="{C30C6821-A329-462D-8729-A495B1ADAF6C}" type="slidenum">
-              <a:rPr lang="es-ES_tradnl"/>
-              <a:pPr/>
-              <a:t>10</a:t>
-            </a:fld>
-            <a:endParaRPr lang="es-ES_tradnl"/>
-          </a:p>
-        </p:txBody>
-      </p:sp>
-      <p:sp>
-        <p:nvSpPr>
-          <p:cNvPr id="7170" name="Rectangle 2"/>
-          <p:cNvSpPr>
-            <a:spLocks noGrp="1" noRot="1" noChangeAspect="1" noChangeArrowheads="1" noTextEdit="1"/>
-          </p:cNvSpPr>
-          <p:nvPr>
-            <p:ph type="sldImg"/>
-          </p:nvPr>
-        </p:nvSpPr>
-        <p:spPr>
-          <a:ln cap="flat"/>
-        </p:spPr>
-      </p:sp>
-      <p:sp>
-        <p:nvSpPr>
-          <p:cNvPr id="7171" name="Rectangle 3"/>
-          <p:cNvSpPr>
-            <a:spLocks noGrp="1" noChangeArrowheads="1"/>
-          </p:cNvSpPr>
-          <p:nvPr>
-            <p:ph type="body" idx="1"/>
-          </p:nvPr>
-        </p:nvSpPr>
-        <p:spPr>
-          <a:ln/>
-        </p:spPr>
-        <p:txBody>
-          <a:bodyPr/>
-          <a:lstStyle/>
-          <a:p>
-            <a:endParaRPr lang="es-ES"/>
-          </a:p>
-        </p:txBody>
-      </p:sp>
-    </p:spTree>
-    <p:extLst>
-      <p:ext uri="{BB962C8B-B14F-4D97-AF65-F5344CB8AC3E}">
-        <p14:creationId xmlns:p14="http://schemas.microsoft.com/office/powerpoint/2010/main" val="3073545696"/>
-      </p:ext>
-    </p:extLst>
-  </p:cSld>
-  <p:clrMapOvr>
-    <a:masterClrMapping/>
-  </p:clrMapOvr>
-</p:notes>
-</file>
-
-<file path=ppt/notesSlides/notesSlide11.xml><?xml version="1.0" encoding="utf-8"?>
-<p:notes xmlns:a="http://schemas.openxmlformats.org/drawingml/2006/main" xmlns:r="http://schemas.openxmlformats.org/officeDocument/2006/relationships" xmlns:p="http://schemas.openxmlformats.org/presentationml/2006/main">
-  <p:cSld>
-    <p:spTree>
-      <p:nvGrpSpPr>
-        <p:cNvPr id="1" name=""/>
-        <p:cNvGrpSpPr/>
-        <p:nvPr/>
-      </p:nvGrpSpPr>
-      <p:grpSpPr>
-        <a:xfrm>
-          <a:off x="0" y="0"/>
-          <a:ext cx="0" cy="0"/>
-          <a:chOff x="0" y="0"/>
-          <a:chExt cx="0" cy="0"/>
-        </a:xfrm>
-      </p:grpSpPr>
-      <p:sp>
-        <p:nvSpPr>
-          <p:cNvPr id="7" name="Rectangle 5"/>
-          <p:cNvSpPr>
-            <a:spLocks noGrp="1" noChangeArrowheads="1"/>
-          </p:cNvSpPr>
-          <p:nvPr>
-            <p:ph type="sldNum" sz="quarter" idx="5"/>
-          </p:nvPr>
-        </p:nvSpPr>
-        <p:spPr>
-          <a:ln/>
-        </p:spPr>
-        <p:txBody>
-          <a:bodyPr/>
-          <a:lstStyle/>
-          <a:p>
-            <a:fld id="{C30C6821-A329-462D-8729-A495B1ADAF6C}" type="slidenum">
-              <a:rPr lang="es-ES_tradnl"/>
-              <a:pPr/>
-              <a:t>11</a:t>
-            </a:fld>
-            <a:endParaRPr lang="es-ES_tradnl"/>
-          </a:p>
-        </p:txBody>
-      </p:sp>
-      <p:sp>
-        <p:nvSpPr>
-          <p:cNvPr id="7170" name="Rectangle 2"/>
-          <p:cNvSpPr>
-            <a:spLocks noGrp="1" noRot="1" noChangeAspect="1" noChangeArrowheads="1" noTextEdit="1"/>
-          </p:cNvSpPr>
-          <p:nvPr>
-            <p:ph type="sldImg"/>
-          </p:nvPr>
-        </p:nvSpPr>
-        <p:spPr>
-          <a:ln cap="flat"/>
-        </p:spPr>
-      </p:sp>
-      <p:sp>
-        <p:nvSpPr>
-          <p:cNvPr id="7171" name="Rectangle 3"/>
-          <p:cNvSpPr>
-            <a:spLocks noGrp="1" noChangeArrowheads="1"/>
-          </p:cNvSpPr>
-          <p:nvPr>
-            <p:ph type="body" idx="1"/>
-          </p:nvPr>
-        </p:nvSpPr>
-        <p:spPr>
-          <a:ln/>
-        </p:spPr>
-        <p:txBody>
-          <a:bodyPr/>
-          <a:lstStyle/>
-          <a:p>
-            <a:endParaRPr lang="es-ES"/>
-          </a:p>
-        </p:txBody>
-      </p:sp>
-    </p:spTree>
-    <p:extLst>
-      <p:ext uri="{BB962C8B-B14F-4D97-AF65-F5344CB8AC3E}">
-        <p14:creationId xmlns:p14="http://schemas.microsoft.com/office/powerpoint/2010/main" val="3075213570"/>
+        <p14:creationId xmlns:p14="http://schemas.microsoft.com/office/powerpoint/2010/main" val="1291807068"/>
       </p:ext>
     </p:extLst>
   </p:cSld>
@@ -1014,7 +826,7 @@
     </p:spTree>
     <p:extLst>
       <p:ext uri="{BB962C8B-B14F-4D97-AF65-F5344CB8AC3E}">
-        <p14:creationId xmlns:p14="http://schemas.microsoft.com/office/powerpoint/2010/main" val="1291807068"/>
+        <p14:creationId xmlns:p14="http://schemas.microsoft.com/office/powerpoint/2010/main" val="1283012493"/>
       </p:ext>
     </p:extLst>
   </p:cSld>
@@ -1103,6 +915,11 @@
         </p:txBody>
       </p:sp>
     </p:spTree>
+    <p:extLst>
+      <p:ext uri="{BB962C8B-B14F-4D97-AF65-F5344CB8AC3E}">
+        <p14:creationId xmlns:p14="http://schemas.microsoft.com/office/powerpoint/2010/main" val="3445325471"/>
+      </p:ext>
+    </p:extLst>
   </p:cSld>
   <p:clrMapOvr>
     <a:masterClrMapping/>
@@ -1191,7 +1008,7 @@
     </p:spTree>
     <p:extLst>
       <p:ext uri="{BB962C8B-B14F-4D97-AF65-F5344CB8AC3E}">
-        <p14:creationId xmlns:p14="http://schemas.microsoft.com/office/powerpoint/2010/main" val="2931079220"/>
+        <p14:creationId xmlns:p14="http://schemas.microsoft.com/office/powerpoint/2010/main" val="3968068876"/>
       </p:ext>
     </p:extLst>
   </p:cSld>
@@ -1282,371 +1099,7 @@
     </p:spTree>
     <p:extLst>
       <p:ext uri="{BB962C8B-B14F-4D97-AF65-F5344CB8AC3E}">
-        <p14:creationId xmlns:p14="http://schemas.microsoft.com/office/powerpoint/2010/main" val="1283012493"/>
-      </p:ext>
-    </p:extLst>
-  </p:cSld>
-  <p:clrMapOvr>
-    <a:masterClrMapping/>
-  </p:clrMapOvr>
-</p:notes>
-</file>
-
-<file path=ppt/notesSlides/notesSlide6.xml><?xml version="1.0" encoding="utf-8"?>
-<p:notes xmlns:a="http://schemas.openxmlformats.org/drawingml/2006/main" xmlns:r="http://schemas.openxmlformats.org/officeDocument/2006/relationships" xmlns:p="http://schemas.openxmlformats.org/presentationml/2006/main">
-  <p:cSld>
-    <p:spTree>
-      <p:nvGrpSpPr>
-        <p:cNvPr id="1" name=""/>
-        <p:cNvGrpSpPr/>
-        <p:nvPr/>
-      </p:nvGrpSpPr>
-      <p:grpSpPr>
-        <a:xfrm>
-          <a:off x="0" y="0"/>
-          <a:ext cx="0" cy="0"/>
-          <a:chOff x="0" y="0"/>
-          <a:chExt cx="0" cy="0"/>
-        </a:xfrm>
-      </p:grpSpPr>
-      <p:sp>
-        <p:nvSpPr>
-          <p:cNvPr id="7" name="Rectangle 5"/>
-          <p:cNvSpPr>
-            <a:spLocks noGrp="1" noChangeArrowheads="1"/>
-          </p:cNvSpPr>
-          <p:nvPr>
-            <p:ph type="sldNum" sz="quarter" idx="5"/>
-          </p:nvPr>
-        </p:nvSpPr>
-        <p:spPr>
-          <a:ln/>
-        </p:spPr>
-        <p:txBody>
-          <a:bodyPr/>
-          <a:lstStyle/>
-          <a:p>
-            <a:fld id="{C30C6821-A329-462D-8729-A495B1ADAF6C}" type="slidenum">
-              <a:rPr lang="es-ES_tradnl"/>
-              <a:pPr/>
-              <a:t>6</a:t>
-            </a:fld>
-            <a:endParaRPr lang="es-ES_tradnl"/>
-          </a:p>
-        </p:txBody>
-      </p:sp>
-      <p:sp>
-        <p:nvSpPr>
-          <p:cNvPr id="7170" name="Rectangle 2"/>
-          <p:cNvSpPr>
-            <a:spLocks noGrp="1" noRot="1" noChangeAspect="1" noChangeArrowheads="1" noTextEdit="1"/>
-          </p:cNvSpPr>
-          <p:nvPr>
-            <p:ph type="sldImg"/>
-          </p:nvPr>
-        </p:nvSpPr>
-        <p:spPr>
-          <a:ln cap="flat"/>
-        </p:spPr>
-      </p:sp>
-      <p:sp>
-        <p:nvSpPr>
-          <p:cNvPr id="7171" name="Rectangle 3"/>
-          <p:cNvSpPr>
-            <a:spLocks noGrp="1" noChangeArrowheads="1"/>
-          </p:cNvSpPr>
-          <p:nvPr>
-            <p:ph type="body" idx="1"/>
-          </p:nvPr>
-        </p:nvSpPr>
-        <p:spPr>
-          <a:ln/>
-        </p:spPr>
-        <p:txBody>
-          <a:bodyPr/>
-          <a:lstStyle/>
-          <a:p>
-            <a:endParaRPr lang="es-ES"/>
-          </a:p>
-        </p:txBody>
-      </p:sp>
-    </p:spTree>
-    <p:extLst>
-      <p:ext uri="{BB962C8B-B14F-4D97-AF65-F5344CB8AC3E}">
-        <p14:creationId xmlns:p14="http://schemas.microsoft.com/office/powerpoint/2010/main" val="3463147042"/>
-      </p:ext>
-    </p:extLst>
-  </p:cSld>
-  <p:clrMapOvr>
-    <a:masterClrMapping/>
-  </p:clrMapOvr>
-</p:notes>
-</file>
-
-<file path=ppt/notesSlides/notesSlide7.xml><?xml version="1.0" encoding="utf-8"?>
-<p:notes xmlns:a="http://schemas.openxmlformats.org/drawingml/2006/main" xmlns:r="http://schemas.openxmlformats.org/officeDocument/2006/relationships" xmlns:p="http://schemas.openxmlformats.org/presentationml/2006/main">
-  <p:cSld>
-    <p:spTree>
-      <p:nvGrpSpPr>
-        <p:cNvPr id="1" name=""/>
-        <p:cNvGrpSpPr/>
-        <p:nvPr/>
-      </p:nvGrpSpPr>
-      <p:grpSpPr>
-        <a:xfrm>
-          <a:off x="0" y="0"/>
-          <a:ext cx="0" cy="0"/>
-          <a:chOff x="0" y="0"/>
-          <a:chExt cx="0" cy="0"/>
-        </a:xfrm>
-      </p:grpSpPr>
-      <p:sp>
-        <p:nvSpPr>
-          <p:cNvPr id="7" name="Rectangle 5"/>
-          <p:cNvSpPr>
-            <a:spLocks noGrp="1" noChangeArrowheads="1"/>
-          </p:cNvSpPr>
-          <p:nvPr>
-            <p:ph type="sldNum" sz="quarter" idx="5"/>
-          </p:nvPr>
-        </p:nvSpPr>
-        <p:spPr>
-          <a:ln/>
-        </p:spPr>
-        <p:txBody>
-          <a:bodyPr/>
-          <a:lstStyle/>
-          <a:p>
-            <a:fld id="{C30C6821-A329-462D-8729-A495B1ADAF6C}" type="slidenum">
-              <a:rPr lang="es-ES_tradnl"/>
-              <a:pPr/>
-              <a:t>7</a:t>
-            </a:fld>
-            <a:endParaRPr lang="es-ES_tradnl"/>
-          </a:p>
-        </p:txBody>
-      </p:sp>
-      <p:sp>
-        <p:nvSpPr>
-          <p:cNvPr id="7170" name="Rectangle 2"/>
-          <p:cNvSpPr>
-            <a:spLocks noGrp="1" noRot="1" noChangeAspect="1" noChangeArrowheads="1" noTextEdit="1"/>
-          </p:cNvSpPr>
-          <p:nvPr>
-            <p:ph type="sldImg"/>
-          </p:nvPr>
-        </p:nvSpPr>
-        <p:spPr>
-          <a:ln cap="flat"/>
-        </p:spPr>
-      </p:sp>
-      <p:sp>
-        <p:nvSpPr>
-          <p:cNvPr id="7171" name="Rectangle 3"/>
-          <p:cNvSpPr>
-            <a:spLocks noGrp="1" noChangeArrowheads="1"/>
-          </p:cNvSpPr>
-          <p:nvPr>
-            <p:ph type="body" idx="1"/>
-          </p:nvPr>
-        </p:nvSpPr>
-        <p:spPr>
-          <a:ln/>
-        </p:spPr>
-        <p:txBody>
-          <a:bodyPr/>
-          <a:lstStyle/>
-          <a:p>
-            <a:endParaRPr lang="es-ES"/>
-          </a:p>
-        </p:txBody>
-      </p:sp>
-    </p:spTree>
-    <p:extLst>
-      <p:ext uri="{BB962C8B-B14F-4D97-AF65-F5344CB8AC3E}">
-        <p14:creationId xmlns:p14="http://schemas.microsoft.com/office/powerpoint/2010/main" val="3445325471"/>
-      </p:ext>
-    </p:extLst>
-  </p:cSld>
-  <p:clrMapOvr>
-    <a:masterClrMapping/>
-  </p:clrMapOvr>
-</p:notes>
-</file>
-
-<file path=ppt/notesSlides/notesSlide8.xml><?xml version="1.0" encoding="utf-8"?>
-<p:notes xmlns:a="http://schemas.openxmlformats.org/drawingml/2006/main" xmlns:r="http://schemas.openxmlformats.org/officeDocument/2006/relationships" xmlns:p="http://schemas.openxmlformats.org/presentationml/2006/main">
-  <p:cSld>
-    <p:spTree>
-      <p:nvGrpSpPr>
-        <p:cNvPr id="1" name=""/>
-        <p:cNvGrpSpPr/>
-        <p:nvPr/>
-      </p:nvGrpSpPr>
-      <p:grpSpPr>
-        <a:xfrm>
-          <a:off x="0" y="0"/>
-          <a:ext cx="0" cy="0"/>
-          <a:chOff x="0" y="0"/>
-          <a:chExt cx="0" cy="0"/>
-        </a:xfrm>
-      </p:grpSpPr>
-      <p:sp>
-        <p:nvSpPr>
-          <p:cNvPr id="7" name="Rectangle 5"/>
-          <p:cNvSpPr>
-            <a:spLocks noGrp="1" noChangeArrowheads="1"/>
-          </p:cNvSpPr>
-          <p:nvPr>
-            <p:ph type="sldNum" sz="quarter" idx="5"/>
-          </p:nvPr>
-        </p:nvSpPr>
-        <p:spPr>
-          <a:ln/>
-        </p:spPr>
-        <p:txBody>
-          <a:bodyPr/>
-          <a:lstStyle/>
-          <a:p>
-            <a:fld id="{C30C6821-A329-462D-8729-A495B1ADAF6C}" type="slidenum">
-              <a:rPr lang="es-ES_tradnl"/>
-              <a:pPr/>
-              <a:t>8</a:t>
-            </a:fld>
-            <a:endParaRPr lang="es-ES_tradnl"/>
-          </a:p>
-        </p:txBody>
-      </p:sp>
-      <p:sp>
-        <p:nvSpPr>
-          <p:cNvPr id="7170" name="Rectangle 2"/>
-          <p:cNvSpPr>
-            <a:spLocks noGrp="1" noRot="1" noChangeAspect="1" noChangeArrowheads="1" noTextEdit="1"/>
-          </p:cNvSpPr>
-          <p:nvPr>
-            <p:ph type="sldImg"/>
-          </p:nvPr>
-        </p:nvSpPr>
-        <p:spPr>
-          <a:ln cap="flat"/>
-        </p:spPr>
-      </p:sp>
-      <p:sp>
-        <p:nvSpPr>
-          <p:cNvPr id="7171" name="Rectangle 3"/>
-          <p:cNvSpPr>
-            <a:spLocks noGrp="1" noChangeArrowheads="1"/>
-          </p:cNvSpPr>
-          <p:nvPr>
-            <p:ph type="body" idx="1"/>
-          </p:nvPr>
-        </p:nvSpPr>
-        <p:spPr>
-          <a:ln/>
-        </p:spPr>
-        <p:txBody>
-          <a:bodyPr/>
-          <a:lstStyle/>
-          <a:p>
-            <a:endParaRPr lang="es-ES"/>
-          </a:p>
-        </p:txBody>
-      </p:sp>
-    </p:spTree>
-    <p:extLst>
-      <p:ext uri="{BB962C8B-B14F-4D97-AF65-F5344CB8AC3E}">
-        <p14:creationId xmlns:p14="http://schemas.microsoft.com/office/powerpoint/2010/main" val="3968068876"/>
-      </p:ext>
-    </p:extLst>
-  </p:cSld>
-  <p:clrMapOvr>
-    <a:masterClrMapping/>
-  </p:clrMapOvr>
-</p:notes>
-</file>
-
-<file path=ppt/notesSlides/notesSlide9.xml><?xml version="1.0" encoding="utf-8"?>
-<p:notes xmlns:a="http://schemas.openxmlformats.org/drawingml/2006/main" xmlns:r="http://schemas.openxmlformats.org/officeDocument/2006/relationships" xmlns:p="http://schemas.openxmlformats.org/presentationml/2006/main">
-  <p:cSld>
-    <p:spTree>
-      <p:nvGrpSpPr>
-        <p:cNvPr id="1" name=""/>
-        <p:cNvGrpSpPr/>
-        <p:nvPr/>
-      </p:nvGrpSpPr>
-      <p:grpSpPr>
-        <a:xfrm>
-          <a:off x="0" y="0"/>
-          <a:ext cx="0" cy="0"/>
-          <a:chOff x="0" y="0"/>
-          <a:chExt cx="0" cy="0"/>
-        </a:xfrm>
-      </p:grpSpPr>
-      <p:sp>
-        <p:nvSpPr>
-          <p:cNvPr id="7" name="Rectangle 5"/>
-          <p:cNvSpPr>
-            <a:spLocks noGrp="1" noChangeArrowheads="1"/>
-          </p:cNvSpPr>
-          <p:nvPr>
-            <p:ph type="sldNum" sz="quarter" idx="5"/>
-          </p:nvPr>
-        </p:nvSpPr>
-        <p:spPr>
-          <a:ln/>
-        </p:spPr>
-        <p:txBody>
-          <a:bodyPr/>
-          <a:lstStyle/>
-          <a:p>
-            <a:fld id="{C30C6821-A329-462D-8729-A495B1ADAF6C}" type="slidenum">
-              <a:rPr lang="es-ES_tradnl"/>
-              <a:pPr/>
-              <a:t>9</a:t>
-            </a:fld>
-            <a:endParaRPr lang="es-ES_tradnl"/>
-          </a:p>
-        </p:txBody>
-      </p:sp>
-      <p:sp>
-        <p:nvSpPr>
-          <p:cNvPr id="7170" name="Rectangle 2"/>
-          <p:cNvSpPr>
-            <a:spLocks noGrp="1" noRot="1" noChangeAspect="1" noChangeArrowheads="1" noTextEdit="1"/>
-          </p:cNvSpPr>
-          <p:nvPr>
-            <p:ph type="sldImg"/>
-          </p:nvPr>
-        </p:nvSpPr>
-        <p:spPr>
-          <a:ln cap="flat"/>
-        </p:spPr>
-      </p:sp>
-      <p:sp>
-        <p:nvSpPr>
-          <p:cNvPr id="7171" name="Rectangle 3"/>
-          <p:cNvSpPr>
-            <a:spLocks noGrp="1" noChangeArrowheads="1"/>
-          </p:cNvSpPr>
-          <p:nvPr>
-            <p:ph type="body" idx="1"/>
-          </p:nvPr>
-        </p:nvSpPr>
-        <p:spPr>
-          <a:ln/>
-        </p:spPr>
-        <p:txBody>
-          <a:bodyPr/>
-          <a:lstStyle/>
-          <a:p>
-            <a:endParaRPr lang="es-ES"/>
-          </a:p>
-        </p:txBody>
-      </p:sp>
-    </p:spTree>
-    <p:extLst>
-      <p:ext uri="{BB962C8B-B14F-4D97-AF65-F5344CB8AC3E}">
-        <p14:creationId xmlns:p14="http://schemas.microsoft.com/office/powerpoint/2010/main" val="245084016"/>
+        <p14:creationId xmlns:p14="http://schemas.microsoft.com/office/powerpoint/2010/main" val="3075213570"/>
       </p:ext>
     </p:extLst>
   </p:cSld>
@@ -7768,7 +7221,7 @@
           <a:p>
             <a:r>
               <a:rPr lang="en-GB" dirty="0"/>
-              <a:t>Our Architecture is Publish–subscribe pattern</a:t>
+              <a:t>This is how it works in our application</a:t>
             </a:r>
           </a:p>
         </p:txBody>
@@ -7839,7 +7292,7 @@
         </p:nvSpPr>
         <p:spPr>
           <a:xfrm>
-            <a:off x="3585548" y="3622260"/>
+            <a:off x="3559881" y="4646046"/>
             <a:ext cx="1493821" cy="878186"/>
           </a:xfrm>
           <a:prstGeom prst="roundRect">
@@ -8147,10 +7600,10 @@
       </p:sp>
       <p:sp>
         <p:nvSpPr>
-          <p:cNvPr id="15" name="Rectangle: Rounded Corners 14">
+          <p:cNvPr id="14" name="Rectangle: Rounded Corners 13">
             <a:extLst>
               <a:ext uri="{FF2B5EF4-FFF2-40B4-BE49-F238E27FC236}">
-                <a16:creationId xmlns:a16="http://schemas.microsoft.com/office/drawing/2014/main" id="{B44C0326-5585-4A66-A63B-64F238284765}"/>
+                <a16:creationId xmlns:a16="http://schemas.microsoft.com/office/drawing/2014/main" id="{C27FC62E-0564-4A7B-8364-F299B750673C}"/>
               </a:ext>
             </a:extLst>
           </p:cNvPr>
@@ -8159,7 +7612,7 @@
         </p:nvSpPr>
         <p:spPr>
           <a:xfrm>
-            <a:off x="483593" y="3622260"/>
+            <a:off x="3545177" y="2599239"/>
             <a:ext cx="1493821" cy="878186"/>
           </a:xfrm>
           <a:prstGeom prst="roundRect">
@@ -8170,7 +7623,7 @@
           </a:solidFill>
           <a:ln w="28575">
             <a:solidFill>
-              <a:srgbClr val="00B050"/>
+              <a:srgbClr val="FFFF00"/>
             </a:solidFill>
           </a:ln>
         </p:spPr>
@@ -8197,6 +7650,58 @@
           </a:p>
         </p:txBody>
       </p:sp>
+      <p:sp>
+        <p:nvSpPr>
+          <p:cNvPr id="15" name="Rectangle: Rounded Corners 14">
+            <a:extLst>
+              <a:ext uri="{FF2B5EF4-FFF2-40B4-BE49-F238E27FC236}">
+                <a16:creationId xmlns:a16="http://schemas.microsoft.com/office/drawing/2014/main" id="{B44C0326-5585-4A66-A63B-64F238284765}"/>
+              </a:ext>
+            </a:extLst>
+          </p:cNvPr>
+          <p:cNvSpPr/>
+          <p:nvPr/>
+        </p:nvSpPr>
+        <p:spPr>
+          <a:xfrm>
+            <a:off x="483593" y="3622260"/>
+            <a:ext cx="1493821" cy="878186"/>
+          </a:xfrm>
+          <a:prstGeom prst="roundRect">
+            <a:avLst/>
+          </a:prstGeom>
+          <a:solidFill>
+            <a:schemeClr val="bg1"/>
+          </a:solidFill>
+          <a:ln w="28575">
+            <a:solidFill>
+              <a:srgbClr val="00B050"/>
+            </a:solidFill>
+          </a:ln>
+        </p:spPr>
+        <p:style>
+          <a:lnRef idx="1">
+            <a:schemeClr val="accent1"/>
+          </a:lnRef>
+          <a:fillRef idx="3">
+            <a:schemeClr val="accent1"/>
+          </a:fillRef>
+          <a:effectRef idx="2">
+            <a:schemeClr val="accent1"/>
+          </a:effectRef>
+          <a:fontRef idx="minor">
+            <a:schemeClr val="lt1"/>
+          </a:fontRef>
+        </p:style>
+        <p:txBody>
+          <a:bodyPr rtlCol="0" anchor="ctr"/>
+          <a:lstStyle/>
+          <a:p>
+            <a:pPr algn="ctr"/>
+            <a:endParaRPr lang="en-GB"/>
+          </a:p>
+        </p:txBody>
+      </p:sp>
       <p:cxnSp>
         <p:nvCxnSpPr>
           <p:cNvPr id="20" name="Connector: Elbow 19">
@@ -8209,14 +7714,14 @@
           <p:cNvCxnSpPr>
             <a:cxnSpLocks/>
             <a:stCxn id="12" idx="3"/>
-            <a:endCxn id="6" idx="1"/>
+            <a:endCxn id="14" idx="1"/>
           </p:cNvCxnSpPr>
           <p:nvPr/>
         </p:nvCxnSpPr>
         <p:spPr>
           <a:xfrm>
             <a:off x="1977416" y="3038192"/>
-            <a:ext cx="1608132" cy="1023161"/>
+            <a:ext cx="1567761" cy="140"/>
           </a:xfrm>
           <a:prstGeom prst="bentConnector3">
             <a:avLst/>
@@ -8256,18 +7761,18 @@
           <p:cNvCxnSpPr>
             <a:cxnSpLocks/>
             <a:stCxn id="15" idx="3"/>
-            <a:endCxn id="6" idx="1"/>
+            <a:endCxn id="14" idx="1"/>
           </p:cNvCxnSpPr>
           <p:nvPr/>
         </p:nvCxnSpPr>
         <p:spPr>
-          <a:xfrm>
-            <a:off x="1977414" y="4061353"/>
-            <a:ext cx="1608134" cy="12700"/>
+          <a:xfrm flipV="1">
+            <a:off x="1977414" y="3038332"/>
+            <a:ext cx="1567763" cy="1023021"/>
           </a:xfrm>
           <a:prstGeom prst="bentConnector3">
             <a:avLst>
-              <a:gd name="adj1" fmla="val 50000"/>
+              <a:gd name="adj1" fmla="val 23436"/>
             </a:avLst>
           </a:prstGeom>
           <a:ln w="28575">
@@ -8305,18 +7810,18 @@
           <p:cNvCxnSpPr>
             <a:cxnSpLocks/>
             <a:stCxn id="2" idx="3"/>
-            <a:endCxn id="6" idx="1"/>
+            <a:endCxn id="14" idx="1"/>
           </p:cNvCxnSpPr>
           <p:nvPr/>
         </p:nvCxnSpPr>
         <p:spPr>
           <a:xfrm flipV="1">
-            <a:off x="1977415" y="4061353"/>
-            <a:ext cx="1608133" cy="1032215"/>
+            <a:off x="1977415" y="3038332"/>
+            <a:ext cx="1567762" cy="2055236"/>
           </a:xfrm>
           <a:prstGeom prst="bentConnector3">
             <a:avLst>
-              <a:gd name="adj1" fmla="val 50000"/>
+              <a:gd name="adj1" fmla="val 24014"/>
             </a:avLst>
           </a:prstGeom>
           <a:ln w="28575">
@@ -8360,12 +7865,12 @@
         </p:nvCxnSpPr>
         <p:spPr>
           <a:xfrm flipV="1">
-            <a:off x="5079369" y="2657192"/>
-            <a:ext cx="2087215" cy="1404161"/>
+            <a:off x="5053702" y="2657192"/>
+            <a:ext cx="2112882" cy="2427947"/>
           </a:xfrm>
           <a:prstGeom prst="bentConnector3">
             <a:avLst>
-              <a:gd name="adj1" fmla="val 50000"/>
+              <a:gd name="adj1" fmla="val 81708"/>
             </a:avLst>
           </a:prstGeom>
           <a:ln w="28575">
@@ -8409,12 +7914,12 @@
         </p:nvCxnSpPr>
         <p:spPr>
           <a:xfrm flipV="1">
-            <a:off x="5079369" y="3673811"/>
-            <a:ext cx="2087215" cy="387542"/>
+            <a:off x="5053702" y="3673811"/>
+            <a:ext cx="2112882" cy="1411328"/>
           </a:xfrm>
           <a:prstGeom prst="bentConnector3">
             <a:avLst>
-              <a:gd name="adj1" fmla="val 50000"/>
+              <a:gd name="adj1" fmla="val 82137"/>
             </a:avLst>
           </a:prstGeom>
           <a:ln w="28575">
@@ -8457,13 +7962,13 @@
           <p:nvPr/>
         </p:nvCxnSpPr>
         <p:spPr>
-          <a:xfrm>
-            <a:off x="5079369" y="4061353"/>
-            <a:ext cx="2087215" cy="642161"/>
+          <a:xfrm flipV="1">
+            <a:off x="5053702" y="4703514"/>
+            <a:ext cx="2112882" cy="381625"/>
           </a:xfrm>
           <a:prstGeom prst="bentConnector3">
             <a:avLst>
-              <a:gd name="adj1" fmla="val 50000"/>
+              <a:gd name="adj1" fmla="val 81708"/>
             </a:avLst>
           </a:prstGeom>
           <a:ln w="28575">
@@ -8507,1782 +8012,6 @@
         </p:nvCxnSpPr>
         <p:spPr>
           <a:xfrm>
-            <a:off x="5079369" y="4061353"/>
-            <a:ext cx="2087215" cy="1671864"/>
-          </a:xfrm>
-          <a:prstGeom prst="bentConnector3">
-            <a:avLst>
-              <a:gd name="adj1" fmla="val 50000"/>
-            </a:avLst>
-          </a:prstGeom>
-          <a:ln w="28575">
-            <a:solidFill>
-              <a:srgbClr val="00B0F0"/>
-            </a:solidFill>
-            <a:prstDash val="solid"/>
-            <a:tailEnd type="triangle"/>
-          </a:ln>
-        </p:spPr>
-        <p:style>
-          <a:lnRef idx="2">
-            <a:schemeClr val="accent1"/>
-          </a:lnRef>
-          <a:fillRef idx="0">
-            <a:schemeClr val="accent1"/>
-          </a:fillRef>
-          <a:effectRef idx="1">
-            <a:schemeClr val="accent1"/>
-          </a:effectRef>
-          <a:fontRef idx="minor">
-            <a:schemeClr val="tx1"/>
-          </a:fontRef>
-        </p:style>
-      </p:cxnSp>
-      <p:sp>
-        <p:nvSpPr>
-          <p:cNvPr id="64" name="TextBox 63">
-            <a:extLst>
-              <a:ext uri="{FF2B5EF4-FFF2-40B4-BE49-F238E27FC236}">
-                <a16:creationId xmlns:a16="http://schemas.microsoft.com/office/drawing/2014/main" id="{2437BA32-4259-42E2-BBEE-83D0FB015183}"/>
-              </a:ext>
-            </a:extLst>
-          </p:cNvPr>
-          <p:cNvSpPr txBox="1"/>
-          <p:nvPr/>
-        </p:nvSpPr>
-        <p:spPr>
-          <a:xfrm>
-            <a:off x="686537" y="3923361"/>
-            <a:ext cx="1087932" cy="307777"/>
-          </a:xfrm>
-          <a:prstGeom prst="rect">
-            <a:avLst/>
-          </a:prstGeom>
-          <a:noFill/>
-        </p:spPr>
-        <p:txBody>
-          <a:bodyPr wrap="square" rtlCol="0">
-            <a:spAutoFit/>
-          </a:bodyPr>
-          <a:lstStyle/>
-          <a:p>
-            <a:r>
-              <a:rPr lang="en-GB" sz="1400" dirty="0">
-                <a:solidFill>
-                  <a:schemeClr val="accent5">
-                    <a:lumMod val="50000"/>
-                  </a:schemeClr>
-                </a:solidFill>
-                <a:latin typeface="Segoe UI" panose="020B0502040204020203" pitchFamily="34" charset="0"/>
-                <a:cs typeface="Segoe UI" panose="020B0502040204020203" pitchFamily="34" charset="0"/>
-              </a:rPr>
-              <a:t>PUBLISHER</a:t>
-            </a:r>
-          </a:p>
-        </p:txBody>
-      </p:sp>
-      <p:sp>
-        <p:nvSpPr>
-          <p:cNvPr id="65" name="TextBox 64">
-            <a:extLst>
-              <a:ext uri="{FF2B5EF4-FFF2-40B4-BE49-F238E27FC236}">
-                <a16:creationId xmlns:a16="http://schemas.microsoft.com/office/drawing/2014/main" id="{9F3BB03D-3765-4108-BC7D-FBD61A9AECFD}"/>
-              </a:ext>
-            </a:extLst>
-          </p:cNvPr>
-          <p:cNvSpPr txBox="1"/>
-          <p:nvPr/>
-        </p:nvSpPr>
-        <p:spPr>
-          <a:xfrm>
-            <a:off x="688800" y="2897003"/>
-            <a:ext cx="1087932" cy="307777"/>
-          </a:xfrm>
-          <a:prstGeom prst="rect">
-            <a:avLst/>
-          </a:prstGeom>
-          <a:noFill/>
-        </p:spPr>
-        <p:txBody>
-          <a:bodyPr wrap="square" rtlCol="0">
-            <a:spAutoFit/>
-          </a:bodyPr>
-          <a:lstStyle/>
-          <a:p>
-            <a:r>
-              <a:rPr lang="en-GB" sz="1400" dirty="0">
-                <a:solidFill>
-                  <a:schemeClr val="accent5">
-                    <a:lumMod val="50000"/>
-                  </a:schemeClr>
-                </a:solidFill>
-                <a:latin typeface="Segoe UI" panose="020B0502040204020203" pitchFamily="34" charset="0"/>
-                <a:cs typeface="Segoe UI" panose="020B0502040204020203" pitchFamily="34" charset="0"/>
-              </a:rPr>
-              <a:t>PUBLISHER</a:t>
-            </a:r>
-          </a:p>
-        </p:txBody>
-      </p:sp>
-      <p:sp>
-        <p:nvSpPr>
-          <p:cNvPr id="66" name="TextBox 65">
-            <a:extLst>
-              <a:ext uri="{FF2B5EF4-FFF2-40B4-BE49-F238E27FC236}">
-                <a16:creationId xmlns:a16="http://schemas.microsoft.com/office/drawing/2014/main" id="{B2869D66-4630-48F8-B178-060102130F02}"/>
-              </a:ext>
-            </a:extLst>
-          </p:cNvPr>
-          <p:cNvSpPr txBox="1"/>
-          <p:nvPr/>
-        </p:nvSpPr>
-        <p:spPr>
-          <a:xfrm>
-            <a:off x="690309" y="4939679"/>
-            <a:ext cx="1087932" cy="307777"/>
-          </a:xfrm>
-          <a:prstGeom prst="rect">
-            <a:avLst/>
-          </a:prstGeom>
-          <a:noFill/>
-        </p:spPr>
-        <p:txBody>
-          <a:bodyPr wrap="square" rtlCol="0">
-            <a:spAutoFit/>
-          </a:bodyPr>
-          <a:lstStyle/>
-          <a:p>
-            <a:r>
-              <a:rPr lang="en-GB" sz="1400" dirty="0">
-                <a:solidFill>
-                  <a:schemeClr val="accent5">
-                    <a:lumMod val="50000"/>
-                  </a:schemeClr>
-                </a:solidFill>
-                <a:latin typeface="Segoe UI" panose="020B0502040204020203" pitchFamily="34" charset="0"/>
-                <a:cs typeface="Segoe UI" panose="020B0502040204020203" pitchFamily="34" charset="0"/>
-              </a:rPr>
-              <a:t>PUBLISHER</a:t>
-            </a:r>
-          </a:p>
-        </p:txBody>
-      </p:sp>
-      <p:sp>
-        <p:nvSpPr>
-          <p:cNvPr id="68" name="TextBox 67">
-            <a:extLst>
-              <a:ext uri="{FF2B5EF4-FFF2-40B4-BE49-F238E27FC236}">
-                <a16:creationId xmlns:a16="http://schemas.microsoft.com/office/drawing/2014/main" id="{FC56F218-0E42-4D0E-85C9-DACA8B51FC25}"/>
-              </a:ext>
-            </a:extLst>
-          </p:cNvPr>
-          <p:cNvSpPr txBox="1"/>
-          <p:nvPr/>
-        </p:nvSpPr>
-        <p:spPr>
-          <a:xfrm>
-            <a:off x="3888458" y="3907464"/>
-            <a:ext cx="803882" cy="307777"/>
-          </a:xfrm>
-          <a:prstGeom prst="rect">
-            <a:avLst/>
-          </a:prstGeom>
-          <a:noFill/>
-        </p:spPr>
-        <p:txBody>
-          <a:bodyPr wrap="square" rtlCol="0">
-            <a:spAutoFit/>
-          </a:bodyPr>
-          <a:lstStyle/>
-          <a:p>
-            <a:r>
-              <a:rPr lang="en-GB" sz="1400" dirty="0">
-                <a:solidFill>
-                  <a:schemeClr val="accent2">
-                    <a:lumMod val="50000"/>
-                  </a:schemeClr>
-                </a:solidFill>
-                <a:latin typeface="Segoe UI" panose="020B0502040204020203" pitchFamily="34" charset="0"/>
-                <a:cs typeface="Segoe UI" panose="020B0502040204020203" pitchFamily="34" charset="0"/>
-              </a:rPr>
-              <a:t>SERVER</a:t>
-            </a:r>
-          </a:p>
-        </p:txBody>
-      </p:sp>
-      <p:sp>
-        <p:nvSpPr>
-          <p:cNvPr id="70" name="TextBox 69">
-            <a:extLst>
-              <a:ext uri="{FF2B5EF4-FFF2-40B4-BE49-F238E27FC236}">
-                <a16:creationId xmlns:a16="http://schemas.microsoft.com/office/drawing/2014/main" id="{FA3121A3-C125-4D7E-9783-B0F5C7E6BDE9}"/>
-              </a:ext>
-            </a:extLst>
-          </p:cNvPr>
-          <p:cNvSpPr txBox="1"/>
-          <p:nvPr/>
-        </p:nvSpPr>
-        <p:spPr>
-          <a:xfrm>
-            <a:off x="7327282" y="2498857"/>
-            <a:ext cx="1172425" cy="307777"/>
-          </a:xfrm>
-          <a:prstGeom prst="rect">
-            <a:avLst/>
-          </a:prstGeom>
-          <a:noFill/>
-        </p:spPr>
-        <p:txBody>
-          <a:bodyPr wrap="square" rtlCol="0">
-            <a:spAutoFit/>
-          </a:bodyPr>
-          <a:lstStyle/>
-          <a:p>
-            <a:r>
-              <a:rPr lang="en-GB" sz="1400" dirty="0">
-                <a:solidFill>
-                  <a:schemeClr val="tx2">
-                    <a:lumMod val="50000"/>
-                  </a:schemeClr>
-                </a:solidFill>
-                <a:latin typeface="Segoe UI" panose="020B0502040204020203" pitchFamily="34" charset="0"/>
-                <a:cs typeface="Segoe UI" panose="020B0502040204020203" pitchFamily="34" charset="0"/>
-              </a:rPr>
-              <a:t>SUBSCRIBER</a:t>
-            </a:r>
-          </a:p>
-        </p:txBody>
-      </p:sp>
-      <p:sp>
-        <p:nvSpPr>
-          <p:cNvPr id="72" name="TextBox 71">
-            <a:extLst>
-              <a:ext uri="{FF2B5EF4-FFF2-40B4-BE49-F238E27FC236}">
-                <a16:creationId xmlns:a16="http://schemas.microsoft.com/office/drawing/2014/main" id="{2BA8C99D-2F9C-46B9-99AF-858DDD809197}"/>
-              </a:ext>
-            </a:extLst>
-          </p:cNvPr>
-          <p:cNvSpPr txBox="1"/>
-          <p:nvPr/>
-        </p:nvSpPr>
-        <p:spPr>
-          <a:xfrm>
-            <a:off x="7327282" y="3508973"/>
-            <a:ext cx="1172425" cy="307777"/>
-          </a:xfrm>
-          <a:prstGeom prst="rect">
-            <a:avLst/>
-          </a:prstGeom>
-          <a:noFill/>
-        </p:spPr>
-        <p:txBody>
-          <a:bodyPr wrap="square" rtlCol="0">
-            <a:spAutoFit/>
-          </a:bodyPr>
-          <a:lstStyle/>
-          <a:p>
-            <a:r>
-              <a:rPr lang="en-GB" sz="1400" dirty="0">
-                <a:solidFill>
-                  <a:schemeClr val="tx2">
-                    <a:lumMod val="50000"/>
-                  </a:schemeClr>
-                </a:solidFill>
-                <a:latin typeface="Segoe UI" panose="020B0502040204020203" pitchFamily="34" charset="0"/>
-                <a:cs typeface="Segoe UI" panose="020B0502040204020203" pitchFamily="34" charset="0"/>
-              </a:rPr>
-              <a:t>SUBSCRIBER</a:t>
-            </a:r>
-          </a:p>
-        </p:txBody>
-      </p:sp>
-      <p:sp>
-        <p:nvSpPr>
-          <p:cNvPr id="73" name="TextBox 72">
-            <a:extLst>
-              <a:ext uri="{FF2B5EF4-FFF2-40B4-BE49-F238E27FC236}">
-                <a16:creationId xmlns:a16="http://schemas.microsoft.com/office/drawing/2014/main" id="{2F203EF8-4F95-45B1-8692-3E1A68F576DA}"/>
-              </a:ext>
-            </a:extLst>
-          </p:cNvPr>
-          <p:cNvSpPr txBox="1"/>
-          <p:nvPr/>
-        </p:nvSpPr>
-        <p:spPr>
-          <a:xfrm>
-            <a:off x="7327281" y="4561551"/>
-            <a:ext cx="1172425" cy="307777"/>
-          </a:xfrm>
-          <a:prstGeom prst="rect">
-            <a:avLst/>
-          </a:prstGeom>
-          <a:noFill/>
-        </p:spPr>
-        <p:txBody>
-          <a:bodyPr wrap="square" rtlCol="0">
-            <a:spAutoFit/>
-          </a:bodyPr>
-          <a:lstStyle/>
-          <a:p>
-            <a:r>
-              <a:rPr lang="en-GB" sz="1400" dirty="0">
-                <a:solidFill>
-                  <a:schemeClr val="tx2">
-                    <a:lumMod val="50000"/>
-                  </a:schemeClr>
-                </a:solidFill>
-                <a:latin typeface="Segoe UI" panose="020B0502040204020203" pitchFamily="34" charset="0"/>
-                <a:cs typeface="Segoe UI" panose="020B0502040204020203" pitchFamily="34" charset="0"/>
-              </a:rPr>
-              <a:t>SUBSCRIBER</a:t>
-            </a:r>
-          </a:p>
-        </p:txBody>
-      </p:sp>
-      <p:sp>
-        <p:nvSpPr>
-          <p:cNvPr id="74" name="TextBox 73">
-            <a:extLst>
-              <a:ext uri="{FF2B5EF4-FFF2-40B4-BE49-F238E27FC236}">
-                <a16:creationId xmlns:a16="http://schemas.microsoft.com/office/drawing/2014/main" id="{385FDE5D-7C67-4240-9061-B867B3A385B8}"/>
-              </a:ext>
-            </a:extLst>
-          </p:cNvPr>
-          <p:cNvSpPr txBox="1"/>
-          <p:nvPr/>
-        </p:nvSpPr>
-        <p:spPr>
-          <a:xfrm>
-            <a:off x="7327282" y="5564349"/>
-            <a:ext cx="1172425" cy="307777"/>
-          </a:xfrm>
-          <a:prstGeom prst="rect">
-            <a:avLst/>
-          </a:prstGeom>
-          <a:noFill/>
-        </p:spPr>
-        <p:txBody>
-          <a:bodyPr wrap="square" rtlCol="0">
-            <a:spAutoFit/>
-          </a:bodyPr>
-          <a:lstStyle/>
-          <a:p>
-            <a:r>
-              <a:rPr lang="en-GB" sz="1400" dirty="0">
-                <a:solidFill>
-                  <a:schemeClr val="tx2">
-                    <a:lumMod val="50000"/>
-                  </a:schemeClr>
-                </a:solidFill>
-                <a:latin typeface="Segoe UI" panose="020B0502040204020203" pitchFamily="34" charset="0"/>
-                <a:cs typeface="Segoe UI" panose="020B0502040204020203" pitchFamily="34" charset="0"/>
-              </a:rPr>
-              <a:t>SUBSCRIBER</a:t>
-            </a:r>
-          </a:p>
-        </p:txBody>
-      </p:sp>
-      <p:sp>
-        <p:nvSpPr>
-          <p:cNvPr id="82" name="TextBox 81">
-            <a:extLst>
-              <a:ext uri="{FF2B5EF4-FFF2-40B4-BE49-F238E27FC236}">
-                <a16:creationId xmlns:a16="http://schemas.microsoft.com/office/drawing/2014/main" id="{04DED1F9-70F2-4B8E-B97B-C3E0A2BF31F6}"/>
-              </a:ext>
-            </a:extLst>
-          </p:cNvPr>
-          <p:cNvSpPr txBox="1"/>
-          <p:nvPr/>
-        </p:nvSpPr>
-        <p:spPr>
-          <a:xfrm>
-            <a:off x="2880697" y="3704928"/>
-            <a:ext cx="704851" cy="307777"/>
-          </a:xfrm>
-          <a:prstGeom prst="rect">
-            <a:avLst/>
-          </a:prstGeom>
-          <a:noFill/>
-        </p:spPr>
-        <p:txBody>
-          <a:bodyPr wrap="square" rtlCol="0">
-            <a:spAutoFit/>
-          </a:bodyPr>
-          <a:lstStyle/>
-          <a:p>
-            <a:r>
-              <a:rPr lang="en-GB" sz="1400" dirty="0">
-                <a:solidFill>
-                  <a:schemeClr val="accent2">
-                    <a:lumMod val="50000"/>
-                  </a:schemeClr>
-                </a:solidFill>
-                <a:latin typeface="Segoe UI" panose="020B0502040204020203" pitchFamily="34" charset="0"/>
-                <a:cs typeface="Segoe UI" panose="020B0502040204020203" pitchFamily="34" charset="0"/>
-              </a:rPr>
-              <a:t>Event</a:t>
-            </a:r>
-          </a:p>
-        </p:txBody>
-      </p:sp>
-      <p:sp>
-        <p:nvSpPr>
-          <p:cNvPr id="83" name="TextBox 82">
-            <a:extLst>
-              <a:ext uri="{FF2B5EF4-FFF2-40B4-BE49-F238E27FC236}">
-                <a16:creationId xmlns:a16="http://schemas.microsoft.com/office/drawing/2014/main" id="{F2F53257-05AC-4C17-AE04-4B780977B51F}"/>
-              </a:ext>
-            </a:extLst>
-          </p:cNvPr>
-          <p:cNvSpPr txBox="1"/>
-          <p:nvPr/>
-        </p:nvSpPr>
-        <p:spPr>
-          <a:xfrm>
-            <a:off x="5193680" y="3713694"/>
-            <a:ext cx="832544" cy="307777"/>
-          </a:xfrm>
-          <a:prstGeom prst="rect">
-            <a:avLst/>
-          </a:prstGeom>
-          <a:noFill/>
-        </p:spPr>
-        <p:txBody>
-          <a:bodyPr wrap="square" rtlCol="0">
-            <a:spAutoFit/>
-          </a:bodyPr>
-          <a:lstStyle/>
-          <a:p>
-            <a:r>
-              <a:rPr lang="en-GB" sz="1400" dirty="0">
-                <a:solidFill>
-                  <a:schemeClr val="accent2">
-                    <a:lumMod val="50000"/>
-                  </a:schemeClr>
-                </a:solidFill>
-                <a:latin typeface="Segoe UI" panose="020B0502040204020203" pitchFamily="34" charset="0"/>
-                <a:cs typeface="Segoe UI" panose="020B0502040204020203" pitchFamily="34" charset="0"/>
-              </a:rPr>
-              <a:t>Notify</a:t>
-            </a:r>
-          </a:p>
-        </p:txBody>
-      </p:sp>
-    </p:spTree>
-    <p:extLst>
-      <p:ext uri="{BB962C8B-B14F-4D97-AF65-F5344CB8AC3E}">
-        <p14:creationId xmlns:p14="http://schemas.microsoft.com/office/powerpoint/2010/main" val="2237064499"/>
-      </p:ext>
-    </p:extLst>
-  </p:cSld>
-  <p:clrMapOvr>
-    <a:masterClrMapping/>
-  </p:clrMapOvr>
-  <p:transition advClick="0" advTm="20000"/>
-</p:sld>
-</file>
-
-<file path=ppt/slides/slide10.xml><?xml version="1.0" encoding="utf-8"?>
-<p:sld xmlns:a="http://schemas.openxmlformats.org/drawingml/2006/main" xmlns:r="http://schemas.openxmlformats.org/officeDocument/2006/relationships" xmlns:p="http://schemas.openxmlformats.org/presentationml/2006/main">
-  <p:cSld>
-    <p:spTree>
-      <p:nvGrpSpPr>
-        <p:cNvPr id="1" name=""/>
-        <p:cNvGrpSpPr/>
-        <p:nvPr/>
-      </p:nvGrpSpPr>
-      <p:grpSpPr>
-        <a:xfrm>
-          <a:off x="0" y="0"/>
-          <a:ext cx="0" cy="0"/>
-          <a:chOff x="0" y="0"/>
-          <a:chExt cx="0" cy="0"/>
-        </a:xfrm>
-      </p:grpSpPr>
-      <p:sp>
-        <p:nvSpPr>
-          <p:cNvPr id="6148" name="Rectangle 4"/>
-          <p:cNvSpPr>
-            <a:spLocks noGrp="1" noChangeArrowheads="1"/>
-          </p:cNvSpPr>
-          <p:nvPr>
-            <p:ph type="title"/>
-          </p:nvPr>
-        </p:nvSpPr>
-        <p:spPr/>
-        <p:txBody>
-          <a:bodyPr/>
-          <a:lstStyle/>
-          <a:p>
-            <a:r>
-              <a:rPr lang="en-US" noProof="0" dirty="0"/>
-              <a:t>Implementation Models</a:t>
-            </a:r>
-          </a:p>
-        </p:txBody>
-      </p:sp>
-      <p:sp>
-        <p:nvSpPr>
-          <p:cNvPr id="4" name="Marcador de pie de página 3">
-            <a:extLst>
-              <a:ext uri="{FF2B5EF4-FFF2-40B4-BE49-F238E27FC236}">
-                <a16:creationId xmlns:a16="http://schemas.microsoft.com/office/drawing/2014/main" id="{AA6FBEFF-CEF2-904C-B8B7-ED1223BA9721}"/>
-              </a:ext>
-            </a:extLst>
-          </p:cNvPr>
-          <p:cNvSpPr>
-            <a:spLocks noGrp="1"/>
-          </p:cNvSpPr>
-          <p:nvPr>
-            <p:ph type="ftr" sz="quarter" idx="11"/>
-          </p:nvPr>
-        </p:nvSpPr>
-        <p:spPr/>
-        <p:txBody>
-          <a:bodyPr/>
-          <a:lstStyle/>
-          <a:p>
-            <a:r>
-              <a:rPr lang="en" dirty="0"/>
-              <a:t>Introduction to Software Engineering - Final Presentations</a:t>
-            </a:r>
-            <a:endParaRPr lang="en-US" dirty="0"/>
-          </a:p>
-        </p:txBody>
-      </p:sp>
-      <p:sp>
-        <p:nvSpPr>
-          <p:cNvPr id="2" name="Rectangle 1">
-            <a:extLst>
-              <a:ext uri="{FF2B5EF4-FFF2-40B4-BE49-F238E27FC236}">
-                <a16:creationId xmlns:a16="http://schemas.microsoft.com/office/drawing/2014/main" id="{43C31A82-FF86-4783-90C6-BFA185EDFB99}"/>
-              </a:ext>
-            </a:extLst>
-          </p:cNvPr>
-          <p:cNvSpPr/>
-          <p:nvPr/>
-        </p:nvSpPr>
-        <p:spPr>
-          <a:xfrm>
-            <a:off x="558266" y="1617111"/>
-            <a:ext cx="8021370" cy="4535786"/>
-          </a:xfrm>
-          <a:prstGeom prst="rect">
-            <a:avLst/>
-          </a:prstGeom>
-        </p:spPr>
-        <p:style>
-          <a:lnRef idx="1">
-            <a:schemeClr val="dk1"/>
-          </a:lnRef>
-          <a:fillRef idx="3">
-            <a:schemeClr val="dk1"/>
-          </a:fillRef>
-          <a:effectRef idx="2">
-            <a:schemeClr val="dk1"/>
-          </a:effectRef>
-          <a:fontRef idx="minor">
-            <a:schemeClr val="lt1"/>
-          </a:fontRef>
-        </p:style>
-        <p:txBody>
-          <a:bodyPr rtlCol="0" anchor="ctr"/>
-          <a:lstStyle/>
-          <a:p>
-            <a:pPr algn="ctr"/>
-            <a:endParaRPr lang="en-GB"/>
-          </a:p>
-        </p:txBody>
-      </p:sp>
-      <p:sp>
-        <p:nvSpPr>
-          <p:cNvPr id="3" name="TextBox 2">
-            <a:extLst>
-              <a:ext uri="{FF2B5EF4-FFF2-40B4-BE49-F238E27FC236}">
-                <a16:creationId xmlns:a16="http://schemas.microsoft.com/office/drawing/2014/main" id="{4F228E14-07ED-4C65-8B06-2D5B63CD7E64}"/>
-              </a:ext>
-            </a:extLst>
-          </p:cNvPr>
-          <p:cNvSpPr txBox="1"/>
-          <p:nvPr/>
-        </p:nvSpPr>
-        <p:spPr>
-          <a:xfrm>
-            <a:off x="902298" y="1995637"/>
-            <a:ext cx="7333307" cy="3785652"/>
-          </a:xfrm>
-          <a:prstGeom prst="rect">
-            <a:avLst/>
-          </a:prstGeom>
-          <a:noFill/>
-        </p:spPr>
-        <p:txBody>
-          <a:bodyPr wrap="square" rtlCol="0">
-            <a:spAutoFit/>
-          </a:bodyPr>
-          <a:lstStyle/>
-          <a:p>
-            <a:pPr algn="ctr"/>
-            <a:r>
-              <a:rPr lang="en-GB" sz="4000" dirty="0">
-                <a:solidFill>
-                  <a:schemeClr val="bg1"/>
-                </a:solidFill>
-              </a:rPr>
-              <a:t>NEED TO ADD</a:t>
-            </a:r>
-          </a:p>
-          <a:p>
-            <a:pPr algn="ctr"/>
-            <a:r>
-              <a:rPr lang="en-GB" sz="4000" dirty="0">
-                <a:solidFill>
-                  <a:schemeClr val="bg1"/>
-                </a:solidFill>
-              </a:rPr>
-              <a:t>REAL USE-CASE MODEL</a:t>
-            </a:r>
-          </a:p>
-          <a:p>
-            <a:pPr algn="ctr"/>
-            <a:endParaRPr lang="en-GB" sz="4000" dirty="0">
-              <a:solidFill>
-                <a:schemeClr val="bg1"/>
-              </a:solidFill>
-            </a:endParaRPr>
-          </a:p>
-          <a:p>
-            <a:pPr algn="ctr"/>
-            <a:r>
-              <a:rPr lang="en-GB" sz="4000" dirty="0">
-                <a:solidFill>
-                  <a:schemeClr val="bg1"/>
-                </a:solidFill>
-              </a:rPr>
-              <a:t>ADRI WILL CREATE IT</a:t>
-            </a:r>
-          </a:p>
-          <a:p>
-            <a:pPr algn="ctr"/>
-            <a:r>
-              <a:rPr lang="en-GB" sz="4000" dirty="0">
-                <a:solidFill>
-                  <a:schemeClr val="bg1"/>
-                </a:solidFill>
-              </a:rPr>
-              <a:t>WHEN EVERYONE FINISH CODING</a:t>
-            </a:r>
-          </a:p>
-        </p:txBody>
-      </p:sp>
-    </p:spTree>
-    <p:extLst>
-      <p:ext uri="{BB962C8B-B14F-4D97-AF65-F5344CB8AC3E}">
-        <p14:creationId xmlns:p14="http://schemas.microsoft.com/office/powerpoint/2010/main" val="3597413861"/>
-      </p:ext>
-    </p:extLst>
-  </p:cSld>
-  <p:clrMapOvr>
-    <a:masterClrMapping/>
-  </p:clrMapOvr>
-  <p:transition advClick="0" advTm="20000"/>
-</p:sld>
-</file>
-
-<file path=ppt/slides/slide11.xml><?xml version="1.0" encoding="utf-8"?>
-<p:sld xmlns:a="http://schemas.openxmlformats.org/drawingml/2006/main" xmlns:r="http://schemas.openxmlformats.org/officeDocument/2006/relationships" xmlns:p="http://schemas.openxmlformats.org/presentationml/2006/main">
-  <p:cSld>
-    <p:spTree>
-      <p:nvGrpSpPr>
-        <p:cNvPr id="1" name=""/>
-        <p:cNvGrpSpPr/>
-        <p:nvPr/>
-      </p:nvGrpSpPr>
-      <p:grpSpPr>
-        <a:xfrm>
-          <a:off x="0" y="0"/>
-          <a:ext cx="0" cy="0"/>
-          <a:chOff x="0" y="0"/>
-          <a:chExt cx="0" cy="0"/>
-        </a:xfrm>
-      </p:grpSpPr>
-      <p:sp>
-        <p:nvSpPr>
-          <p:cNvPr id="6148" name="Rectangle 4"/>
-          <p:cNvSpPr>
-            <a:spLocks noGrp="1" noChangeArrowheads="1"/>
-          </p:cNvSpPr>
-          <p:nvPr>
-            <p:ph type="title"/>
-          </p:nvPr>
-        </p:nvSpPr>
-        <p:spPr/>
-        <p:txBody>
-          <a:bodyPr/>
-          <a:lstStyle/>
-          <a:p>
-            <a:r>
-              <a:rPr lang="en-US" noProof="0" dirty="0"/>
-              <a:t>Implementation Models</a:t>
-            </a:r>
-          </a:p>
-        </p:txBody>
-      </p:sp>
-      <p:sp>
-        <p:nvSpPr>
-          <p:cNvPr id="4" name="Marcador de pie de página 3">
-            <a:extLst>
-              <a:ext uri="{FF2B5EF4-FFF2-40B4-BE49-F238E27FC236}">
-                <a16:creationId xmlns:a16="http://schemas.microsoft.com/office/drawing/2014/main" id="{AA6FBEFF-CEF2-904C-B8B7-ED1223BA9721}"/>
-              </a:ext>
-            </a:extLst>
-          </p:cNvPr>
-          <p:cNvSpPr>
-            <a:spLocks noGrp="1"/>
-          </p:cNvSpPr>
-          <p:nvPr>
-            <p:ph type="ftr" sz="quarter" idx="11"/>
-          </p:nvPr>
-        </p:nvSpPr>
-        <p:spPr/>
-        <p:txBody>
-          <a:bodyPr/>
-          <a:lstStyle/>
-          <a:p>
-            <a:r>
-              <a:rPr lang="en" dirty="0"/>
-              <a:t>Introduction to Software Engineering - Final Presentations</a:t>
-            </a:r>
-            <a:endParaRPr lang="en-US" dirty="0"/>
-          </a:p>
-        </p:txBody>
-      </p:sp>
-      <p:sp>
-        <p:nvSpPr>
-          <p:cNvPr id="2" name="Rectangle 1">
-            <a:extLst>
-              <a:ext uri="{FF2B5EF4-FFF2-40B4-BE49-F238E27FC236}">
-                <a16:creationId xmlns:a16="http://schemas.microsoft.com/office/drawing/2014/main" id="{43C31A82-FF86-4783-90C6-BFA185EDFB99}"/>
-              </a:ext>
-            </a:extLst>
-          </p:cNvPr>
-          <p:cNvSpPr/>
-          <p:nvPr/>
-        </p:nvSpPr>
-        <p:spPr>
-          <a:xfrm>
-            <a:off x="558266" y="1617111"/>
-            <a:ext cx="8021370" cy="4535786"/>
-          </a:xfrm>
-          <a:prstGeom prst="rect">
-            <a:avLst/>
-          </a:prstGeom>
-        </p:spPr>
-        <p:style>
-          <a:lnRef idx="1">
-            <a:schemeClr val="dk1"/>
-          </a:lnRef>
-          <a:fillRef idx="3">
-            <a:schemeClr val="dk1"/>
-          </a:fillRef>
-          <a:effectRef idx="2">
-            <a:schemeClr val="dk1"/>
-          </a:effectRef>
-          <a:fontRef idx="minor">
-            <a:schemeClr val="lt1"/>
-          </a:fontRef>
-        </p:style>
-        <p:txBody>
-          <a:bodyPr rtlCol="0" anchor="ctr"/>
-          <a:lstStyle/>
-          <a:p>
-            <a:pPr algn="ctr"/>
-            <a:endParaRPr lang="en-GB"/>
-          </a:p>
-        </p:txBody>
-      </p:sp>
-      <p:sp>
-        <p:nvSpPr>
-          <p:cNvPr id="3" name="TextBox 2">
-            <a:extLst>
-              <a:ext uri="{FF2B5EF4-FFF2-40B4-BE49-F238E27FC236}">
-                <a16:creationId xmlns:a16="http://schemas.microsoft.com/office/drawing/2014/main" id="{4F228E14-07ED-4C65-8B06-2D5B63CD7E64}"/>
-              </a:ext>
-            </a:extLst>
-          </p:cNvPr>
-          <p:cNvSpPr txBox="1"/>
-          <p:nvPr/>
-        </p:nvSpPr>
-        <p:spPr>
-          <a:xfrm>
-            <a:off x="902298" y="1995637"/>
-            <a:ext cx="7333307" cy="3785652"/>
-          </a:xfrm>
-          <a:prstGeom prst="rect">
-            <a:avLst/>
-          </a:prstGeom>
-          <a:noFill/>
-        </p:spPr>
-        <p:txBody>
-          <a:bodyPr wrap="square" rtlCol="0">
-            <a:spAutoFit/>
-          </a:bodyPr>
-          <a:lstStyle/>
-          <a:p>
-            <a:pPr algn="ctr"/>
-            <a:r>
-              <a:rPr lang="en-GB" sz="4000" dirty="0">
-                <a:solidFill>
-                  <a:schemeClr val="bg1"/>
-                </a:solidFill>
-              </a:rPr>
-              <a:t>NEED TO ADD</a:t>
-            </a:r>
-          </a:p>
-          <a:p>
-            <a:pPr algn="ctr"/>
-            <a:r>
-              <a:rPr lang="en-GB" sz="4000" dirty="0">
-                <a:solidFill>
-                  <a:schemeClr val="bg1"/>
-                </a:solidFill>
-              </a:rPr>
-              <a:t>REAL CLASS MODEL</a:t>
-            </a:r>
-          </a:p>
-          <a:p>
-            <a:pPr algn="ctr"/>
-            <a:endParaRPr lang="en-GB" sz="4000" dirty="0">
-              <a:solidFill>
-                <a:schemeClr val="bg1"/>
-              </a:solidFill>
-            </a:endParaRPr>
-          </a:p>
-          <a:p>
-            <a:pPr algn="ctr"/>
-            <a:r>
-              <a:rPr lang="en-GB" sz="4000" dirty="0">
-                <a:solidFill>
-                  <a:schemeClr val="bg1"/>
-                </a:solidFill>
-              </a:rPr>
-              <a:t>ADRI WILL CREATE IT</a:t>
-            </a:r>
-          </a:p>
-          <a:p>
-            <a:pPr algn="ctr"/>
-            <a:r>
-              <a:rPr lang="en-GB" sz="4000" dirty="0">
-                <a:solidFill>
-                  <a:schemeClr val="bg1"/>
-                </a:solidFill>
-              </a:rPr>
-              <a:t>WHEN EVERYONE FINISH CODING</a:t>
-            </a:r>
-          </a:p>
-        </p:txBody>
-      </p:sp>
-    </p:spTree>
-    <p:extLst>
-      <p:ext uri="{BB962C8B-B14F-4D97-AF65-F5344CB8AC3E}">
-        <p14:creationId xmlns:p14="http://schemas.microsoft.com/office/powerpoint/2010/main" val="2031227237"/>
-      </p:ext>
-    </p:extLst>
-  </p:cSld>
-  <p:clrMapOvr>
-    <a:masterClrMapping/>
-  </p:clrMapOvr>
-  <p:transition advClick="0" advTm="20000"/>
-</p:sld>
-</file>
-
-<file path=ppt/slides/slide2.xml><?xml version="1.0" encoding="utf-8"?>
-<p:sld xmlns:a="http://schemas.openxmlformats.org/drawingml/2006/main" xmlns:r="http://schemas.openxmlformats.org/officeDocument/2006/relationships" xmlns:p="http://schemas.openxmlformats.org/presentationml/2006/main">
-  <p:cSld>
-    <p:spTree>
-      <p:nvGrpSpPr>
-        <p:cNvPr id="1" name=""/>
-        <p:cNvGrpSpPr/>
-        <p:nvPr/>
-      </p:nvGrpSpPr>
-      <p:grpSpPr>
-        <a:xfrm>
-          <a:off x="0" y="0"/>
-          <a:ext cx="0" cy="0"/>
-          <a:chOff x="0" y="0"/>
-          <a:chExt cx="0" cy="0"/>
-        </a:xfrm>
-      </p:grpSpPr>
-      <p:sp>
-        <p:nvSpPr>
-          <p:cNvPr id="6148" name="Rectangle 4"/>
-          <p:cNvSpPr>
-            <a:spLocks noGrp="1" noChangeArrowheads="1"/>
-          </p:cNvSpPr>
-          <p:nvPr>
-            <p:ph type="title"/>
-          </p:nvPr>
-        </p:nvSpPr>
-        <p:spPr/>
-        <p:txBody>
-          <a:bodyPr/>
-          <a:lstStyle/>
-          <a:p>
-            <a:r>
-              <a:rPr lang="en-GB"/>
-              <a:t>Architecture</a:t>
-            </a:r>
-          </a:p>
-        </p:txBody>
-      </p:sp>
-      <p:sp>
-        <p:nvSpPr>
-          <p:cNvPr id="4" name="Marcador de pie de página 3">
-            <a:extLst>
-              <a:ext uri="{FF2B5EF4-FFF2-40B4-BE49-F238E27FC236}">
-                <a16:creationId xmlns:a16="http://schemas.microsoft.com/office/drawing/2014/main" id="{AA6FBEFF-CEF2-904C-B8B7-ED1223BA9721}"/>
-              </a:ext>
-            </a:extLst>
-          </p:cNvPr>
-          <p:cNvSpPr>
-            <a:spLocks noGrp="1"/>
-          </p:cNvSpPr>
-          <p:nvPr>
-            <p:ph type="ftr" sz="quarter" idx="11"/>
-          </p:nvPr>
-        </p:nvSpPr>
-        <p:spPr/>
-        <p:txBody>
-          <a:bodyPr/>
-          <a:lstStyle/>
-          <a:p>
-            <a:r>
-              <a:rPr lang="en" dirty="0"/>
-              <a:t>Introduction to Software Engineering - Final Presentations</a:t>
-            </a:r>
-            <a:endParaRPr lang="en-US" dirty="0"/>
-          </a:p>
-        </p:txBody>
-      </p:sp>
-      <p:sp>
-        <p:nvSpPr>
-          <p:cNvPr id="5" name="Content Placeholder 4">
-            <a:extLst>
-              <a:ext uri="{FF2B5EF4-FFF2-40B4-BE49-F238E27FC236}">
-                <a16:creationId xmlns:a16="http://schemas.microsoft.com/office/drawing/2014/main" id="{6AEB5F7E-82F0-42CB-AE55-EB8D47B571E3}"/>
-              </a:ext>
-            </a:extLst>
-          </p:cNvPr>
-          <p:cNvSpPr>
-            <a:spLocks noGrp="1"/>
-          </p:cNvSpPr>
-          <p:nvPr>
-            <p:ph sz="quarter" idx="1"/>
-          </p:nvPr>
-        </p:nvSpPr>
-        <p:spPr>
-          <a:xfrm>
-            <a:off x="301752" y="1527048"/>
-            <a:ext cx="8380521" cy="691051"/>
-          </a:xfrm>
-        </p:spPr>
-        <p:txBody>
-          <a:bodyPr/>
-          <a:lstStyle/>
-          <a:p>
-            <a:r>
-              <a:rPr lang="en-GB" dirty="0"/>
-              <a:t>This is how it works in our application</a:t>
-            </a:r>
-          </a:p>
-        </p:txBody>
-      </p:sp>
-      <p:sp>
-        <p:nvSpPr>
-          <p:cNvPr id="2" name="Rectangle: Rounded Corners 1">
-            <a:extLst>
-              <a:ext uri="{FF2B5EF4-FFF2-40B4-BE49-F238E27FC236}">
-                <a16:creationId xmlns:a16="http://schemas.microsoft.com/office/drawing/2014/main" id="{F47D14E6-9438-4CB4-BD86-C97C4A1ADAE1}"/>
-              </a:ext>
-            </a:extLst>
-          </p:cNvPr>
-          <p:cNvSpPr/>
-          <p:nvPr/>
-        </p:nvSpPr>
-        <p:spPr>
-          <a:xfrm>
-            <a:off x="483594" y="4654475"/>
-            <a:ext cx="1493821" cy="878186"/>
-          </a:xfrm>
-          <a:prstGeom prst="roundRect">
-            <a:avLst/>
-          </a:prstGeom>
-          <a:solidFill>
-            <a:schemeClr val="bg1"/>
-          </a:solidFill>
-          <a:ln w="28575">
-            <a:solidFill>
-              <a:srgbClr val="00B050"/>
-            </a:solidFill>
-          </a:ln>
-        </p:spPr>
-        <p:style>
-          <a:lnRef idx="1">
-            <a:schemeClr val="accent1"/>
-          </a:lnRef>
-          <a:fillRef idx="3">
-            <a:schemeClr val="accent1"/>
-          </a:fillRef>
-          <a:effectRef idx="2">
-            <a:schemeClr val="accent1"/>
-          </a:effectRef>
-          <a:fontRef idx="minor">
-            <a:schemeClr val="lt1"/>
-          </a:fontRef>
-        </p:style>
-        <p:txBody>
-          <a:bodyPr rtlCol="0" anchor="ctr"/>
-          <a:lstStyle/>
-          <a:p>
-            <a:pPr algn="ctr"/>
-            <a:endParaRPr lang="en-GB"/>
-          </a:p>
-        </p:txBody>
-      </p:sp>
-      <p:sp>
-        <p:nvSpPr>
-          <p:cNvPr id="6" name="Rectangle: Rounded Corners 5">
-            <a:extLst>
-              <a:ext uri="{FF2B5EF4-FFF2-40B4-BE49-F238E27FC236}">
-                <a16:creationId xmlns:a16="http://schemas.microsoft.com/office/drawing/2014/main" id="{E5FC6DF8-A25E-4250-9E5B-C76968641B84}"/>
-              </a:ext>
-            </a:extLst>
-          </p:cNvPr>
-          <p:cNvSpPr/>
-          <p:nvPr/>
-        </p:nvSpPr>
-        <p:spPr>
-          <a:xfrm>
-            <a:off x="3559881" y="4646046"/>
-            <a:ext cx="1493821" cy="878186"/>
-          </a:xfrm>
-          <a:prstGeom prst="roundRect">
-            <a:avLst/>
-          </a:prstGeom>
-          <a:solidFill>
-            <a:schemeClr val="bg1"/>
-          </a:solidFill>
-          <a:ln w="28575">
-            <a:solidFill>
-              <a:srgbClr val="FFFF00"/>
-            </a:solidFill>
-          </a:ln>
-          <a:scene3d>
-            <a:camera prst="orthographicFront" fov="0">
-              <a:rot lat="0" lon="0" rev="0"/>
-            </a:camera>
-            <a:lightRig rig="threePt" dir="t">
-              <a:rot lat="0" lon="0" rev="0"/>
-            </a:lightRig>
-          </a:scene3d>
-        </p:spPr>
-        <p:style>
-          <a:lnRef idx="1">
-            <a:schemeClr val="accent1"/>
-          </a:lnRef>
-          <a:fillRef idx="3">
-            <a:schemeClr val="accent1"/>
-          </a:fillRef>
-          <a:effectRef idx="2">
-            <a:schemeClr val="accent1"/>
-          </a:effectRef>
-          <a:fontRef idx="minor">
-            <a:schemeClr val="lt1"/>
-          </a:fontRef>
-        </p:style>
-        <p:txBody>
-          <a:bodyPr rtlCol="0" anchor="ctr"/>
-          <a:lstStyle/>
-          <a:p>
-            <a:pPr algn="ctr"/>
-            <a:endParaRPr lang="en-GB"/>
-          </a:p>
-        </p:txBody>
-      </p:sp>
-      <p:sp>
-        <p:nvSpPr>
-          <p:cNvPr id="7" name="Rectangle: Rounded Corners 6">
-            <a:extLst>
-              <a:ext uri="{FF2B5EF4-FFF2-40B4-BE49-F238E27FC236}">
-                <a16:creationId xmlns:a16="http://schemas.microsoft.com/office/drawing/2014/main" id="{260DC4C4-F0EC-496E-8E75-E9AC5AD29BB0}"/>
-              </a:ext>
-            </a:extLst>
-          </p:cNvPr>
-          <p:cNvSpPr/>
-          <p:nvPr/>
-        </p:nvSpPr>
-        <p:spPr>
-          <a:xfrm>
-            <a:off x="7166584" y="5294124"/>
-            <a:ext cx="1493821" cy="878186"/>
-          </a:xfrm>
-          <a:prstGeom prst="roundRect">
-            <a:avLst/>
-          </a:prstGeom>
-          <a:solidFill>
-            <a:schemeClr val="bg1"/>
-          </a:solidFill>
-          <a:ln w="28575">
-            <a:solidFill>
-              <a:srgbClr val="00B0F0"/>
-            </a:solidFill>
-          </a:ln>
-        </p:spPr>
-        <p:style>
-          <a:lnRef idx="1">
-            <a:schemeClr val="accent1"/>
-          </a:lnRef>
-          <a:fillRef idx="3">
-            <a:schemeClr val="accent1"/>
-          </a:fillRef>
-          <a:effectRef idx="2">
-            <a:schemeClr val="accent1"/>
-          </a:effectRef>
-          <a:fontRef idx="minor">
-            <a:schemeClr val="lt1"/>
-          </a:fontRef>
-        </p:style>
-        <p:txBody>
-          <a:bodyPr rtlCol="0" anchor="ctr"/>
-          <a:lstStyle/>
-          <a:p>
-            <a:pPr algn="ctr"/>
-            <a:endParaRPr lang="en-GB"/>
-          </a:p>
-        </p:txBody>
-      </p:sp>
-      <p:sp>
-        <p:nvSpPr>
-          <p:cNvPr id="9" name="Rectangle: Rounded Corners 8">
-            <a:extLst>
-              <a:ext uri="{FF2B5EF4-FFF2-40B4-BE49-F238E27FC236}">
-                <a16:creationId xmlns:a16="http://schemas.microsoft.com/office/drawing/2014/main" id="{565FBC1F-FB72-413A-88B5-390A75DFE171}"/>
-              </a:ext>
-            </a:extLst>
-          </p:cNvPr>
-          <p:cNvSpPr/>
-          <p:nvPr/>
-        </p:nvSpPr>
-        <p:spPr>
-          <a:xfrm>
-            <a:off x="7166584" y="2218099"/>
-            <a:ext cx="1493821" cy="878186"/>
-          </a:xfrm>
-          <a:prstGeom prst="roundRect">
-            <a:avLst/>
-          </a:prstGeom>
-          <a:solidFill>
-            <a:schemeClr val="bg1"/>
-          </a:solidFill>
-          <a:ln w="28575">
-            <a:solidFill>
-              <a:srgbClr val="00B0F0"/>
-            </a:solidFill>
-          </a:ln>
-        </p:spPr>
-        <p:style>
-          <a:lnRef idx="1">
-            <a:schemeClr val="accent1"/>
-          </a:lnRef>
-          <a:fillRef idx="3">
-            <a:schemeClr val="accent1"/>
-          </a:fillRef>
-          <a:effectRef idx="2">
-            <a:schemeClr val="accent1"/>
-          </a:effectRef>
-          <a:fontRef idx="minor">
-            <a:schemeClr val="lt1"/>
-          </a:fontRef>
-        </p:style>
-        <p:txBody>
-          <a:bodyPr rtlCol="0" anchor="ctr"/>
-          <a:lstStyle/>
-          <a:p>
-            <a:pPr algn="ctr"/>
-            <a:endParaRPr lang="en-GB"/>
-          </a:p>
-        </p:txBody>
-      </p:sp>
-      <p:sp>
-        <p:nvSpPr>
-          <p:cNvPr id="10" name="Rectangle: Rounded Corners 9">
-            <a:extLst>
-              <a:ext uri="{FF2B5EF4-FFF2-40B4-BE49-F238E27FC236}">
-                <a16:creationId xmlns:a16="http://schemas.microsoft.com/office/drawing/2014/main" id="{4C4E9B9F-D9A9-4A5D-A4BF-B3A409CEE3DE}"/>
-              </a:ext>
-            </a:extLst>
-          </p:cNvPr>
-          <p:cNvSpPr/>
-          <p:nvPr/>
-        </p:nvSpPr>
-        <p:spPr>
-          <a:xfrm>
-            <a:off x="7166584" y="3234718"/>
-            <a:ext cx="1493821" cy="878186"/>
-          </a:xfrm>
-          <a:prstGeom prst="roundRect">
-            <a:avLst/>
-          </a:prstGeom>
-          <a:solidFill>
-            <a:schemeClr val="bg1"/>
-          </a:solidFill>
-          <a:ln w="28575">
-            <a:solidFill>
-              <a:srgbClr val="00B0F0"/>
-            </a:solidFill>
-          </a:ln>
-        </p:spPr>
-        <p:style>
-          <a:lnRef idx="1">
-            <a:schemeClr val="accent1"/>
-          </a:lnRef>
-          <a:fillRef idx="3">
-            <a:schemeClr val="accent1"/>
-          </a:fillRef>
-          <a:effectRef idx="2">
-            <a:schemeClr val="accent1"/>
-          </a:effectRef>
-          <a:fontRef idx="minor">
-            <a:schemeClr val="lt1"/>
-          </a:fontRef>
-        </p:style>
-        <p:txBody>
-          <a:bodyPr rtlCol="0" anchor="ctr"/>
-          <a:lstStyle/>
-          <a:p>
-            <a:pPr algn="ctr"/>
-            <a:endParaRPr lang="en-GB"/>
-          </a:p>
-        </p:txBody>
-      </p:sp>
-      <p:sp>
-        <p:nvSpPr>
-          <p:cNvPr id="11" name="Rectangle: Rounded Corners 10">
-            <a:extLst>
-              <a:ext uri="{FF2B5EF4-FFF2-40B4-BE49-F238E27FC236}">
-                <a16:creationId xmlns:a16="http://schemas.microsoft.com/office/drawing/2014/main" id="{0EB732C8-AD7E-4D21-8DAF-F00C8C4B78C7}"/>
-              </a:ext>
-            </a:extLst>
-          </p:cNvPr>
-          <p:cNvSpPr/>
-          <p:nvPr/>
-        </p:nvSpPr>
-        <p:spPr>
-          <a:xfrm>
-            <a:off x="7166584" y="4264421"/>
-            <a:ext cx="1493821" cy="878186"/>
-          </a:xfrm>
-          <a:prstGeom prst="roundRect">
-            <a:avLst/>
-          </a:prstGeom>
-          <a:solidFill>
-            <a:schemeClr val="bg1"/>
-          </a:solidFill>
-          <a:ln w="28575">
-            <a:solidFill>
-              <a:srgbClr val="00B0F0"/>
-            </a:solidFill>
-          </a:ln>
-        </p:spPr>
-        <p:style>
-          <a:lnRef idx="1">
-            <a:schemeClr val="accent1"/>
-          </a:lnRef>
-          <a:fillRef idx="3">
-            <a:schemeClr val="accent1"/>
-          </a:fillRef>
-          <a:effectRef idx="2">
-            <a:schemeClr val="accent1"/>
-          </a:effectRef>
-          <a:fontRef idx="minor">
-            <a:schemeClr val="lt1"/>
-          </a:fontRef>
-        </p:style>
-        <p:txBody>
-          <a:bodyPr rtlCol="0" anchor="ctr"/>
-          <a:lstStyle/>
-          <a:p>
-            <a:pPr algn="ctr"/>
-            <a:endParaRPr lang="en-GB"/>
-          </a:p>
-        </p:txBody>
-      </p:sp>
-      <p:sp>
-        <p:nvSpPr>
-          <p:cNvPr id="12" name="Rectangle: Rounded Corners 11">
-            <a:extLst>
-              <a:ext uri="{FF2B5EF4-FFF2-40B4-BE49-F238E27FC236}">
-                <a16:creationId xmlns:a16="http://schemas.microsoft.com/office/drawing/2014/main" id="{768D3D7B-5C6E-43B0-AADB-CCADC53FCFE9}"/>
-              </a:ext>
-            </a:extLst>
-          </p:cNvPr>
-          <p:cNvSpPr/>
-          <p:nvPr/>
-        </p:nvSpPr>
-        <p:spPr>
-          <a:xfrm>
-            <a:off x="483595" y="2599099"/>
-            <a:ext cx="1493821" cy="878186"/>
-          </a:xfrm>
-          <a:prstGeom prst="roundRect">
-            <a:avLst/>
-          </a:prstGeom>
-          <a:solidFill>
-            <a:schemeClr val="bg1"/>
-          </a:solidFill>
-          <a:ln w="28575">
-            <a:solidFill>
-              <a:srgbClr val="00B050"/>
-            </a:solidFill>
-          </a:ln>
-        </p:spPr>
-        <p:style>
-          <a:lnRef idx="1">
-            <a:schemeClr val="accent1"/>
-          </a:lnRef>
-          <a:fillRef idx="3">
-            <a:schemeClr val="accent1"/>
-          </a:fillRef>
-          <a:effectRef idx="2">
-            <a:schemeClr val="accent1"/>
-          </a:effectRef>
-          <a:fontRef idx="minor">
-            <a:schemeClr val="lt1"/>
-          </a:fontRef>
-        </p:style>
-        <p:txBody>
-          <a:bodyPr rtlCol="0" anchor="ctr"/>
-          <a:lstStyle/>
-          <a:p>
-            <a:pPr algn="ctr"/>
-            <a:endParaRPr lang="en-GB"/>
-          </a:p>
-        </p:txBody>
-      </p:sp>
-      <p:sp>
-        <p:nvSpPr>
-          <p:cNvPr id="14" name="Rectangle: Rounded Corners 13">
-            <a:extLst>
-              <a:ext uri="{FF2B5EF4-FFF2-40B4-BE49-F238E27FC236}">
-                <a16:creationId xmlns:a16="http://schemas.microsoft.com/office/drawing/2014/main" id="{C27FC62E-0564-4A7B-8364-F299B750673C}"/>
-              </a:ext>
-            </a:extLst>
-          </p:cNvPr>
-          <p:cNvSpPr/>
-          <p:nvPr/>
-        </p:nvSpPr>
-        <p:spPr>
-          <a:xfrm>
-            <a:off x="3545177" y="2599239"/>
-            <a:ext cx="1493821" cy="878186"/>
-          </a:xfrm>
-          <a:prstGeom prst="roundRect">
-            <a:avLst/>
-          </a:prstGeom>
-          <a:solidFill>
-            <a:schemeClr val="bg1"/>
-          </a:solidFill>
-          <a:ln w="28575">
-            <a:solidFill>
-              <a:srgbClr val="FFFF00"/>
-            </a:solidFill>
-          </a:ln>
-        </p:spPr>
-        <p:style>
-          <a:lnRef idx="1">
-            <a:schemeClr val="accent1"/>
-          </a:lnRef>
-          <a:fillRef idx="3">
-            <a:schemeClr val="accent1"/>
-          </a:fillRef>
-          <a:effectRef idx="2">
-            <a:schemeClr val="accent1"/>
-          </a:effectRef>
-          <a:fontRef idx="minor">
-            <a:schemeClr val="lt1"/>
-          </a:fontRef>
-        </p:style>
-        <p:txBody>
-          <a:bodyPr rtlCol="0" anchor="ctr"/>
-          <a:lstStyle/>
-          <a:p>
-            <a:pPr algn="ctr"/>
-            <a:endParaRPr lang="en-GB"/>
-          </a:p>
-        </p:txBody>
-      </p:sp>
-      <p:sp>
-        <p:nvSpPr>
-          <p:cNvPr id="15" name="Rectangle: Rounded Corners 14">
-            <a:extLst>
-              <a:ext uri="{FF2B5EF4-FFF2-40B4-BE49-F238E27FC236}">
-                <a16:creationId xmlns:a16="http://schemas.microsoft.com/office/drawing/2014/main" id="{B44C0326-5585-4A66-A63B-64F238284765}"/>
-              </a:ext>
-            </a:extLst>
-          </p:cNvPr>
-          <p:cNvSpPr/>
-          <p:nvPr/>
-        </p:nvSpPr>
-        <p:spPr>
-          <a:xfrm>
-            <a:off x="483593" y="3622260"/>
-            <a:ext cx="1493821" cy="878186"/>
-          </a:xfrm>
-          <a:prstGeom prst="roundRect">
-            <a:avLst/>
-          </a:prstGeom>
-          <a:solidFill>
-            <a:schemeClr val="bg1"/>
-          </a:solidFill>
-          <a:ln w="28575">
-            <a:solidFill>
-              <a:srgbClr val="00B050"/>
-            </a:solidFill>
-          </a:ln>
-        </p:spPr>
-        <p:style>
-          <a:lnRef idx="1">
-            <a:schemeClr val="accent1"/>
-          </a:lnRef>
-          <a:fillRef idx="3">
-            <a:schemeClr val="accent1"/>
-          </a:fillRef>
-          <a:effectRef idx="2">
-            <a:schemeClr val="accent1"/>
-          </a:effectRef>
-          <a:fontRef idx="minor">
-            <a:schemeClr val="lt1"/>
-          </a:fontRef>
-        </p:style>
-        <p:txBody>
-          <a:bodyPr rtlCol="0" anchor="ctr"/>
-          <a:lstStyle/>
-          <a:p>
-            <a:pPr algn="ctr"/>
-            <a:endParaRPr lang="en-GB"/>
-          </a:p>
-        </p:txBody>
-      </p:sp>
-      <p:cxnSp>
-        <p:nvCxnSpPr>
-          <p:cNvPr id="20" name="Connector: Elbow 19">
-            <a:extLst>
-              <a:ext uri="{FF2B5EF4-FFF2-40B4-BE49-F238E27FC236}">
-                <a16:creationId xmlns:a16="http://schemas.microsoft.com/office/drawing/2014/main" id="{45D5ECA8-4003-4DF2-A8A6-3BD99494D7DF}"/>
-              </a:ext>
-            </a:extLst>
-          </p:cNvPr>
-          <p:cNvCxnSpPr>
-            <a:cxnSpLocks/>
-            <a:stCxn id="12" idx="3"/>
-            <a:endCxn id="14" idx="1"/>
-          </p:cNvCxnSpPr>
-          <p:nvPr/>
-        </p:nvCxnSpPr>
-        <p:spPr>
-          <a:xfrm>
-            <a:off x="1977416" y="3038192"/>
-            <a:ext cx="1567761" cy="140"/>
-          </a:xfrm>
-          <a:prstGeom prst="bentConnector3">
-            <a:avLst/>
-          </a:prstGeom>
-          <a:ln w="28575">
-            <a:solidFill>
-              <a:srgbClr val="00B050"/>
-            </a:solidFill>
-            <a:prstDash val="solid"/>
-            <a:tailEnd type="triangle"/>
-          </a:ln>
-        </p:spPr>
-        <p:style>
-          <a:lnRef idx="2">
-            <a:schemeClr val="accent1"/>
-          </a:lnRef>
-          <a:fillRef idx="0">
-            <a:schemeClr val="accent1"/>
-          </a:fillRef>
-          <a:effectRef idx="1">
-            <a:schemeClr val="accent1"/>
-          </a:effectRef>
-          <a:fontRef idx="minor">
-            <a:schemeClr val="tx1"/>
-          </a:fontRef>
-        </p:style>
-      </p:cxnSp>
-      <p:cxnSp>
-        <p:nvCxnSpPr>
-          <p:cNvPr id="37" name="Connector: Elbow 36">
-            <a:extLst>
-              <a:ext uri="{FF2B5EF4-FFF2-40B4-BE49-F238E27FC236}">
-                <a16:creationId xmlns:a16="http://schemas.microsoft.com/office/drawing/2014/main" id="{1257E4E9-1A3B-43DD-B3B7-45446928B3D3}"/>
-              </a:ext>
-            </a:extLst>
-          </p:cNvPr>
-          <p:cNvCxnSpPr>
-            <a:cxnSpLocks/>
-            <a:stCxn id="15" idx="3"/>
-            <a:endCxn id="14" idx="1"/>
-          </p:cNvCxnSpPr>
-          <p:nvPr/>
-        </p:nvCxnSpPr>
-        <p:spPr>
-          <a:xfrm flipV="1">
-            <a:off x="1977414" y="3038332"/>
-            <a:ext cx="1567763" cy="1023021"/>
-          </a:xfrm>
-          <a:prstGeom prst="bentConnector3">
-            <a:avLst>
-              <a:gd name="adj1" fmla="val 23436"/>
-            </a:avLst>
-          </a:prstGeom>
-          <a:ln w="28575">
-            <a:solidFill>
-              <a:srgbClr val="00B050"/>
-            </a:solidFill>
-            <a:prstDash val="solid"/>
-            <a:tailEnd type="triangle"/>
-          </a:ln>
-        </p:spPr>
-        <p:style>
-          <a:lnRef idx="2">
-            <a:schemeClr val="accent1"/>
-          </a:lnRef>
-          <a:fillRef idx="0">
-            <a:schemeClr val="accent1"/>
-          </a:fillRef>
-          <a:effectRef idx="1">
-            <a:schemeClr val="accent1"/>
-          </a:effectRef>
-          <a:fontRef idx="minor">
-            <a:schemeClr val="tx1"/>
-          </a:fontRef>
-        </p:style>
-      </p:cxnSp>
-      <p:cxnSp>
-        <p:nvCxnSpPr>
-          <p:cNvPr id="40" name="Connector: Elbow 39">
-            <a:extLst>
-              <a:ext uri="{FF2B5EF4-FFF2-40B4-BE49-F238E27FC236}">
-                <a16:creationId xmlns:a16="http://schemas.microsoft.com/office/drawing/2014/main" id="{68236A5C-6140-4152-A79B-1F08E987DDB5}"/>
-              </a:ext>
-            </a:extLst>
-          </p:cNvPr>
-          <p:cNvCxnSpPr>
-            <a:cxnSpLocks/>
-            <a:stCxn id="2" idx="3"/>
-            <a:endCxn id="14" idx="1"/>
-          </p:cNvCxnSpPr>
-          <p:nvPr/>
-        </p:nvCxnSpPr>
-        <p:spPr>
-          <a:xfrm flipV="1">
-            <a:off x="1977415" y="3038332"/>
-            <a:ext cx="1567762" cy="2055236"/>
-          </a:xfrm>
-          <a:prstGeom prst="bentConnector3">
-            <a:avLst>
-              <a:gd name="adj1" fmla="val 24014"/>
-            </a:avLst>
-          </a:prstGeom>
-          <a:ln w="28575">
-            <a:solidFill>
-              <a:srgbClr val="00B050"/>
-            </a:solidFill>
-            <a:prstDash val="solid"/>
-            <a:tailEnd type="triangle"/>
-          </a:ln>
-        </p:spPr>
-        <p:style>
-          <a:lnRef idx="2">
-            <a:schemeClr val="accent1"/>
-          </a:lnRef>
-          <a:fillRef idx="0">
-            <a:schemeClr val="accent1"/>
-          </a:fillRef>
-          <a:effectRef idx="1">
-            <a:schemeClr val="accent1"/>
-          </a:effectRef>
-          <a:fontRef idx="minor">
-            <a:schemeClr val="tx1"/>
-          </a:fontRef>
-        </p:style>
-      </p:cxnSp>
-      <p:cxnSp>
-        <p:nvCxnSpPr>
-          <p:cNvPr id="49" name="Connector: Elbow 48">
-            <a:extLst>
-              <a:ext uri="{FF2B5EF4-FFF2-40B4-BE49-F238E27FC236}">
-                <a16:creationId xmlns:a16="http://schemas.microsoft.com/office/drawing/2014/main" id="{6316970A-6947-489B-BC72-C55B85A07697}"/>
-              </a:ext>
-            </a:extLst>
-          </p:cNvPr>
-          <p:cNvCxnSpPr>
-            <a:cxnSpLocks/>
-            <a:stCxn id="6" idx="3"/>
-            <a:endCxn id="9" idx="1"/>
-          </p:cNvCxnSpPr>
-          <p:nvPr/>
-        </p:nvCxnSpPr>
-        <p:spPr>
-          <a:xfrm flipV="1">
-            <a:off x="5053702" y="2657192"/>
-            <a:ext cx="2112882" cy="2427947"/>
-          </a:xfrm>
-          <a:prstGeom prst="bentConnector3">
-            <a:avLst>
-              <a:gd name="adj1" fmla="val 81708"/>
-            </a:avLst>
-          </a:prstGeom>
-          <a:ln w="28575">
-            <a:solidFill>
-              <a:srgbClr val="00B0F0"/>
-            </a:solidFill>
-            <a:prstDash val="solid"/>
-            <a:tailEnd type="triangle"/>
-          </a:ln>
-        </p:spPr>
-        <p:style>
-          <a:lnRef idx="2">
-            <a:schemeClr val="accent1"/>
-          </a:lnRef>
-          <a:fillRef idx="0">
-            <a:schemeClr val="accent1"/>
-          </a:fillRef>
-          <a:effectRef idx="1">
-            <a:schemeClr val="accent1"/>
-          </a:effectRef>
-          <a:fontRef idx="minor">
-            <a:schemeClr val="tx1"/>
-          </a:fontRef>
-        </p:style>
-      </p:cxnSp>
-      <p:cxnSp>
-        <p:nvCxnSpPr>
-          <p:cNvPr id="52" name="Connector: Elbow 51">
-            <a:extLst>
-              <a:ext uri="{FF2B5EF4-FFF2-40B4-BE49-F238E27FC236}">
-                <a16:creationId xmlns:a16="http://schemas.microsoft.com/office/drawing/2014/main" id="{0A26A327-C969-453C-BB65-AB39E9170C21}"/>
-              </a:ext>
-            </a:extLst>
-          </p:cNvPr>
-          <p:cNvCxnSpPr>
-            <a:cxnSpLocks/>
-            <a:stCxn id="6" idx="3"/>
-            <a:endCxn id="10" idx="1"/>
-          </p:cNvCxnSpPr>
-          <p:nvPr/>
-        </p:nvCxnSpPr>
-        <p:spPr>
-          <a:xfrm flipV="1">
-            <a:off x="5053702" y="3673811"/>
-            <a:ext cx="2112882" cy="1411328"/>
-          </a:xfrm>
-          <a:prstGeom prst="bentConnector3">
-            <a:avLst>
-              <a:gd name="adj1" fmla="val 82137"/>
-            </a:avLst>
-          </a:prstGeom>
-          <a:ln w="28575">
-            <a:solidFill>
-              <a:srgbClr val="00B0F0"/>
-            </a:solidFill>
-            <a:prstDash val="solid"/>
-            <a:tailEnd type="triangle"/>
-          </a:ln>
-        </p:spPr>
-        <p:style>
-          <a:lnRef idx="2">
-            <a:schemeClr val="accent1"/>
-          </a:lnRef>
-          <a:fillRef idx="0">
-            <a:schemeClr val="accent1"/>
-          </a:fillRef>
-          <a:effectRef idx="1">
-            <a:schemeClr val="accent1"/>
-          </a:effectRef>
-          <a:fontRef idx="minor">
-            <a:schemeClr val="tx1"/>
-          </a:fontRef>
-        </p:style>
-      </p:cxnSp>
-      <p:cxnSp>
-        <p:nvCxnSpPr>
-          <p:cNvPr id="55" name="Connector: Elbow 54">
-            <a:extLst>
-              <a:ext uri="{FF2B5EF4-FFF2-40B4-BE49-F238E27FC236}">
-                <a16:creationId xmlns:a16="http://schemas.microsoft.com/office/drawing/2014/main" id="{D2630253-9CA2-476A-B4F6-BC21006C70BD}"/>
-              </a:ext>
-            </a:extLst>
-          </p:cNvPr>
-          <p:cNvCxnSpPr>
-            <a:cxnSpLocks/>
-            <a:stCxn id="6" idx="3"/>
-            <a:endCxn id="11" idx="1"/>
-          </p:cNvCxnSpPr>
-          <p:nvPr/>
-        </p:nvCxnSpPr>
-        <p:spPr>
-          <a:xfrm flipV="1">
-            <a:off x="5053702" y="4703514"/>
-            <a:ext cx="2112882" cy="381625"/>
-          </a:xfrm>
-          <a:prstGeom prst="bentConnector3">
-            <a:avLst>
-              <a:gd name="adj1" fmla="val 81708"/>
-            </a:avLst>
-          </a:prstGeom>
-          <a:ln w="28575">
-            <a:solidFill>
-              <a:srgbClr val="00B0F0"/>
-            </a:solidFill>
-            <a:prstDash val="solid"/>
-            <a:tailEnd type="triangle"/>
-          </a:ln>
-        </p:spPr>
-        <p:style>
-          <a:lnRef idx="2">
-            <a:schemeClr val="accent1"/>
-          </a:lnRef>
-          <a:fillRef idx="0">
-            <a:schemeClr val="accent1"/>
-          </a:fillRef>
-          <a:effectRef idx="1">
-            <a:schemeClr val="accent1"/>
-          </a:effectRef>
-          <a:fontRef idx="minor">
-            <a:schemeClr val="tx1"/>
-          </a:fontRef>
-        </p:style>
-      </p:cxnSp>
-      <p:cxnSp>
-        <p:nvCxnSpPr>
-          <p:cNvPr id="58" name="Connector: Elbow 57">
-            <a:extLst>
-              <a:ext uri="{FF2B5EF4-FFF2-40B4-BE49-F238E27FC236}">
-                <a16:creationId xmlns:a16="http://schemas.microsoft.com/office/drawing/2014/main" id="{E2C13D0B-AB48-4E94-9EDF-4E791448D156}"/>
-              </a:ext>
-            </a:extLst>
-          </p:cNvPr>
-          <p:cNvCxnSpPr>
-            <a:cxnSpLocks/>
-            <a:stCxn id="6" idx="3"/>
-            <a:endCxn id="7" idx="1"/>
-          </p:cNvCxnSpPr>
-          <p:nvPr/>
-        </p:nvCxnSpPr>
-        <p:spPr>
-          <a:xfrm>
             <a:off x="5053702" y="5085139"/>
             <a:ext cx="2112882" cy="648078"/>
           </a:xfrm>
@@ -11101,1180 +8830,7 @@
 </p:sld>
 </file>
 
-<file path=ppt/slides/slide3.xml><?xml version="1.0" encoding="utf-8"?>
-<p:sld xmlns:a="http://schemas.openxmlformats.org/drawingml/2006/main" xmlns:r="http://schemas.openxmlformats.org/officeDocument/2006/relationships" xmlns:p="http://schemas.openxmlformats.org/presentationml/2006/main">
-  <p:cSld>
-    <p:spTree>
-      <p:nvGrpSpPr>
-        <p:cNvPr id="1" name=""/>
-        <p:cNvGrpSpPr/>
-        <p:nvPr/>
-      </p:nvGrpSpPr>
-      <p:grpSpPr>
-        <a:xfrm>
-          <a:off x="0" y="0"/>
-          <a:ext cx="0" cy="0"/>
-          <a:chOff x="0" y="0"/>
-          <a:chExt cx="0" cy="0"/>
-        </a:xfrm>
-      </p:grpSpPr>
-      <p:sp>
-        <p:nvSpPr>
-          <p:cNvPr id="6148" name="Rectangle 4"/>
-          <p:cNvSpPr>
-            <a:spLocks noGrp="1" noChangeArrowheads="1"/>
-          </p:cNvSpPr>
-          <p:nvPr>
-            <p:ph type="title"/>
-          </p:nvPr>
-        </p:nvSpPr>
-        <p:spPr/>
-        <p:txBody>
-          <a:bodyPr/>
-          <a:lstStyle/>
-          <a:p>
-            <a:r>
-              <a:rPr lang="en-US" dirty="0"/>
-              <a:t>Architecture</a:t>
-            </a:r>
-            <a:endParaRPr lang="en-US" noProof="0" dirty="0"/>
-          </a:p>
-        </p:txBody>
-      </p:sp>
-      <p:sp>
-        <p:nvSpPr>
-          <p:cNvPr id="4" name="Marcador de pie de página 3">
-            <a:extLst>
-              <a:ext uri="{FF2B5EF4-FFF2-40B4-BE49-F238E27FC236}">
-                <a16:creationId xmlns:a16="http://schemas.microsoft.com/office/drawing/2014/main" id="{AA6FBEFF-CEF2-904C-B8B7-ED1223BA9721}"/>
-              </a:ext>
-            </a:extLst>
-          </p:cNvPr>
-          <p:cNvSpPr>
-            <a:spLocks noGrp="1"/>
-          </p:cNvSpPr>
-          <p:nvPr>
-            <p:ph type="ftr" sz="quarter" idx="11"/>
-          </p:nvPr>
-        </p:nvSpPr>
-        <p:spPr/>
-        <p:txBody>
-          <a:bodyPr/>
-          <a:lstStyle/>
-          <a:p>
-            <a:r>
-              <a:rPr lang="en" dirty="0"/>
-              <a:t>Introduction to Software Engineering - Final Presentations</a:t>
-            </a:r>
-            <a:endParaRPr lang="en-US" dirty="0"/>
-          </a:p>
-        </p:txBody>
-      </p:sp>
-      <p:sp>
-        <p:nvSpPr>
-          <p:cNvPr id="5" name="Content Placeholder 4">
-            <a:extLst>
-              <a:ext uri="{FF2B5EF4-FFF2-40B4-BE49-F238E27FC236}">
-                <a16:creationId xmlns:a16="http://schemas.microsoft.com/office/drawing/2014/main" id="{6AEB5F7E-82F0-42CB-AE55-EB8D47B571E3}"/>
-              </a:ext>
-            </a:extLst>
-          </p:cNvPr>
-          <p:cNvSpPr>
-            <a:spLocks noGrp="1"/>
-          </p:cNvSpPr>
-          <p:nvPr>
-            <p:ph sz="quarter" idx="1"/>
-          </p:nvPr>
-        </p:nvSpPr>
-        <p:spPr>
-          <a:xfrm>
-            <a:off x="301752" y="1527048"/>
-            <a:ext cx="8380521" cy="691051"/>
-          </a:xfrm>
-        </p:spPr>
-        <p:txBody>
-          <a:bodyPr/>
-          <a:lstStyle/>
-          <a:p>
-            <a:r>
-              <a:rPr lang="en-GB" dirty="0"/>
-              <a:t>Why did we picked Publish–subscribe pattern?</a:t>
-            </a:r>
-          </a:p>
-        </p:txBody>
-      </p:sp>
-      <p:sp>
-        <p:nvSpPr>
-          <p:cNvPr id="6" name="Content Placeholder 4">
-            <a:extLst>
-              <a:ext uri="{FF2B5EF4-FFF2-40B4-BE49-F238E27FC236}">
-                <a16:creationId xmlns:a16="http://schemas.microsoft.com/office/drawing/2014/main" id="{508B316C-E910-4107-A5BD-A9AC755E4FE2}"/>
-              </a:ext>
-            </a:extLst>
-          </p:cNvPr>
-          <p:cNvSpPr txBox="1">
-            <a:spLocks/>
-          </p:cNvSpPr>
-          <p:nvPr/>
-        </p:nvSpPr>
-        <p:spPr>
-          <a:xfrm>
-            <a:off x="669956" y="2222656"/>
-            <a:ext cx="8012316" cy="4188192"/>
-          </a:xfrm>
-          <a:prstGeom prst="rect">
-            <a:avLst/>
-          </a:prstGeom>
-        </p:spPr>
-        <p:txBody>
-          <a:bodyPr vert="horz">
-            <a:normAutofit/>
-          </a:bodyPr>
-          <a:lstStyle>
-            <a:lvl1pPr marL="274320" indent="-274320" algn="l" rtl="0" eaLnBrk="1" latinLnBrk="0" hangingPunct="1">
-              <a:spcBef>
-                <a:spcPct val="20000"/>
-              </a:spcBef>
-              <a:buClr>
-                <a:schemeClr val="accent1"/>
-              </a:buClr>
-              <a:buSzPct val="85000"/>
-              <a:buFont typeface="Wingdings 2"/>
-              <a:buChar char=""/>
-              <a:defRPr kumimoji="0" sz="2700" kern="1200">
-                <a:solidFill>
-                  <a:schemeClr val="tx1"/>
-                </a:solidFill>
-                <a:latin typeface="+mn-lt"/>
-                <a:ea typeface="+mn-ea"/>
-                <a:cs typeface="+mn-cs"/>
-              </a:defRPr>
-            </a:lvl1pPr>
-            <a:lvl2pPr marL="548640" indent="-274320" algn="l" rtl="0" eaLnBrk="1" latinLnBrk="0" hangingPunct="1">
-              <a:spcBef>
-                <a:spcPct val="20000"/>
-              </a:spcBef>
-              <a:buClr>
-                <a:schemeClr val="accent2"/>
-              </a:buClr>
-              <a:buSzPct val="70000"/>
-              <a:buFont typeface="Wingdings"/>
-              <a:buChar char=""/>
-              <a:defRPr kumimoji="0" sz="2200" kern="1200">
-                <a:solidFill>
-                  <a:schemeClr val="tx2"/>
-                </a:solidFill>
-                <a:latin typeface="+mn-lt"/>
-                <a:ea typeface="+mn-ea"/>
-                <a:cs typeface="+mn-cs"/>
-              </a:defRPr>
-            </a:lvl2pPr>
-            <a:lvl3pPr marL="822960" indent="-228600" algn="l" rtl="0" eaLnBrk="1" latinLnBrk="0" hangingPunct="1">
-              <a:spcBef>
-                <a:spcPct val="20000"/>
-              </a:spcBef>
-              <a:buClr>
-                <a:schemeClr val="accent3"/>
-              </a:buClr>
-              <a:buSzPct val="75000"/>
-              <a:buFont typeface="Wingdings 2"/>
-              <a:buChar char=""/>
-              <a:defRPr kumimoji="0" sz="2000" kern="1200">
-                <a:solidFill>
-                  <a:schemeClr val="tx1"/>
-                </a:solidFill>
-                <a:latin typeface="+mn-lt"/>
-                <a:ea typeface="+mn-ea"/>
-                <a:cs typeface="+mn-cs"/>
-              </a:defRPr>
-            </a:lvl3pPr>
-            <a:lvl4pPr marL="1097280" indent="-228600" algn="l" rtl="0" eaLnBrk="1" latinLnBrk="0" hangingPunct="1">
-              <a:spcBef>
-                <a:spcPct val="20000"/>
-              </a:spcBef>
-              <a:buClr>
-                <a:schemeClr val="accent4"/>
-              </a:buClr>
-              <a:buSzPct val="70000"/>
-              <a:buFont typeface="Wingdings"/>
-              <a:buChar char=""/>
-              <a:defRPr kumimoji="0" sz="2000" kern="1200">
-                <a:solidFill>
-                  <a:schemeClr val="tx2"/>
-                </a:solidFill>
-                <a:latin typeface="+mn-lt"/>
-                <a:ea typeface="+mn-ea"/>
-                <a:cs typeface="+mn-cs"/>
-              </a:defRPr>
-            </a:lvl4pPr>
-            <a:lvl5pPr marL="1371600" indent="-228600" algn="l" rtl="0" eaLnBrk="1" latinLnBrk="0" hangingPunct="1">
-              <a:spcBef>
-                <a:spcPct val="20000"/>
-              </a:spcBef>
-              <a:buClr>
-                <a:schemeClr val="accent5"/>
-              </a:buClr>
-              <a:buFontTx/>
-              <a:buChar char="•"/>
-              <a:defRPr kumimoji="0" sz="1800" kern="1200">
-                <a:solidFill>
-                  <a:schemeClr val="tx1"/>
-                </a:solidFill>
-                <a:latin typeface="+mn-lt"/>
-                <a:ea typeface="+mn-ea"/>
-                <a:cs typeface="+mn-cs"/>
-              </a:defRPr>
-            </a:lvl5pPr>
-            <a:lvl6pPr marL="1645920" indent="-182880" algn="l" rtl="0" eaLnBrk="1" latinLnBrk="0" hangingPunct="1">
-              <a:spcBef>
-                <a:spcPct val="20000"/>
-              </a:spcBef>
-              <a:buClr>
-                <a:schemeClr val="accent6"/>
-              </a:buClr>
-              <a:buSzPct val="80000"/>
-              <a:buFont typeface="Wingdings 2"/>
-              <a:buChar char=""/>
-              <a:defRPr kumimoji="0" sz="1800" kern="1200">
-                <a:solidFill>
-                  <a:schemeClr val="tx1"/>
-                </a:solidFill>
-                <a:latin typeface="+mn-lt"/>
-                <a:ea typeface="+mn-ea"/>
-                <a:cs typeface="+mn-cs"/>
-              </a:defRPr>
-            </a:lvl6pPr>
-            <a:lvl7pPr marL="1920240" indent="-182880" algn="l" rtl="0" eaLnBrk="1" latinLnBrk="0" hangingPunct="1">
-              <a:spcBef>
-                <a:spcPct val="20000"/>
-              </a:spcBef>
-              <a:buClr>
-                <a:schemeClr val="accent1">
-                  <a:shade val="75000"/>
-                </a:schemeClr>
-              </a:buClr>
-              <a:buSzPct val="90000"/>
-              <a:buChar char="•"/>
-              <a:defRPr kumimoji="0" sz="1600" kern="1200" baseline="0">
-                <a:solidFill>
-                  <a:schemeClr val="tx1"/>
-                </a:solidFill>
-                <a:latin typeface="+mn-lt"/>
-                <a:ea typeface="+mn-ea"/>
-                <a:cs typeface="+mn-cs"/>
-              </a:defRPr>
-            </a:lvl7pPr>
-            <a:lvl8pPr marL="2103120" indent="-182880" algn="l" rtl="0" eaLnBrk="1" latinLnBrk="0" hangingPunct="1">
-              <a:spcBef>
-                <a:spcPct val="20000"/>
-              </a:spcBef>
-              <a:buClr>
-                <a:schemeClr val="accent4">
-                  <a:shade val="75000"/>
-                </a:schemeClr>
-              </a:buClr>
-              <a:buChar char="•"/>
-              <a:defRPr kumimoji="0" sz="1600" kern="1200">
-                <a:solidFill>
-                  <a:schemeClr val="tx1"/>
-                </a:solidFill>
-                <a:latin typeface="+mn-lt"/>
-                <a:ea typeface="+mn-ea"/>
-                <a:cs typeface="+mn-cs"/>
-              </a:defRPr>
-            </a:lvl8pPr>
-            <a:lvl9pPr marL="2377440" indent="-182880" algn="l" rtl="0" eaLnBrk="1" latinLnBrk="0" hangingPunct="1">
-              <a:spcBef>
-                <a:spcPct val="20000"/>
-              </a:spcBef>
-              <a:buClr>
-                <a:schemeClr val="accent2">
-                  <a:shade val="75000"/>
-                </a:schemeClr>
-              </a:buClr>
-              <a:buSzPct val="90000"/>
-              <a:buChar char="•"/>
-              <a:defRPr kumimoji="0" sz="1400" kern="1200" cap="all" baseline="0">
-                <a:solidFill>
-                  <a:schemeClr val="tx1"/>
-                </a:solidFill>
-                <a:latin typeface="+mn-lt"/>
-                <a:ea typeface="+mn-ea"/>
-                <a:cs typeface="+mn-cs"/>
-              </a:defRPr>
-            </a:lvl9pPr>
-          </a:lstStyle>
-          <a:p>
-            <a:pPr>
-              <a:buFontTx/>
-              <a:buChar char="-"/>
-            </a:pPr>
-            <a:r>
-              <a:rPr lang="en-GB" sz="2200" dirty="0"/>
-              <a:t>A user may want to adopt a dog but the user does not want to check the rest of posts.</a:t>
-            </a:r>
-          </a:p>
-          <a:p>
-            <a:pPr>
-              <a:buFontTx/>
-              <a:buChar char="-"/>
-            </a:pPr>
-            <a:r>
-              <a:rPr lang="en-GB" sz="2200" dirty="0"/>
-              <a:t>A user may have lost his/her cat, and want to get notify if someone post a similar cat.</a:t>
-            </a:r>
-          </a:p>
-          <a:p>
-            <a:pPr>
-              <a:buFontTx/>
-              <a:buChar char="-"/>
-            </a:pPr>
-            <a:r>
-              <a:rPr lang="en-GB" sz="2200" dirty="0"/>
-              <a:t>Notifications are easy to implement following a Publish-subscribe pattern.</a:t>
-            </a:r>
-          </a:p>
-          <a:p>
-            <a:pPr>
-              <a:buFontTx/>
-              <a:buChar char="-"/>
-            </a:pPr>
-            <a:r>
-              <a:rPr lang="en-GB" sz="2200" dirty="0"/>
-              <a:t>The application is going to be very versatile to add future “tags” or conditions to get notified.</a:t>
-            </a:r>
-          </a:p>
-          <a:p>
-            <a:pPr>
-              <a:buFontTx/>
-              <a:buChar char="-"/>
-            </a:pPr>
-            <a:r>
-              <a:rPr lang="en-GB" sz="2200" dirty="0"/>
-              <a:t>A user doesn’t need to check the application several times to check what he/she wants</a:t>
-            </a:r>
-          </a:p>
-          <a:p>
-            <a:pPr marL="0" indent="0">
-              <a:buNone/>
-            </a:pPr>
-            <a:endParaRPr lang="en-GB" sz="2400" dirty="0"/>
-          </a:p>
-        </p:txBody>
-      </p:sp>
-    </p:spTree>
-    <p:extLst>
-      <p:ext uri="{BB962C8B-B14F-4D97-AF65-F5344CB8AC3E}">
-        <p14:creationId xmlns:p14="http://schemas.microsoft.com/office/powerpoint/2010/main" val="405623449"/>
-      </p:ext>
-    </p:extLst>
-  </p:cSld>
-  <p:clrMapOvr>
-    <a:masterClrMapping/>
-  </p:clrMapOvr>
-  <p:transition advClick="0" advTm="20000"/>
-</p:sld>
-</file>
-
-<file path=ppt/slides/slide4.xml><?xml version="1.0" encoding="utf-8"?>
-<p:sld xmlns:a="http://schemas.openxmlformats.org/drawingml/2006/main" xmlns:r="http://schemas.openxmlformats.org/officeDocument/2006/relationships" xmlns:p="http://schemas.openxmlformats.org/presentationml/2006/main">
-  <p:cSld>
-    <p:spTree>
-      <p:nvGrpSpPr>
-        <p:cNvPr id="1" name=""/>
-        <p:cNvGrpSpPr/>
-        <p:nvPr/>
-      </p:nvGrpSpPr>
-      <p:grpSpPr>
-        <a:xfrm>
-          <a:off x="0" y="0"/>
-          <a:ext cx="0" cy="0"/>
-          <a:chOff x="0" y="0"/>
-          <a:chExt cx="0" cy="0"/>
-        </a:xfrm>
-      </p:grpSpPr>
-      <p:sp>
-        <p:nvSpPr>
-          <p:cNvPr id="6148" name="Rectangle 4"/>
-          <p:cNvSpPr>
-            <a:spLocks noGrp="1" noChangeArrowheads="1"/>
-          </p:cNvSpPr>
-          <p:nvPr>
-            <p:ph type="title"/>
-          </p:nvPr>
-        </p:nvSpPr>
-        <p:spPr/>
-        <p:txBody>
-          <a:bodyPr/>
-          <a:lstStyle/>
-          <a:p>
-            <a:r>
-              <a:rPr lang="en-US" dirty="0"/>
-              <a:t>Architecture</a:t>
-            </a:r>
-            <a:endParaRPr lang="en-US" noProof="0" dirty="0"/>
-          </a:p>
-        </p:txBody>
-      </p:sp>
-      <p:sp>
-        <p:nvSpPr>
-          <p:cNvPr id="4" name="Marcador de pie de página 3">
-            <a:extLst>
-              <a:ext uri="{FF2B5EF4-FFF2-40B4-BE49-F238E27FC236}">
-                <a16:creationId xmlns:a16="http://schemas.microsoft.com/office/drawing/2014/main" id="{AA6FBEFF-CEF2-904C-B8B7-ED1223BA9721}"/>
-              </a:ext>
-            </a:extLst>
-          </p:cNvPr>
-          <p:cNvSpPr>
-            <a:spLocks noGrp="1"/>
-          </p:cNvSpPr>
-          <p:nvPr>
-            <p:ph type="ftr" sz="quarter" idx="11"/>
-          </p:nvPr>
-        </p:nvSpPr>
-        <p:spPr/>
-        <p:txBody>
-          <a:bodyPr/>
-          <a:lstStyle/>
-          <a:p>
-            <a:r>
-              <a:rPr lang="en" dirty="0"/>
-              <a:t>Introduction to Software Engineering - Final Presentations</a:t>
-            </a:r>
-            <a:endParaRPr lang="en-US" dirty="0"/>
-          </a:p>
-        </p:txBody>
-      </p:sp>
-      <p:sp>
-        <p:nvSpPr>
-          <p:cNvPr id="5" name="Content Placeholder 4">
-            <a:extLst>
-              <a:ext uri="{FF2B5EF4-FFF2-40B4-BE49-F238E27FC236}">
-                <a16:creationId xmlns:a16="http://schemas.microsoft.com/office/drawing/2014/main" id="{6AEB5F7E-82F0-42CB-AE55-EB8D47B571E3}"/>
-              </a:ext>
-            </a:extLst>
-          </p:cNvPr>
-          <p:cNvSpPr>
-            <a:spLocks noGrp="1"/>
-          </p:cNvSpPr>
-          <p:nvPr>
-            <p:ph sz="quarter" idx="1"/>
-          </p:nvPr>
-        </p:nvSpPr>
-        <p:spPr>
-          <a:xfrm>
-            <a:off x="301752" y="1527048"/>
-            <a:ext cx="8380521" cy="691051"/>
-          </a:xfrm>
-        </p:spPr>
-        <p:txBody>
-          <a:bodyPr/>
-          <a:lstStyle/>
-          <a:p>
-            <a:r>
-              <a:rPr lang="en-GB" dirty="0"/>
-              <a:t>Advantages</a:t>
-            </a:r>
-          </a:p>
-        </p:txBody>
-      </p:sp>
-      <p:sp>
-        <p:nvSpPr>
-          <p:cNvPr id="6" name="Content Placeholder 4">
-            <a:extLst>
-              <a:ext uri="{FF2B5EF4-FFF2-40B4-BE49-F238E27FC236}">
-                <a16:creationId xmlns:a16="http://schemas.microsoft.com/office/drawing/2014/main" id="{508B316C-E910-4107-A5BD-A9AC755E4FE2}"/>
-              </a:ext>
-            </a:extLst>
-          </p:cNvPr>
-          <p:cNvSpPr txBox="1">
-            <a:spLocks/>
-          </p:cNvSpPr>
-          <p:nvPr/>
-        </p:nvSpPr>
-        <p:spPr>
-          <a:xfrm>
-            <a:off x="669956" y="2076470"/>
-            <a:ext cx="8012316" cy="1698825"/>
-          </a:xfrm>
-          <a:prstGeom prst="rect">
-            <a:avLst/>
-          </a:prstGeom>
-        </p:spPr>
-        <p:txBody>
-          <a:bodyPr vert="horz">
-            <a:normAutofit/>
-          </a:bodyPr>
-          <a:lstStyle>
-            <a:lvl1pPr marL="274320" indent="-274320" algn="l" rtl="0" eaLnBrk="1" latinLnBrk="0" hangingPunct="1">
-              <a:spcBef>
-                <a:spcPct val="20000"/>
-              </a:spcBef>
-              <a:buClr>
-                <a:schemeClr val="accent1"/>
-              </a:buClr>
-              <a:buSzPct val="85000"/>
-              <a:buFont typeface="Wingdings 2"/>
-              <a:buChar char=""/>
-              <a:defRPr kumimoji="0" sz="2700" kern="1200">
-                <a:solidFill>
-                  <a:schemeClr val="tx1"/>
-                </a:solidFill>
-                <a:latin typeface="+mn-lt"/>
-                <a:ea typeface="+mn-ea"/>
-                <a:cs typeface="+mn-cs"/>
-              </a:defRPr>
-            </a:lvl1pPr>
-            <a:lvl2pPr marL="548640" indent="-274320" algn="l" rtl="0" eaLnBrk="1" latinLnBrk="0" hangingPunct="1">
-              <a:spcBef>
-                <a:spcPct val="20000"/>
-              </a:spcBef>
-              <a:buClr>
-                <a:schemeClr val="accent2"/>
-              </a:buClr>
-              <a:buSzPct val="70000"/>
-              <a:buFont typeface="Wingdings"/>
-              <a:buChar char=""/>
-              <a:defRPr kumimoji="0" sz="2200" kern="1200">
-                <a:solidFill>
-                  <a:schemeClr val="tx2"/>
-                </a:solidFill>
-                <a:latin typeface="+mn-lt"/>
-                <a:ea typeface="+mn-ea"/>
-                <a:cs typeface="+mn-cs"/>
-              </a:defRPr>
-            </a:lvl2pPr>
-            <a:lvl3pPr marL="822960" indent="-228600" algn="l" rtl="0" eaLnBrk="1" latinLnBrk="0" hangingPunct="1">
-              <a:spcBef>
-                <a:spcPct val="20000"/>
-              </a:spcBef>
-              <a:buClr>
-                <a:schemeClr val="accent3"/>
-              </a:buClr>
-              <a:buSzPct val="75000"/>
-              <a:buFont typeface="Wingdings 2"/>
-              <a:buChar char=""/>
-              <a:defRPr kumimoji="0" sz="2000" kern="1200">
-                <a:solidFill>
-                  <a:schemeClr val="tx1"/>
-                </a:solidFill>
-                <a:latin typeface="+mn-lt"/>
-                <a:ea typeface="+mn-ea"/>
-                <a:cs typeface="+mn-cs"/>
-              </a:defRPr>
-            </a:lvl3pPr>
-            <a:lvl4pPr marL="1097280" indent="-228600" algn="l" rtl="0" eaLnBrk="1" latinLnBrk="0" hangingPunct="1">
-              <a:spcBef>
-                <a:spcPct val="20000"/>
-              </a:spcBef>
-              <a:buClr>
-                <a:schemeClr val="accent4"/>
-              </a:buClr>
-              <a:buSzPct val="70000"/>
-              <a:buFont typeface="Wingdings"/>
-              <a:buChar char=""/>
-              <a:defRPr kumimoji="0" sz="2000" kern="1200">
-                <a:solidFill>
-                  <a:schemeClr val="tx2"/>
-                </a:solidFill>
-                <a:latin typeface="+mn-lt"/>
-                <a:ea typeface="+mn-ea"/>
-                <a:cs typeface="+mn-cs"/>
-              </a:defRPr>
-            </a:lvl4pPr>
-            <a:lvl5pPr marL="1371600" indent="-228600" algn="l" rtl="0" eaLnBrk="1" latinLnBrk="0" hangingPunct="1">
-              <a:spcBef>
-                <a:spcPct val="20000"/>
-              </a:spcBef>
-              <a:buClr>
-                <a:schemeClr val="accent5"/>
-              </a:buClr>
-              <a:buFontTx/>
-              <a:buChar char="•"/>
-              <a:defRPr kumimoji="0" sz="1800" kern="1200">
-                <a:solidFill>
-                  <a:schemeClr val="tx1"/>
-                </a:solidFill>
-                <a:latin typeface="+mn-lt"/>
-                <a:ea typeface="+mn-ea"/>
-                <a:cs typeface="+mn-cs"/>
-              </a:defRPr>
-            </a:lvl5pPr>
-            <a:lvl6pPr marL="1645920" indent="-182880" algn="l" rtl="0" eaLnBrk="1" latinLnBrk="0" hangingPunct="1">
-              <a:spcBef>
-                <a:spcPct val="20000"/>
-              </a:spcBef>
-              <a:buClr>
-                <a:schemeClr val="accent6"/>
-              </a:buClr>
-              <a:buSzPct val="80000"/>
-              <a:buFont typeface="Wingdings 2"/>
-              <a:buChar char=""/>
-              <a:defRPr kumimoji="0" sz="1800" kern="1200">
-                <a:solidFill>
-                  <a:schemeClr val="tx1"/>
-                </a:solidFill>
-                <a:latin typeface="+mn-lt"/>
-                <a:ea typeface="+mn-ea"/>
-                <a:cs typeface="+mn-cs"/>
-              </a:defRPr>
-            </a:lvl6pPr>
-            <a:lvl7pPr marL="1920240" indent="-182880" algn="l" rtl="0" eaLnBrk="1" latinLnBrk="0" hangingPunct="1">
-              <a:spcBef>
-                <a:spcPct val="20000"/>
-              </a:spcBef>
-              <a:buClr>
-                <a:schemeClr val="accent1">
-                  <a:shade val="75000"/>
-                </a:schemeClr>
-              </a:buClr>
-              <a:buSzPct val="90000"/>
-              <a:buChar char="•"/>
-              <a:defRPr kumimoji="0" sz="1600" kern="1200" baseline="0">
-                <a:solidFill>
-                  <a:schemeClr val="tx1"/>
-                </a:solidFill>
-                <a:latin typeface="+mn-lt"/>
-                <a:ea typeface="+mn-ea"/>
-                <a:cs typeface="+mn-cs"/>
-              </a:defRPr>
-            </a:lvl7pPr>
-            <a:lvl8pPr marL="2103120" indent="-182880" algn="l" rtl="0" eaLnBrk="1" latinLnBrk="0" hangingPunct="1">
-              <a:spcBef>
-                <a:spcPct val="20000"/>
-              </a:spcBef>
-              <a:buClr>
-                <a:schemeClr val="accent4">
-                  <a:shade val="75000"/>
-                </a:schemeClr>
-              </a:buClr>
-              <a:buChar char="•"/>
-              <a:defRPr kumimoji="0" sz="1600" kern="1200">
-                <a:solidFill>
-                  <a:schemeClr val="tx1"/>
-                </a:solidFill>
-                <a:latin typeface="+mn-lt"/>
-                <a:ea typeface="+mn-ea"/>
-                <a:cs typeface="+mn-cs"/>
-              </a:defRPr>
-            </a:lvl8pPr>
-            <a:lvl9pPr marL="2377440" indent="-182880" algn="l" rtl="0" eaLnBrk="1" latinLnBrk="0" hangingPunct="1">
-              <a:spcBef>
-                <a:spcPct val="20000"/>
-              </a:spcBef>
-              <a:buClr>
-                <a:schemeClr val="accent2">
-                  <a:shade val="75000"/>
-                </a:schemeClr>
-              </a:buClr>
-              <a:buSzPct val="90000"/>
-              <a:buChar char="•"/>
-              <a:defRPr kumimoji="0" sz="1400" kern="1200" cap="all" baseline="0">
-                <a:solidFill>
-                  <a:schemeClr val="tx1"/>
-                </a:solidFill>
-                <a:latin typeface="+mn-lt"/>
-                <a:ea typeface="+mn-ea"/>
-                <a:cs typeface="+mn-cs"/>
-              </a:defRPr>
-            </a:lvl9pPr>
-          </a:lstStyle>
-          <a:p>
-            <a:pPr>
-              <a:buFontTx/>
-              <a:buChar char="-"/>
-            </a:pPr>
-            <a:r>
-              <a:rPr lang="en-GB" sz="2200" dirty="0"/>
-              <a:t>Personalized notifications</a:t>
-            </a:r>
-          </a:p>
-          <a:p>
-            <a:pPr>
-              <a:buFontTx/>
-              <a:buChar char="-"/>
-            </a:pPr>
-            <a:r>
-              <a:rPr lang="en-GB" sz="2200" dirty="0"/>
-              <a:t>Client (User) does not need to check manually the app</a:t>
-            </a:r>
-          </a:p>
-          <a:p>
-            <a:pPr>
-              <a:buFontTx/>
-              <a:buChar char="-"/>
-            </a:pPr>
-            <a:r>
-              <a:rPr lang="en-GB" sz="2200" dirty="0"/>
-              <a:t>Scalability</a:t>
-            </a:r>
-          </a:p>
-          <a:p>
-            <a:pPr>
-              <a:buFontTx/>
-              <a:buChar char="-"/>
-            </a:pPr>
-            <a:r>
-              <a:rPr lang="en-GB" sz="2200" dirty="0"/>
-              <a:t>Loose Coupling (between Publishers-Subscribers)</a:t>
-            </a:r>
-          </a:p>
-        </p:txBody>
-      </p:sp>
-      <p:sp>
-        <p:nvSpPr>
-          <p:cNvPr id="11" name="Content Placeholder 4">
-            <a:extLst>
-              <a:ext uri="{FF2B5EF4-FFF2-40B4-BE49-F238E27FC236}">
-                <a16:creationId xmlns:a16="http://schemas.microsoft.com/office/drawing/2014/main" id="{DF8B654F-B07A-4DA7-8C24-891BCA77A454}"/>
-              </a:ext>
-            </a:extLst>
-          </p:cNvPr>
-          <p:cNvSpPr txBox="1">
-            <a:spLocks/>
-          </p:cNvSpPr>
-          <p:nvPr/>
-        </p:nvSpPr>
-        <p:spPr>
-          <a:xfrm>
-            <a:off x="304800" y="3633666"/>
-            <a:ext cx="8380521" cy="691051"/>
-          </a:xfrm>
-          <a:prstGeom prst="rect">
-            <a:avLst/>
-          </a:prstGeom>
-        </p:spPr>
-        <p:txBody>
-          <a:bodyPr vert="horz">
-            <a:normAutofit/>
-          </a:bodyPr>
-          <a:lstStyle>
-            <a:lvl1pPr marL="274320" indent="-274320" algn="l" rtl="0" eaLnBrk="1" latinLnBrk="0" hangingPunct="1">
-              <a:spcBef>
-                <a:spcPct val="20000"/>
-              </a:spcBef>
-              <a:buClr>
-                <a:schemeClr val="accent1"/>
-              </a:buClr>
-              <a:buSzPct val="85000"/>
-              <a:buFont typeface="Wingdings 2"/>
-              <a:buChar char=""/>
-              <a:defRPr kumimoji="0" sz="2700" kern="1200">
-                <a:solidFill>
-                  <a:schemeClr val="tx1"/>
-                </a:solidFill>
-                <a:latin typeface="+mn-lt"/>
-                <a:ea typeface="+mn-ea"/>
-                <a:cs typeface="+mn-cs"/>
-              </a:defRPr>
-            </a:lvl1pPr>
-            <a:lvl2pPr marL="548640" indent="-274320" algn="l" rtl="0" eaLnBrk="1" latinLnBrk="0" hangingPunct="1">
-              <a:spcBef>
-                <a:spcPct val="20000"/>
-              </a:spcBef>
-              <a:buClr>
-                <a:schemeClr val="accent2"/>
-              </a:buClr>
-              <a:buSzPct val="70000"/>
-              <a:buFont typeface="Wingdings"/>
-              <a:buChar char=""/>
-              <a:defRPr kumimoji="0" sz="2200" kern="1200">
-                <a:solidFill>
-                  <a:schemeClr val="tx2"/>
-                </a:solidFill>
-                <a:latin typeface="+mn-lt"/>
-                <a:ea typeface="+mn-ea"/>
-                <a:cs typeface="+mn-cs"/>
-              </a:defRPr>
-            </a:lvl2pPr>
-            <a:lvl3pPr marL="822960" indent="-228600" algn="l" rtl="0" eaLnBrk="1" latinLnBrk="0" hangingPunct="1">
-              <a:spcBef>
-                <a:spcPct val="20000"/>
-              </a:spcBef>
-              <a:buClr>
-                <a:schemeClr val="accent3"/>
-              </a:buClr>
-              <a:buSzPct val="75000"/>
-              <a:buFont typeface="Wingdings 2"/>
-              <a:buChar char=""/>
-              <a:defRPr kumimoji="0" sz="2000" kern="1200">
-                <a:solidFill>
-                  <a:schemeClr val="tx1"/>
-                </a:solidFill>
-                <a:latin typeface="+mn-lt"/>
-                <a:ea typeface="+mn-ea"/>
-                <a:cs typeface="+mn-cs"/>
-              </a:defRPr>
-            </a:lvl3pPr>
-            <a:lvl4pPr marL="1097280" indent="-228600" algn="l" rtl="0" eaLnBrk="1" latinLnBrk="0" hangingPunct="1">
-              <a:spcBef>
-                <a:spcPct val="20000"/>
-              </a:spcBef>
-              <a:buClr>
-                <a:schemeClr val="accent4"/>
-              </a:buClr>
-              <a:buSzPct val="70000"/>
-              <a:buFont typeface="Wingdings"/>
-              <a:buChar char=""/>
-              <a:defRPr kumimoji="0" sz="2000" kern="1200">
-                <a:solidFill>
-                  <a:schemeClr val="tx2"/>
-                </a:solidFill>
-                <a:latin typeface="+mn-lt"/>
-                <a:ea typeface="+mn-ea"/>
-                <a:cs typeface="+mn-cs"/>
-              </a:defRPr>
-            </a:lvl4pPr>
-            <a:lvl5pPr marL="1371600" indent="-228600" algn="l" rtl="0" eaLnBrk="1" latinLnBrk="0" hangingPunct="1">
-              <a:spcBef>
-                <a:spcPct val="20000"/>
-              </a:spcBef>
-              <a:buClr>
-                <a:schemeClr val="accent5"/>
-              </a:buClr>
-              <a:buFontTx/>
-              <a:buChar char="•"/>
-              <a:defRPr kumimoji="0" sz="1800" kern="1200">
-                <a:solidFill>
-                  <a:schemeClr val="tx1"/>
-                </a:solidFill>
-                <a:latin typeface="+mn-lt"/>
-                <a:ea typeface="+mn-ea"/>
-                <a:cs typeface="+mn-cs"/>
-              </a:defRPr>
-            </a:lvl5pPr>
-            <a:lvl6pPr marL="1645920" indent="-182880" algn="l" rtl="0" eaLnBrk="1" latinLnBrk="0" hangingPunct="1">
-              <a:spcBef>
-                <a:spcPct val="20000"/>
-              </a:spcBef>
-              <a:buClr>
-                <a:schemeClr val="accent6"/>
-              </a:buClr>
-              <a:buSzPct val="80000"/>
-              <a:buFont typeface="Wingdings 2"/>
-              <a:buChar char=""/>
-              <a:defRPr kumimoji="0" sz="1800" kern="1200">
-                <a:solidFill>
-                  <a:schemeClr val="tx1"/>
-                </a:solidFill>
-                <a:latin typeface="+mn-lt"/>
-                <a:ea typeface="+mn-ea"/>
-                <a:cs typeface="+mn-cs"/>
-              </a:defRPr>
-            </a:lvl6pPr>
-            <a:lvl7pPr marL="1920240" indent="-182880" algn="l" rtl="0" eaLnBrk="1" latinLnBrk="0" hangingPunct="1">
-              <a:spcBef>
-                <a:spcPct val="20000"/>
-              </a:spcBef>
-              <a:buClr>
-                <a:schemeClr val="accent1">
-                  <a:shade val="75000"/>
-                </a:schemeClr>
-              </a:buClr>
-              <a:buSzPct val="90000"/>
-              <a:buChar char="•"/>
-              <a:defRPr kumimoji="0" sz="1600" kern="1200" baseline="0">
-                <a:solidFill>
-                  <a:schemeClr val="tx1"/>
-                </a:solidFill>
-                <a:latin typeface="+mn-lt"/>
-                <a:ea typeface="+mn-ea"/>
-                <a:cs typeface="+mn-cs"/>
-              </a:defRPr>
-            </a:lvl7pPr>
-            <a:lvl8pPr marL="2103120" indent="-182880" algn="l" rtl="0" eaLnBrk="1" latinLnBrk="0" hangingPunct="1">
-              <a:spcBef>
-                <a:spcPct val="20000"/>
-              </a:spcBef>
-              <a:buClr>
-                <a:schemeClr val="accent4">
-                  <a:shade val="75000"/>
-                </a:schemeClr>
-              </a:buClr>
-              <a:buChar char="•"/>
-              <a:defRPr kumimoji="0" sz="1600" kern="1200">
-                <a:solidFill>
-                  <a:schemeClr val="tx1"/>
-                </a:solidFill>
-                <a:latin typeface="+mn-lt"/>
-                <a:ea typeface="+mn-ea"/>
-                <a:cs typeface="+mn-cs"/>
-              </a:defRPr>
-            </a:lvl8pPr>
-            <a:lvl9pPr marL="2377440" indent="-182880" algn="l" rtl="0" eaLnBrk="1" latinLnBrk="0" hangingPunct="1">
-              <a:spcBef>
-                <a:spcPct val="20000"/>
-              </a:spcBef>
-              <a:buClr>
-                <a:schemeClr val="accent2">
-                  <a:shade val="75000"/>
-                </a:schemeClr>
-              </a:buClr>
-              <a:buSzPct val="90000"/>
-              <a:buChar char="•"/>
-              <a:defRPr kumimoji="0" sz="1400" kern="1200" cap="all" baseline="0">
-                <a:solidFill>
-                  <a:schemeClr val="tx1"/>
-                </a:solidFill>
-                <a:latin typeface="+mn-lt"/>
-                <a:ea typeface="+mn-ea"/>
-                <a:cs typeface="+mn-cs"/>
-              </a:defRPr>
-            </a:lvl9pPr>
-          </a:lstStyle>
-          <a:p>
-            <a:r>
-              <a:rPr lang="en-GB" dirty="0"/>
-              <a:t>Disadvantages</a:t>
-            </a:r>
-          </a:p>
-        </p:txBody>
-      </p:sp>
-      <p:sp>
-        <p:nvSpPr>
-          <p:cNvPr id="12" name="Content Placeholder 4">
-            <a:extLst>
-              <a:ext uri="{FF2B5EF4-FFF2-40B4-BE49-F238E27FC236}">
-                <a16:creationId xmlns:a16="http://schemas.microsoft.com/office/drawing/2014/main" id="{779FC5E6-7605-4C7C-AC87-D0A0C45489C9}"/>
-              </a:ext>
-            </a:extLst>
-          </p:cNvPr>
-          <p:cNvSpPr txBox="1">
-            <a:spLocks/>
-          </p:cNvSpPr>
-          <p:nvPr/>
-        </p:nvSpPr>
-        <p:spPr>
-          <a:xfrm>
-            <a:off x="673004" y="4183088"/>
-            <a:ext cx="8012316" cy="2045696"/>
-          </a:xfrm>
-          <a:prstGeom prst="rect">
-            <a:avLst/>
-          </a:prstGeom>
-        </p:spPr>
-        <p:txBody>
-          <a:bodyPr vert="horz">
-            <a:normAutofit/>
-          </a:bodyPr>
-          <a:lstStyle>
-            <a:lvl1pPr marL="274320" indent="-274320" algn="l" rtl="0" eaLnBrk="1" latinLnBrk="0" hangingPunct="1">
-              <a:spcBef>
-                <a:spcPct val="20000"/>
-              </a:spcBef>
-              <a:buClr>
-                <a:schemeClr val="accent1"/>
-              </a:buClr>
-              <a:buSzPct val="85000"/>
-              <a:buFont typeface="Wingdings 2"/>
-              <a:buChar char=""/>
-              <a:defRPr kumimoji="0" sz="2700" kern="1200">
-                <a:solidFill>
-                  <a:schemeClr val="tx1"/>
-                </a:solidFill>
-                <a:latin typeface="+mn-lt"/>
-                <a:ea typeface="+mn-ea"/>
-                <a:cs typeface="+mn-cs"/>
-              </a:defRPr>
-            </a:lvl1pPr>
-            <a:lvl2pPr marL="548640" indent="-274320" algn="l" rtl="0" eaLnBrk="1" latinLnBrk="0" hangingPunct="1">
-              <a:spcBef>
-                <a:spcPct val="20000"/>
-              </a:spcBef>
-              <a:buClr>
-                <a:schemeClr val="accent2"/>
-              </a:buClr>
-              <a:buSzPct val="70000"/>
-              <a:buFont typeface="Wingdings"/>
-              <a:buChar char=""/>
-              <a:defRPr kumimoji="0" sz="2200" kern="1200">
-                <a:solidFill>
-                  <a:schemeClr val="tx2"/>
-                </a:solidFill>
-                <a:latin typeface="+mn-lt"/>
-                <a:ea typeface="+mn-ea"/>
-                <a:cs typeface="+mn-cs"/>
-              </a:defRPr>
-            </a:lvl2pPr>
-            <a:lvl3pPr marL="822960" indent="-228600" algn="l" rtl="0" eaLnBrk="1" latinLnBrk="0" hangingPunct="1">
-              <a:spcBef>
-                <a:spcPct val="20000"/>
-              </a:spcBef>
-              <a:buClr>
-                <a:schemeClr val="accent3"/>
-              </a:buClr>
-              <a:buSzPct val="75000"/>
-              <a:buFont typeface="Wingdings 2"/>
-              <a:buChar char=""/>
-              <a:defRPr kumimoji="0" sz="2000" kern="1200">
-                <a:solidFill>
-                  <a:schemeClr val="tx1"/>
-                </a:solidFill>
-                <a:latin typeface="+mn-lt"/>
-                <a:ea typeface="+mn-ea"/>
-                <a:cs typeface="+mn-cs"/>
-              </a:defRPr>
-            </a:lvl3pPr>
-            <a:lvl4pPr marL="1097280" indent="-228600" algn="l" rtl="0" eaLnBrk="1" latinLnBrk="0" hangingPunct="1">
-              <a:spcBef>
-                <a:spcPct val="20000"/>
-              </a:spcBef>
-              <a:buClr>
-                <a:schemeClr val="accent4"/>
-              </a:buClr>
-              <a:buSzPct val="70000"/>
-              <a:buFont typeface="Wingdings"/>
-              <a:buChar char=""/>
-              <a:defRPr kumimoji="0" sz="2000" kern="1200">
-                <a:solidFill>
-                  <a:schemeClr val="tx2"/>
-                </a:solidFill>
-                <a:latin typeface="+mn-lt"/>
-                <a:ea typeface="+mn-ea"/>
-                <a:cs typeface="+mn-cs"/>
-              </a:defRPr>
-            </a:lvl4pPr>
-            <a:lvl5pPr marL="1371600" indent="-228600" algn="l" rtl="0" eaLnBrk="1" latinLnBrk="0" hangingPunct="1">
-              <a:spcBef>
-                <a:spcPct val="20000"/>
-              </a:spcBef>
-              <a:buClr>
-                <a:schemeClr val="accent5"/>
-              </a:buClr>
-              <a:buFontTx/>
-              <a:buChar char="•"/>
-              <a:defRPr kumimoji="0" sz="1800" kern="1200">
-                <a:solidFill>
-                  <a:schemeClr val="tx1"/>
-                </a:solidFill>
-                <a:latin typeface="+mn-lt"/>
-                <a:ea typeface="+mn-ea"/>
-                <a:cs typeface="+mn-cs"/>
-              </a:defRPr>
-            </a:lvl5pPr>
-            <a:lvl6pPr marL="1645920" indent="-182880" algn="l" rtl="0" eaLnBrk="1" latinLnBrk="0" hangingPunct="1">
-              <a:spcBef>
-                <a:spcPct val="20000"/>
-              </a:spcBef>
-              <a:buClr>
-                <a:schemeClr val="accent6"/>
-              </a:buClr>
-              <a:buSzPct val="80000"/>
-              <a:buFont typeface="Wingdings 2"/>
-              <a:buChar char=""/>
-              <a:defRPr kumimoji="0" sz="1800" kern="1200">
-                <a:solidFill>
-                  <a:schemeClr val="tx1"/>
-                </a:solidFill>
-                <a:latin typeface="+mn-lt"/>
-                <a:ea typeface="+mn-ea"/>
-                <a:cs typeface="+mn-cs"/>
-              </a:defRPr>
-            </a:lvl6pPr>
-            <a:lvl7pPr marL="1920240" indent="-182880" algn="l" rtl="0" eaLnBrk="1" latinLnBrk="0" hangingPunct="1">
-              <a:spcBef>
-                <a:spcPct val="20000"/>
-              </a:spcBef>
-              <a:buClr>
-                <a:schemeClr val="accent1">
-                  <a:shade val="75000"/>
-                </a:schemeClr>
-              </a:buClr>
-              <a:buSzPct val="90000"/>
-              <a:buChar char="•"/>
-              <a:defRPr kumimoji="0" sz="1600" kern="1200" baseline="0">
-                <a:solidFill>
-                  <a:schemeClr val="tx1"/>
-                </a:solidFill>
-                <a:latin typeface="+mn-lt"/>
-                <a:ea typeface="+mn-ea"/>
-                <a:cs typeface="+mn-cs"/>
-              </a:defRPr>
-            </a:lvl7pPr>
-            <a:lvl8pPr marL="2103120" indent="-182880" algn="l" rtl="0" eaLnBrk="1" latinLnBrk="0" hangingPunct="1">
-              <a:spcBef>
-                <a:spcPct val="20000"/>
-              </a:spcBef>
-              <a:buClr>
-                <a:schemeClr val="accent4">
-                  <a:shade val="75000"/>
-                </a:schemeClr>
-              </a:buClr>
-              <a:buChar char="•"/>
-              <a:defRPr kumimoji="0" sz="1600" kern="1200">
-                <a:solidFill>
-                  <a:schemeClr val="tx1"/>
-                </a:solidFill>
-                <a:latin typeface="+mn-lt"/>
-                <a:ea typeface="+mn-ea"/>
-                <a:cs typeface="+mn-cs"/>
-              </a:defRPr>
-            </a:lvl8pPr>
-            <a:lvl9pPr marL="2377440" indent="-182880" algn="l" rtl="0" eaLnBrk="1" latinLnBrk="0" hangingPunct="1">
-              <a:spcBef>
-                <a:spcPct val="20000"/>
-              </a:spcBef>
-              <a:buClr>
-                <a:schemeClr val="accent2">
-                  <a:shade val="75000"/>
-                </a:schemeClr>
-              </a:buClr>
-              <a:buSzPct val="90000"/>
-              <a:buChar char="•"/>
-              <a:defRPr kumimoji="0" sz="1400" kern="1200" cap="all" baseline="0">
-                <a:solidFill>
-                  <a:schemeClr val="tx1"/>
-                </a:solidFill>
-                <a:latin typeface="+mn-lt"/>
-                <a:ea typeface="+mn-ea"/>
-                <a:cs typeface="+mn-cs"/>
-              </a:defRPr>
-            </a:lvl9pPr>
-          </a:lstStyle>
-          <a:p>
-            <a:pPr>
-              <a:buFontTx/>
-              <a:buChar char="-"/>
-            </a:pPr>
-            <a:r>
-              <a:rPr lang="en-GB" sz="2200" dirty="0"/>
-              <a:t>As the system grows, it becomes slower (Need to check if there is any subscriber waiting for that “published post”)</a:t>
-            </a:r>
-          </a:p>
-          <a:p>
-            <a:pPr>
-              <a:buFontTx/>
-              <a:buChar char="-"/>
-            </a:pPr>
-            <a:r>
-              <a:rPr lang="en-GB" sz="2200" dirty="0"/>
-              <a:t>Loose Coupling has a side effect, publishers can not know if the subscribers have received the notification, as there is a loose couple between Publishers-Subscribers</a:t>
-            </a:r>
-          </a:p>
-          <a:p>
-            <a:pPr>
-              <a:buFontTx/>
-              <a:buChar char="-"/>
-            </a:pPr>
-            <a:endParaRPr lang="en-GB" sz="2200" dirty="0"/>
-          </a:p>
-        </p:txBody>
-      </p:sp>
-    </p:spTree>
-    <p:extLst>
-      <p:ext uri="{BB962C8B-B14F-4D97-AF65-F5344CB8AC3E}">
-        <p14:creationId xmlns:p14="http://schemas.microsoft.com/office/powerpoint/2010/main" val="3570306486"/>
-      </p:ext>
-    </p:extLst>
-  </p:cSld>
-  <p:clrMapOvr>
-    <a:masterClrMapping/>
-  </p:clrMapOvr>
-  <p:transition advClick="0" advTm="20000"/>
-</p:sld>
-</file>
-
-<file path=ppt/slides/slide5.xml><?xml version="1.0" encoding="utf-8"?>
+<file path=ppt/slides/slide2.xml><?xml version="1.0" encoding="utf-8"?>
 <p:sld xmlns:a="http://schemas.openxmlformats.org/drawingml/2006/main" xmlns:r="http://schemas.openxmlformats.org/officeDocument/2006/relationships" xmlns:p="http://schemas.openxmlformats.org/presentationml/2006/main">
   <p:cSld>
     <p:spTree>
@@ -12449,157 +9005,7 @@
 </p:sld>
 </file>
 
-<file path=ppt/slides/slide6.xml><?xml version="1.0" encoding="utf-8"?>
-<p:sld xmlns:a="http://schemas.openxmlformats.org/drawingml/2006/main" xmlns:r="http://schemas.openxmlformats.org/officeDocument/2006/relationships" xmlns:p="http://schemas.openxmlformats.org/presentationml/2006/main">
-  <p:cSld>
-    <p:spTree>
-      <p:nvGrpSpPr>
-        <p:cNvPr id="1" name=""/>
-        <p:cNvGrpSpPr/>
-        <p:nvPr/>
-      </p:nvGrpSpPr>
-      <p:grpSpPr>
-        <a:xfrm>
-          <a:off x="0" y="0"/>
-          <a:ext cx="0" cy="0"/>
-          <a:chOff x="0" y="0"/>
-          <a:chExt cx="0" cy="0"/>
-        </a:xfrm>
-      </p:grpSpPr>
-      <p:pic>
-        <p:nvPicPr>
-          <p:cNvPr id="3" name="Picture 2">
-            <a:extLst>
-              <a:ext uri="{FF2B5EF4-FFF2-40B4-BE49-F238E27FC236}">
-                <a16:creationId xmlns:a16="http://schemas.microsoft.com/office/drawing/2014/main" id="{3BF05BF9-6C71-4CC7-BA0B-1BE23272949E}"/>
-              </a:ext>
-            </a:extLst>
-          </p:cNvPr>
-          <p:cNvPicPr>
-            <a:picLocks noChangeAspect="1"/>
-          </p:cNvPicPr>
-          <p:nvPr/>
-        </p:nvPicPr>
-        <p:blipFill rotWithShape="1">
-          <a:blip r:embed="rId3" cstate="email">
-            <a:extLst>
-              <a:ext uri="{28A0092B-C50C-407E-A947-70E740481C1C}">
-                <a14:useLocalDpi xmlns:a14="http://schemas.microsoft.com/office/drawing/2010/main" val="0"/>
-              </a:ext>
-            </a:extLst>
-          </a:blip>
-          <a:srcRect l="16692" t="5127" r="7769" b="7201"/>
-          <a:stretch/>
-        </p:blipFill>
-        <p:spPr>
-          <a:xfrm>
-            <a:off x="1991763" y="1783532"/>
-            <a:ext cx="5486400" cy="4609725"/>
-          </a:xfrm>
-          <a:prstGeom prst="rect">
-            <a:avLst/>
-          </a:prstGeom>
-        </p:spPr>
-      </p:pic>
-      <p:sp>
-        <p:nvSpPr>
-          <p:cNvPr id="6148" name="Rectangle 4"/>
-          <p:cNvSpPr>
-            <a:spLocks noGrp="1" noChangeArrowheads="1"/>
-          </p:cNvSpPr>
-          <p:nvPr>
-            <p:ph type="title"/>
-          </p:nvPr>
-        </p:nvSpPr>
-        <p:spPr/>
-        <p:txBody>
-          <a:bodyPr/>
-          <a:lstStyle/>
-          <a:p>
-            <a:r>
-              <a:rPr lang="en-US" noProof="0" dirty="0"/>
-              <a:t>Models</a:t>
-            </a:r>
-          </a:p>
-        </p:txBody>
-      </p:sp>
-      <p:sp>
-        <p:nvSpPr>
-          <p:cNvPr id="4" name="Marcador de pie de página 3">
-            <a:extLst>
-              <a:ext uri="{FF2B5EF4-FFF2-40B4-BE49-F238E27FC236}">
-                <a16:creationId xmlns:a16="http://schemas.microsoft.com/office/drawing/2014/main" id="{AA6FBEFF-CEF2-904C-B8B7-ED1223BA9721}"/>
-              </a:ext>
-            </a:extLst>
-          </p:cNvPr>
-          <p:cNvSpPr>
-            <a:spLocks noGrp="1"/>
-          </p:cNvSpPr>
-          <p:nvPr>
-            <p:ph type="ftr" sz="quarter" idx="11"/>
-          </p:nvPr>
-        </p:nvSpPr>
-        <p:spPr/>
-        <p:txBody>
-          <a:bodyPr/>
-          <a:lstStyle/>
-          <a:p>
-            <a:r>
-              <a:rPr lang="en" dirty="0"/>
-              <a:t>Introduction to Software Engineering - Final Presentations</a:t>
-            </a:r>
-            <a:endParaRPr lang="en-US" dirty="0"/>
-          </a:p>
-        </p:txBody>
-      </p:sp>
-      <p:sp>
-        <p:nvSpPr>
-          <p:cNvPr id="5" name="Content Placeholder 4">
-            <a:extLst>
-              <a:ext uri="{FF2B5EF4-FFF2-40B4-BE49-F238E27FC236}">
-                <a16:creationId xmlns:a16="http://schemas.microsoft.com/office/drawing/2014/main" id="{6AEB5F7E-82F0-42CB-AE55-EB8D47B571E3}"/>
-              </a:ext>
-            </a:extLst>
-          </p:cNvPr>
-          <p:cNvSpPr>
-            <a:spLocks noGrp="1"/>
-          </p:cNvSpPr>
-          <p:nvPr>
-            <p:ph sz="quarter" idx="1"/>
-          </p:nvPr>
-        </p:nvSpPr>
-        <p:spPr>
-          <a:xfrm>
-            <a:off x="301752" y="1527048"/>
-            <a:ext cx="8380521" cy="691051"/>
-          </a:xfrm>
-        </p:spPr>
-        <p:txBody>
-          <a:bodyPr/>
-          <a:lstStyle/>
-          <a:p>
-            <a:r>
-              <a:rPr lang="en-GB" dirty="0"/>
-              <a:t>UML Use-Case (Simplified)</a:t>
-            </a:r>
-          </a:p>
-        </p:txBody>
-      </p:sp>
-    </p:spTree>
-    <p:extLst>
-      <p:ext uri="{BB962C8B-B14F-4D97-AF65-F5344CB8AC3E}">
-        <p14:creationId xmlns:p14="http://schemas.microsoft.com/office/powerpoint/2010/main" val="3183514888"/>
-      </p:ext>
-    </p:extLst>
-  </p:cSld>
-  <p:clrMapOvr>
-    <a:masterClrMapping/>
-  </p:clrMapOvr>
-  <p:transition advClick="0" advTm="20000"/>
-</p:sld>
-</file>
-
-<file path=ppt/slides/slide7.xml><?xml version="1.0" encoding="utf-8"?>
+<file path=ppt/slides/slide3.xml><?xml version="1.0" encoding="utf-8"?>
 <p:sld xmlns:a="http://schemas.openxmlformats.org/drawingml/2006/main" xmlns:r="http://schemas.openxmlformats.org/officeDocument/2006/relationships" xmlns:p="http://schemas.openxmlformats.org/presentationml/2006/main">
   <p:cSld>
     <p:spTree>
@@ -12750,7 +9156,7 @@
 </p:sld>
 </file>
 
-<file path=ppt/slides/slide8.xml><?xml version="1.0" encoding="utf-8"?>
+<file path=ppt/slides/slide4.xml><?xml version="1.0" encoding="utf-8"?>
 <p:sld xmlns:a="http://schemas.openxmlformats.org/drawingml/2006/main" xmlns:r="http://schemas.openxmlformats.org/officeDocument/2006/relationships" xmlns:p="http://schemas.openxmlformats.org/presentationml/2006/main">
   <p:cSld>
     <p:spTree>
@@ -12846,17 +9252,17 @@
           <a:p>
             <a:r>
               <a:rPr lang="en-GB" dirty="0"/>
-              <a:t>UI Mobile-Design</a:t>
+              <a:t>UI Design</a:t>
             </a:r>
           </a:p>
         </p:txBody>
       </p:sp>
       <p:pic>
         <p:nvPicPr>
-          <p:cNvPr id="3" name="Picture 2">
+          <p:cNvPr id="6" name="Picture 5">
             <a:extLst>
               <a:ext uri="{FF2B5EF4-FFF2-40B4-BE49-F238E27FC236}">
-                <a16:creationId xmlns:a16="http://schemas.microsoft.com/office/drawing/2014/main" id="{EE877868-9736-407A-B682-B201FF03BAD4}"/>
+                <a16:creationId xmlns:a16="http://schemas.microsoft.com/office/drawing/2014/main" id="{25639A04-165F-4A40-9EA8-B24CA74A6122}"/>
               </a:ext>
             </a:extLst>
           </p:cNvPr>
@@ -12879,8 +9285,80 @@
         </p:blipFill>
         <p:spPr>
           <a:xfrm>
-            <a:off x="652364" y="2218099"/>
-            <a:ext cx="2221828" cy="3951838"/>
+            <a:off x="192868" y="2070745"/>
+            <a:ext cx="2081753" cy="3702696"/>
+          </a:xfrm>
+          <a:prstGeom prst="rect">
+            <a:avLst/>
+          </a:prstGeom>
+        </p:spPr>
+      </p:pic>
+      <p:pic>
+        <p:nvPicPr>
+          <p:cNvPr id="8" name="Picture 7">
+            <a:extLst>
+              <a:ext uri="{FF2B5EF4-FFF2-40B4-BE49-F238E27FC236}">
+                <a16:creationId xmlns:a16="http://schemas.microsoft.com/office/drawing/2014/main" id="{A4C5592F-60CB-44AF-AADD-B80F7D9BC156}"/>
+              </a:ext>
+            </a:extLst>
+          </p:cNvPr>
+          <p:cNvPicPr>
+            <a:picLocks noChangeAspect="1"/>
+          </p:cNvPicPr>
+          <p:nvPr/>
+        </p:nvPicPr>
+        <p:blipFill>
+          <a:blip r:embed="rId4" cstate="email">
+            <a:extLst>
+              <a:ext uri="{28A0092B-C50C-407E-A947-70E740481C1C}">
+                <a14:useLocalDpi xmlns:a14="http://schemas.microsoft.com/office/drawing/2010/main" val="0"/>
+              </a:ext>
+            </a:extLst>
+          </a:blip>
+          <a:stretch>
+            <a:fillRect/>
+          </a:stretch>
+        </p:blipFill>
+        <p:spPr>
+          <a:xfrm>
+            <a:off x="2274621" y="2070745"/>
+            <a:ext cx="2081753" cy="3702696"/>
+          </a:xfrm>
+          <a:prstGeom prst="rect">
+            <a:avLst/>
+          </a:prstGeom>
+        </p:spPr>
+      </p:pic>
+      <p:pic>
+        <p:nvPicPr>
+          <p:cNvPr id="9" name="Picture 8">
+            <a:extLst>
+              <a:ext uri="{FF2B5EF4-FFF2-40B4-BE49-F238E27FC236}">
+                <a16:creationId xmlns:a16="http://schemas.microsoft.com/office/drawing/2014/main" id="{EB183F87-9304-4CFF-B792-F0260E5478A2}"/>
+              </a:ext>
+            </a:extLst>
+          </p:cNvPr>
+          <p:cNvPicPr>
+            <a:picLocks noChangeAspect="1"/>
+          </p:cNvPicPr>
+          <p:nvPr/>
+        </p:nvPicPr>
+        <p:blipFill>
+          <a:blip r:embed="rId5" cstate="email">
+            <a:extLst>
+              <a:ext uri="{28A0092B-C50C-407E-A947-70E740481C1C}">
+                <a14:useLocalDpi xmlns:a14="http://schemas.microsoft.com/office/drawing/2010/main" val="0"/>
+              </a:ext>
+            </a:extLst>
+          </a:blip>
+          <a:stretch>
+            <a:fillRect/>
+          </a:stretch>
+        </p:blipFill>
+        <p:spPr>
+          <a:xfrm>
+            <a:off x="4356375" y="2476612"/>
+            <a:ext cx="4599746" cy="2783451"/>
           </a:xfrm>
           <a:prstGeom prst="rect">
             <a:avLst/>
@@ -12901,7 +9379,7 @@
 </p:sld>
 </file>
 
-<file path=ppt/slides/slide9.xml><?xml version="1.0" encoding="utf-8"?>
+<file path=ppt/slides/slide5.xml><?xml version="1.0" encoding="utf-8"?>
 <p:sld xmlns:a="http://schemas.openxmlformats.org/drawingml/2006/main" xmlns:r="http://schemas.openxmlformats.org/officeDocument/2006/relationships" xmlns:p="http://schemas.openxmlformats.org/presentationml/2006/main">
   <p:cSld>
     <p:spTree>
@@ -12935,7 +9413,7 @@
           <a:p>
             <a:r>
               <a:rPr lang="en-US" noProof="0" dirty="0"/>
-              <a:t>Models</a:t>
+              <a:t>Implementation Models</a:t>
             </a:r>
           </a:p>
         </p:txBody>
@@ -12971,33 +9449,125 @@
       </p:sp>
       <p:sp>
         <p:nvSpPr>
-          <p:cNvPr id="5" name="Content Placeholder 4">
+          <p:cNvPr id="2" name="Rectangle 1">
             <a:extLst>
               <a:ext uri="{FF2B5EF4-FFF2-40B4-BE49-F238E27FC236}">
-                <a16:creationId xmlns:a16="http://schemas.microsoft.com/office/drawing/2014/main" id="{6AEB5F7E-82F0-42CB-AE55-EB8D47B571E3}"/>
+                <a16:creationId xmlns:a16="http://schemas.microsoft.com/office/drawing/2014/main" id="{43C31A82-FF86-4783-90C6-BFA185EDFB99}"/>
               </a:ext>
             </a:extLst>
           </p:cNvPr>
-          <p:cNvSpPr>
-            <a:spLocks noGrp="1"/>
-          </p:cNvSpPr>
-          <p:nvPr>
-            <p:ph sz="quarter" idx="1"/>
-          </p:nvPr>
-        </p:nvSpPr>
-        <p:spPr>
-          <a:xfrm>
-            <a:off x="301752" y="1527048"/>
-            <a:ext cx="8380521" cy="691051"/>
-          </a:xfrm>
-        </p:spPr>
-        <p:txBody>
-          <a:bodyPr/>
-          <a:lstStyle/>
-          <a:p>
-            <a:r>
-              <a:rPr lang="en-GB" dirty="0"/>
-              <a:t>UI Web-Design</a:t>
+          <p:cNvSpPr/>
+          <p:nvPr/>
+        </p:nvSpPr>
+        <p:spPr>
+          <a:xfrm>
+            <a:off x="558266" y="1617111"/>
+            <a:ext cx="8021370" cy="4535786"/>
+          </a:xfrm>
+          <a:prstGeom prst="rect">
+            <a:avLst/>
+          </a:prstGeom>
+        </p:spPr>
+        <p:style>
+          <a:lnRef idx="1">
+            <a:schemeClr val="dk1"/>
+          </a:lnRef>
+          <a:fillRef idx="3">
+            <a:schemeClr val="dk1"/>
+          </a:fillRef>
+          <a:effectRef idx="2">
+            <a:schemeClr val="dk1"/>
+          </a:effectRef>
+          <a:fontRef idx="minor">
+            <a:schemeClr val="lt1"/>
+          </a:fontRef>
+        </p:style>
+        <p:txBody>
+          <a:bodyPr rtlCol="0" anchor="ctr"/>
+          <a:lstStyle/>
+          <a:p>
+            <a:pPr algn="ctr"/>
+            <a:endParaRPr lang="en-GB"/>
+          </a:p>
+        </p:txBody>
+      </p:sp>
+      <p:sp>
+        <p:nvSpPr>
+          <p:cNvPr id="3" name="TextBox 2">
+            <a:extLst>
+              <a:ext uri="{FF2B5EF4-FFF2-40B4-BE49-F238E27FC236}">
+                <a16:creationId xmlns:a16="http://schemas.microsoft.com/office/drawing/2014/main" id="{4F228E14-07ED-4C65-8B06-2D5B63CD7E64}"/>
+              </a:ext>
+            </a:extLst>
+          </p:cNvPr>
+          <p:cNvSpPr txBox="1"/>
+          <p:nvPr/>
+        </p:nvSpPr>
+        <p:spPr>
+          <a:xfrm>
+            <a:off x="902298" y="1995637"/>
+            <a:ext cx="7333307" cy="3785652"/>
+          </a:xfrm>
+          <a:prstGeom prst="rect">
+            <a:avLst/>
+          </a:prstGeom>
+          <a:noFill/>
+        </p:spPr>
+        <p:txBody>
+          <a:bodyPr wrap="square" rtlCol="0">
+            <a:spAutoFit/>
+          </a:bodyPr>
+          <a:lstStyle/>
+          <a:p>
+            <a:pPr algn="ctr"/>
+            <a:r>
+              <a:rPr lang="en-GB" sz="4000" dirty="0">
+                <a:solidFill>
+                  <a:schemeClr val="bg1"/>
+                </a:solidFill>
+              </a:rPr>
+              <a:t>NEED TO ADD</a:t>
+            </a:r>
+          </a:p>
+          <a:p>
+            <a:pPr algn="ctr"/>
+            <a:r>
+              <a:rPr lang="en-GB" sz="4000" dirty="0">
+                <a:solidFill>
+                  <a:schemeClr val="bg1"/>
+                </a:solidFill>
+              </a:rPr>
+              <a:t>REAL CLASS MODEL</a:t>
+            </a:r>
+          </a:p>
+          <a:p>
+            <a:pPr algn="ctr"/>
+            <a:endParaRPr lang="en-GB" sz="4000" dirty="0">
+              <a:solidFill>
+                <a:schemeClr val="bg1"/>
+              </a:solidFill>
+            </a:endParaRPr>
+          </a:p>
+          <a:p>
+            <a:pPr algn="ctr"/>
+            <a:r>
+              <a:rPr lang="en-GB" sz="4000" dirty="0">
+                <a:solidFill>
+                  <a:schemeClr val="bg1"/>
+                </a:solidFill>
+              </a:rPr>
+              <a:t>ADRI WILL CREATE IT</a:t>
+            </a:r>
+          </a:p>
+          <a:p>
+            <a:pPr algn="ctr"/>
+            <a:r>
+              <a:rPr lang="en-GB" sz="4000" dirty="0">
+                <a:solidFill>
+                  <a:schemeClr val="bg1"/>
+                </a:solidFill>
+              </a:rPr>
+              <a:t>WHEN EVERYONE FINISH CODING</a:t>
             </a:r>
           </a:p>
         </p:txBody>
@@ -13005,7 +9575,7 @@
     </p:spTree>
     <p:extLst>
       <p:ext uri="{BB962C8B-B14F-4D97-AF65-F5344CB8AC3E}">
-        <p14:creationId xmlns:p14="http://schemas.microsoft.com/office/powerpoint/2010/main" val="3589333119"/>
+        <p14:creationId xmlns:p14="http://schemas.microsoft.com/office/powerpoint/2010/main" val="2031227237"/>
       </p:ext>
     </p:extLst>
   </p:cSld>
